--- a/18-data-visualization/Contenido Semana 1/2.6. Material - Tarjetas Juego Agregaciones.pptx
+++ b/18-data-visualization/Contenido Semana 1/2.6. Material - Tarjetas Juego Agregaciones.pptx
@@ -10,33 +10,33 @@
   <p:sldIdLst>
     <p:sldId id="282" r:id="rId2"/>
     <p:sldId id="283" r:id="rId3"/>
-    <p:sldId id="284" r:id="rId4"/>
-    <p:sldId id="287" r:id="rId5"/>
-    <p:sldId id="285" r:id="rId6"/>
-    <p:sldId id="286" r:id="rId7"/>
-    <p:sldId id="288" r:id="rId8"/>
-    <p:sldId id="290" r:id="rId9"/>
-    <p:sldId id="291" r:id="rId10"/>
+    <p:sldId id="292" r:id="rId4"/>
+    <p:sldId id="294" r:id="rId5"/>
+    <p:sldId id="295" r:id="rId6"/>
+    <p:sldId id="296" r:id="rId7"/>
+    <p:sldId id="297" r:id="rId8"/>
+    <p:sldId id="298" r:id="rId9"/>
+    <p:sldId id="299" r:id="rId10"/>
   </p:sldIdLst>
   <p:sldSz cx="9144000" cy="6858000" type="screen4x3"/>
   <p:notesSz cx="6858000" cy="9144000"/>
   <p:embeddedFontLst>
     <p:embeddedFont>
-      <p:font typeface="Montserrat" panose="020B0604020202020204" charset="0"/>
+      <p:font typeface="Raleway" panose="020B0604020202020204" charset="0"/>
       <p:regular r:id="rId12"/>
       <p:bold r:id="rId13"/>
       <p:italic r:id="rId14"/>
       <p:boldItalic r:id="rId15"/>
     </p:embeddedFont>
     <p:embeddedFont>
-      <p:font typeface="Calibri" panose="020F0502020204030204" pitchFamily="34" charset="0"/>
+      <p:font typeface="Montserrat" panose="020B0604020202020204" charset="0"/>
       <p:regular r:id="rId16"/>
       <p:bold r:id="rId17"/>
       <p:italic r:id="rId18"/>
       <p:boldItalic r:id="rId19"/>
     </p:embeddedFont>
     <p:embeddedFont>
-      <p:font typeface="Raleway" panose="020B0604020202020204" charset="0"/>
+      <p:font typeface="Calibri" panose="020F0502020204030204" pitchFamily="34" charset="0"/>
       <p:regular r:id="rId20"/>
       <p:bold r:id="rId21"/>
       <p:italic r:id="rId22"/>
@@ -1277,7 +1277,7 @@
               </a:spcBef>
               <a:buNone/>
             </a:pPr>
-            <a:endParaRPr/>
+            <a:endParaRPr dirty="0"/>
           </a:p>
         </p:txBody>
       </p:sp>
@@ -1383,7 +1383,7 @@
               </a:spcBef>
               <a:buNone/>
             </a:pPr>
-            <a:endParaRPr/>
+            <a:endParaRPr dirty="0"/>
           </a:p>
         </p:txBody>
       </p:sp>
@@ -1431,7 +1431,7 @@
     </p:spTree>
     <p:extLst>
       <p:ext uri="{BB962C8B-B14F-4D97-AF65-F5344CB8AC3E}">
-        <p14:creationId xmlns:p14="http://schemas.microsoft.com/office/powerpoint/2010/main" val="1840584131"/>
+        <p14:creationId xmlns:p14="http://schemas.microsoft.com/office/powerpoint/2010/main" val="190381708"/>
       </p:ext>
     </p:extLst>
   </p:cSld>
@@ -1489,7 +1489,7 @@
               </a:spcBef>
               <a:buNone/>
             </a:pPr>
-            <a:endParaRPr/>
+            <a:endParaRPr dirty="0"/>
           </a:p>
         </p:txBody>
       </p:sp>
@@ -1537,7 +1537,7 @@
     </p:spTree>
     <p:extLst>
       <p:ext uri="{BB962C8B-B14F-4D97-AF65-F5344CB8AC3E}">
-        <p14:creationId xmlns:p14="http://schemas.microsoft.com/office/powerpoint/2010/main" val="296973297"/>
+        <p14:creationId xmlns:p14="http://schemas.microsoft.com/office/powerpoint/2010/main" val="2531298759"/>
       </p:ext>
     </p:extLst>
   </p:cSld>
@@ -1595,7 +1595,7 @@
               </a:spcBef>
               <a:buNone/>
             </a:pPr>
-            <a:endParaRPr/>
+            <a:endParaRPr dirty="0"/>
           </a:p>
         </p:txBody>
       </p:sp>
@@ -1643,7 +1643,7 @@
     </p:spTree>
     <p:extLst>
       <p:ext uri="{BB962C8B-B14F-4D97-AF65-F5344CB8AC3E}">
-        <p14:creationId xmlns:p14="http://schemas.microsoft.com/office/powerpoint/2010/main" val="4195968977"/>
+        <p14:creationId xmlns:p14="http://schemas.microsoft.com/office/powerpoint/2010/main" val="3362606088"/>
       </p:ext>
     </p:extLst>
   </p:cSld>
@@ -1701,7 +1701,7 @@
               </a:spcBef>
               <a:buNone/>
             </a:pPr>
-            <a:endParaRPr/>
+            <a:endParaRPr dirty="0"/>
           </a:p>
         </p:txBody>
       </p:sp>
@@ -1749,7 +1749,7 @@
     </p:spTree>
     <p:extLst>
       <p:ext uri="{BB962C8B-B14F-4D97-AF65-F5344CB8AC3E}">
-        <p14:creationId xmlns:p14="http://schemas.microsoft.com/office/powerpoint/2010/main" val="2409861538"/>
+        <p14:creationId xmlns:p14="http://schemas.microsoft.com/office/powerpoint/2010/main" val="2809569073"/>
       </p:ext>
     </p:extLst>
   </p:cSld>
@@ -1807,7 +1807,7 @@
               </a:spcBef>
               <a:buNone/>
             </a:pPr>
-            <a:endParaRPr/>
+            <a:endParaRPr dirty="0"/>
           </a:p>
         </p:txBody>
       </p:sp>
@@ -1855,7 +1855,7 @@
     </p:spTree>
     <p:extLst>
       <p:ext uri="{BB962C8B-B14F-4D97-AF65-F5344CB8AC3E}">
-        <p14:creationId xmlns:p14="http://schemas.microsoft.com/office/powerpoint/2010/main" val="2674377406"/>
+        <p14:creationId xmlns:p14="http://schemas.microsoft.com/office/powerpoint/2010/main" val="1113637795"/>
       </p:ext>
     </p:extLst>
   </p:cSld>
@@ -1913,7 +1913,7 @@
               </a:spcBef>
               <a:buNone/>
             </a:pPr>
-            <a:endParaRPr/>
+            <a:endParaRPr dirty="0"/>
           </a:p>
         </p:txBody>
       </p:sp>
@@ -1961,7 +1961,7 @@
     </p:spTree>
     <p:extLst>
       <p:ext uri="{BB962C8B-B14F-4D97-AF65-F5344CB8AC3E}">
-        <p14:creationId xmlns:p14="http://schemas.microsoft.com/office/powerpoint/2010/main" val="3918793602"/>
+        <p14:creationId xmlns:p14="http://schemas.microsoft.com/office/powerpoint/2010/main" val="627099808"/>
       </p:ext>
     </p:extLst>
   </p:cSld>
@@ -2019,7 +2019,7 @@
               </a:spcBef>
               <a:buNone/>
             </a:pPr>
-            <a:endParaRPr/>
+            <a:endParaRPr dirty="0"/>
           </a:p>
         </p:txBody>
       </p:sp>
@@ -2067,7 +2067,7 @@
     </p:spTree>
     <p:extLst>
       <p:ext uri="{BB962C8B-B14F-4D97-AF65-F5344CB8AC3E}">
-        <p14:creationId xmlns:p14="http://schemas.microsoft.com/office/powerpoint/2010/main" val="1487707947"/>
+        <p14:creationId xmlns:p14="http://schemas.microsoft.com/office/powerpoint/2010/main" val="39435496"/>
       </p:ext>
     </p:extLst>
   </p:cSld>
@@ -11048,8 +11048,8 @@
         </p:nvSpPr>
         <p:spPr>
           <a:xfrm flipH="1">
-            <a:off x="0" y="5753658"/>
-            <a:ext cx="9144000" cy="307777"/>
+            <a:off x="127258" y="4938943"/>
+            <a:ext cx="8909904" cy="307777"/>
           </a:xfrm>
           <a:prstGeom prst="rect">
             <a:avLst/>
@@ -11071,7 +11071,7 @@
                 </a:solidFill>
                 <a:latin typeface="Raleway" panose="020B0604020202020204" charset="0"/>
               </a:rPr>
-              <a:t>Comandos:</a:t>
+              <a:t>Comandos en diferentes tecnologías:</a:t>
             </a:r>
           </a:p>
         </p:txBody>
@@ -11132,8 +11132,8 @@
         </p:nvSpPr>
         <p:spPr>
           <a:xfrm>
-            <a:off x="9427" y="6061435"/>
-            <a:ext cx="9134573" cy="796565"/>
+            <a:off x="131780" y="5246721"/>
+            <a:ext cx="8891244" cy="1531152"/>
           </a:xfrm>
           <a:prstGeom prst="rect">
             <a:avLst/>
@@ -11185,7 +11185,7 @@
         <p:spPr>
           <a:xfrm>
             <a:off x="146451" y="2003808"/>
-            <a:ext cx="3739143" cy="3492372"/>
+            <a:ext cx="3739143" cy="2794435"/>
           </a:xfrm>
           <a:prstGeom prst="rect">
             <a:avLst/>
@@ -11237,7 +11237,7 @@
         <p:spPr>
           <a:xfrm>
             <a:off x="4111660" y="2003808"/>
-            <a:ext cx="4911363" cy="3492372"/>
+            <a:ext cx="4911363" cy="2832143"/>
           </a:xfrm>
           <a:prstGeom prst="rect">
             <a:avLst/>
@@ -11276,46 +11276,6 @@
       </p:sp>
       <p:sp>
         <p:nvSpPr>
-          <p:cNvPr id="5" name="TextBox 4">
-            <a:extLst>
-              <a:ext uri="{FF2B5EF4-FFF2-40B4-BE49-F238E27FC236}">
-                <a16:creationId xmlns:a16="http://schemas.microsoft.com/office/drawing/2014/main" id="{2CE93F73-A7A8-4258-B4DD-B5F33AB5F72A}"/>
-              </a:ext>
-            </a:extLst>
-          </p:cNvPr>
-          <p:cNvSpPr txBox="1"/>
-          <p:nvPr/>
-        </p:nvSpPr>
-        <p:spPr>
-          <a:xfrm>
-            <a:off x="917691" y="6269213"/>
-            <a:ext cx="1775011" cy="307777"/>
-          </a:xfrm>
-          <a:prstGeom prst="rect">
-            <a:avLst/>
-          </a:prstGeom>
-          <a:noFill/>
-        </p:spPr>
-        <p:txBody>
-          <a:bodyPr wrap="square" rtlCol="0">
-            <a:spAutoFit/>
-          </a:bodyPr>
-          <a:lstStyle/>
-          <a:p>
-            <a:r>
-              <a:rPr lang="es-VE" dirty="0">
-                <a:latin typeface="Raleway" panose="020B0604020202020204" charset="0"/>
-              </a:rPr>
-              <a:t>MIN()</a:t>
-            </a:r>
-            <a:endParaRPr lang="en-US" dirty="0">
-              <a:latin typeface="Raleway" panose="020B0604020202020204" charset="0"/>
-            </a:endParaRPr>
-          </a:p>
-        </p:txBody>
-      </p:sp>
-      <p:sp>
-        <p:nvSpPr>
           <p:cNvPr id="13" name="TextBox 12">
             <a:extLst>
               <a:ext uri="{FF2B5EF4-FFF2-40B4-BE49-F238E27FC236}">
@@ -11328,7 +11288,7 @@
         </p:nvSpPr>
         <p:spPr>
           <a:xfrm>
-            <a:off x="229439" y="4397399"/>
+            <a:off x="238088" y="3508766"/>
             <a:ext cx="3851785" cy="523220"/>
           </a:xfrm>
           <a:prstGeom prst="rect">
@@ -11343,7 +11303,7 @@
           <a:lstStyle/>
           <a:p>
             <a:r>
-              <a:rPr lang="es-VE" dirty="0">
+              <a:rPr lang="es-VE" b="1" dirty="0">
                 <a:latin typeface="Raleway" panose="020B0604020202020204" charset="0"/>
               </a:rPr>
               <a:t>En la práctica se usa para:</a:t>
@@ -11351,16 +11311,10 @@
           </a:p>
           <a:p>
             <a:r>
-              <a:rPr lang="es-VE" dirty="0" err="1">
-                <a:latin typeface="Raleway" panose="020B0604020202020204" charset="0"/>
-              </a:rPr>
-              <a:t>xxxx</a:t>
-            </a:r>
-            <a:r>
               <a:rPr lang="es-VE" dirty="0">
                 <a:latin typeface="Raleway" panose="020B0604020202020204" charset="0"/>
               </a:rPr>
-              <a:t> </a:t>
+              <a:t>Saber el menor valor</a:t>
             </a:r>
             <a:endParaRPr lang="en-US" dirty="0">
               <a:latin typeface="Raleway" panose="020B0604020202020204" charset="0"/>
@@ -11382,7 +11336,7 @@
         </p:nvSpPr>
         <p:spPr>
           <a:xfrm>
-            <a:off x="216301" y="5061156"/>
+            <a:off x="259875" y="4323820"/>
             <a:ext cx="3851785" cy="307777"/>
           </a:xfrm>
           <a:prstGeom prst="rect">
@@ -11423,7 +11377,7 @@
         <p:spPr>
           <a:xfrm>
             <a:off x="372517" y="2188335"/>
-            <a:ext cx="3851785" cy="307777"/>
+            <a:ext cx="3365211" cy="523220"/>
           </a:xfrm>
           <a:prstGeom prst="rect">
             <a:avLst/>
@@ -11437,10 +11391,10 @@
           <a:lstStyle/>
           <a:p>
             <a:r>
-              <a:rPr lang="es-VE" dirty="0">
+              <a:rPr lang="es-ES" dirty="0">
                 <a:latin typeface="Raleway" panose="020B0604020202020204" charset="0"/>
               </a:rPr>
-              <a:t>XLSLM KKNSKM ;M</a:t>
+              <a:t>Representa el valor mínimo que haya en una muestra</a:t>
             </a:r>
             <a:endParaRPr lang="en-US" dirty="0">
               <a:latin typeface="Raleway" panose="020B0604020202020204" charset="0"/>
@@ -11462,7 +11416,7 @@
         </p:nvCxnSpPr>
         <p:spPr>
           <a:xfrm>
-            <a:off x="159295" y="4363172"/>
+            <a:off x="177025" y="3378071"/>
             <a:ext cx="3708569" cy="0"/>
           </a:xfrm>
           <a:prstGeom prst="line">
@@ -11504,7 +11458,7 @@
         </p:nvCxnSpPr>
         <p:spPr>
           <a:xfrm>
-            <a:off x="150327" y="4999672"/>
+            <a:off x="177024" y="4193680"/>
             <a:ext cx="3708569" cy="0"/>
           </a:xfrm>
           <a:prstGeom prst="line">
@@ -11547,7 +11501,7 @@
         <p:spPr>
           <a:xfrm>
             <a:off x="4359062" y="2131144"/>
-            <a:ext cx="4447539" cy="2246769"/>
+            <a:ext cx="4447539" cy="1169551"/>
           </a:xfrm>
           <a:prstGeom prst="rect">
             <a:avLst/>
@@ -11568,7 +11522,7 @@
               <a:rPr lang="es-VE" dirty="0">
                 <a:latin typeface="Raleway" panose="020B0604020202020204" charset="0"/>
               </a:rPr>
-              <a:t>En la práctica se usa para:</a:t>
+              <a:t>Contar cuantas veces se repite cada valor. Esto definirá la frecuencia del valor. </a:t>
             </a:r>
           </a:p>
           <a:p>
@@ -11577,16 +11531,10 @@
               <a:buAutoNum type="arabicPeriod"/>
             </a:pPr>
             <a:r>
-              <a:rPr lang="es-VE" dirty="0" err="1">
-                <a:latin typeface="Raleway" panose="020B0604020202020204" charset="0"/>
-              </a:rPr>
-              <a:t>xxxx</a:t>
-            </a:r>
-            <a:r>
               <a:rPr lang="es-VE" dirty="0">
                 <a:latin typeface="Raleway" panose="020B0604020202020204" charset="0"/>
               </a:rPr>
-              <a:t> </a:t>
+              <a:t>Ver cuál es el valor más pequeño que tiene al menos 1 como frecuencia. </a:t>
             </a:r>
           </a:p>
           <a:p>
@@ -11595,117 +11543,431 @@
               <a:buAutoNum type="arabicPeriod"/>
             </a:pPr>
             <a:r>
-              <a:rPr lang="es-VE" dirty="0" err="1">
+              <a:rPr lang="es-VE" dirty="0">
                 <a:latin typeface="Raleway" panose="020B0604020202020204" charset="0"/>
               </a:rPr>
-              <a:t>Fdddf</a:t>
+              <a:t>Ese valor representa el mínimo de la población</a:t>
             </a:r>
-            <a:endParaRPr lang="es-VE" dirty="0">
+            <a:endParaRPr lang="en-US" dirty="0">
               <a:latin typeface="Raleway" panose="020B0604020202020204" charset="0"/>
             </a:endParaRPr>
           </a:p>
-          <a:p>
-            <a:pPr marL="342900" indent="-342900">
-              <a:buFont typeface="+mj-lt"/>
-              <a:buAutoNum type="arabicPeriod"/>
-            </a:pPr>
+        </p:txBody>
+      </p:sp>
+      <p:pic>
+        <p:nvPicPr>
+          <p:cNvPr id="9" name="Picture 8" descr="A close up of a logo&#10;&#10;Description generated with high confidence">
+            <a:extLst>
+              <a:ext uri="{FF2B5EF4-FFF2-40B4-BE49-F238E27FC236}">
+                <a16:creationId xmlns:a16="http://schemas.microsoft.com/office/drawing/2014/main" id="{D76E1C09-9D33-45B9-A42D-E38DF5BFC8E1}"/>
+              </a:ext>
+            </a:extLst>
+          </p:cNvPr>
+          <p:cNvPicPr>
+            <a:picLocks noChangeAspect="1"/>
+          </p:cNvPicPr>
+          <p:nvPr/>
+        </p:nvPicPr>
+        <p:blipFill>
+          <a:blip r:embed="rId4"/>
+          <a:stretch>
+            <a:fillRect/>
+          </a:stretch>
+        </p:blipFill>
+        <p:spPr>
+          <a:xfrm>
+            <a:off x="1906369" y="4368596"/>
+            <a:ext cx="1000142" cy="205637"/>
+          </a:xfrm>
+          <a:prstGeom prst="rect">
+            <a:avLst/>
+          </a:prstGeom>
+        </p:spPr>
+      </p:pic>
+      <p:pic>
+        <p:nvPicPr>
+          <p:cNvPr id="16" name="Picture 15" descr="A close up of a sign&#10;&#10;Description generated with high confidence">
+            <a:extLst>
+              <a:ext uri="{FF2B5EF4-FFF2-40B4-BE49-F238E27FC236}">
+                <a16:creationId xmlns:a16="http://schemas.microsoft.com/office/drawing/2014/main" id="{40EDB379-786D-43FC-A6A9-613CB9504700}"/>
+              </a:ext>
+            </a:extLst>
+          </p:cNvPr>
+          <p:cNvPicPr>
+            <a:picLocks noChangeAspect="1"/>
+          </p:cNvPicPr>
+          <p:nvPr/>
+        </p:nvPicPr>
+        <p:blipFill>
+          <a:blip r:embed="rId5"/>
+          <a:stretch>
+            <a:fillRect/>
+          </a:stretch>
+        </p:blipFill>
+        <p:spPr>
+          <a:xfrm>
+            <a:off x="342500" y="5404749"/>
+            <a:ext cx="612741" cy="612741"/>
+          </a:xfrm>
+          <a:prstGeom prst="rect">
+            <a:avLst/>
+          </a:prstGeom>
+        </p:spPr>
+      </p:pic>
+      <p:pic>
+        <p:nvPicPr>
+          <p:cNvPr id="18" name="Picture 17" descr="A close up of a sign&#10;&#10;Description generated with very high confidence">
+            <a:extLst>
+              <a:ext uri="{FF2B5EF4-FFF2-40B4-BE49-F238E27FC236}">
+                <a16:creationId xmlns:a16="http://schemas.microsoft.com/office/drawing/2014/main" id="{F68448EE-6FDB-4F8D-880B-0F7C23724EA9}"/>
+              </a:ext>
+            </a:extLst>
+          </p:cNvPr>
+          <p:cNvPicPr>
+            <a:picLocks noChangeAspect="1"/>
+          </p:cNvPicPr>
+          <p:nvPr/>
+        </p:nvPicPr>
+        <p:blipFill>
+          <a:blip r:embed="rId6"/>
+          <a:stretch>
+            <a:fillRect/>
+          </a:stretch>
+        </p:blipFill>
+        <p:spPr>
+          <a:xfrm>
+            <a:off x="4570232" y="6276471"/>
+            <a:ext cx="438478" cy="438478"/>
+          </a:xfrm>
+          <a:prstGeom prst="rect">
+            <a:avLst/>
+          </a:prstGeom>
+        </p:spPr>
+      </p:pic>
+      <p:pic>
+        <p:nvPicPr>
+          <p:cNvPr id="22" name="Picture 21">
+            <a:extLst>
+              <a:ext uri="{FF2B5EF4-FFF2-40B4-BE49-F238E27FC236}">
+                <a16:creationId xmlns:a16="http://schemas.microsoft.com/office/drawing/2014/main" id="{939AE214-C454-4CA4-8E97-93D86FDA17D5}"/>
+              </a:ext>
+            </a:extLst>
+          </p:cNvPr>
+          <p:cNvPicPr>
+            <a:picLocks noChangeAspect="1"/>
+          </p:cNvPicPr>
+          <p:nvPr/>
+        </p:nvPicPr>
+        <p:blipFill>
+          <a:blip r:embed="rId7"/>
+          <a:stretch>
+            <a:fillRect/>
+          </a:stretch>
+        </p:blipFill>
+        <p:spPr>
+          <a:xfrm>
+            <a:off x="1286601" y="6178325"/>
+            <a:ext cx="693394" cy="468041"/>
+          </a:xfrm>
+          <a:prstGeom prst="rect">
+            <a:avLst/>
+          </a:prstGeom>
+        </p:spPr>
+      </p:pic>
+      <p:pic>
+        <p:nvPicPr>
+          <p:cNvPr id="24" name="Picture 23">
+            <a:extLst>
+              <a:ext uri="{FF2B5EF4-FFF2-40B4-BE49-F238E27FC236}">
+                <a16:creationId xmlns:a16="http://schemas.microsoft.com/office/drawing/2014/main" id="{EB951EBB-32B0-4EF8-A01E-218887E29A1C}"/>
+              </a:ext>
+            </a:extLst>
+          </p:cNvPr>
+          <p:cNvPicPr>
+            <a:picLocks noChangeAspect="1"/>
+          </p:cNvPicPr>
+          <p:nvPr/>
+        </p:nvPicPr>
+        <p:blipFill>
+          <a:blip r:embed="rId8"/>
+          <a:stretch>
+            <a:fillRect/>
+          </a:stretch>
+        </p:blipFill>
+        <p:spPr>
+          <a:xfrm>
+            <a:off x="2812504" y="5358291"/>
+            <a:ext cx="721916" cy="721916"/>
+          </a:xfrm>
+          <a:prstGeom prst="rect">
+            <a:avLst/>
+          </a:prstGeom>
+        </p:spPr>
+      </p:pic>
+      <p:pic>
+        <p:nvPicPr>
+          <p:cNvPr id="26" name="Picture 25">
+            <a:extLst>
+              <a:ext uri="{FF2B5EF4-FFF2-40B4-BE49-F238E27FC236}">
+                <a16:creationId xmlns:a16="http://schemas.microsoft.com/office/drawing/2014/main" id="{C3607B00-44CB-47AE-A403-16894437277A}"/>
+              </a:ext>
+            </a:extLst>
+          </p:cNvPr>
+          <p:cNvPicPr>
+            <a:picLocks noChangeAspect="1"/>
+          </p:cNvPicPr>
+          <p:nvPr/>
+        </p:nvPicPr>
+        <p:blipFill>
+          <a:blip r:embed="rId9"/>
+          <a:stretch>
+            <a:fillRect/>
+          </a:stretch>
+        </p:blipFill>
+        <p:spPr>
+          <a:xfrm>
+            <a:off x="5574991" y="5585136"/>
+            <a:ext cx="1603015" cy="336274"/>
+          </a:xfrm>
+          <a:prstGeom prst="rect">
+            <a:avLst/>
+          </a:prstGeom>
+        </p:spPr>
+      </p:pic>
+      <p:sp>
+        <p:nvSpPr>
+          <p:cNvPr id="32" name="TextBox 31">
+            <a:extLst>
+              <a:ext uri="{FF2B5EF4-FFF2-40B4-BE49-F238E27FC236}">
+                <a16:creationId xmlns:a16="http://schemas.microsoft.com/office/drawing/2014/main" id="{57FACAED-A4E7-475B-AA16-29F94B38858A}"/>
+              </a:ext>
+            </a:extLst>
+          </p:cNvPr>
+          <p:cNvSpPr txBox="1"/>
+          <p:nvPr/>
+        </p:nvSpPr>
+        <p:spPr>
+          <a:xfrm>
+            <a:off x="5301343" y="6338589"/>
+            <a:ext cx="1775011" cy="307777"/>
+          </a:xfrm>
+          <a:prstGeom prst="rect">
+            <a:avLst/>
+          </a:prstGeom>
+          <a:noFill/>
+        </p:spPr>
+        <p:txBody>
+          <a:bodyPr wrap="square" rtlCol="0">
+            <a:spAutoFit/>
+          </a:bodyPr>
+          <a:lstStyle/>
+          <a:p>
             <a:r>
-              <a:rPr lang="es-VE" dirty="0" err="1">
+              <a:rPr lang="es-VE" b="1" dirty="0">
+                <a:solidFill>
+                  <a:srgbClr val="2B2B2B"/>
+                </a:solidFill>
                 <a:latin typeface="Raleway" panose="020B0604020202020204" charset="0"/>
               </a:rPr>
-              <a:t>Fdfd</a:t>
+              <a:t>MIN - Función</a:t>
             </a:r>
-            <a:endParaRPr lang="es-VE" dirty="0">
+            <a:endParaRPr lang="en-US" b="1" dirty="0">
+              <a:solidFill>
+                <a:srgbClr val="2B2B2B"/>
+              </a:solidFill>
               <a:latin typeface="Raleway" panose="020B0604020202020204" charset="0"/>
             </a:endParaRPr>
           </a:p>
-          <a:p>
-            <a:pPr marL="342900" indent="-342900">
-              <a:buFont typeface="+mj-lt"/>
-              <a:buAutoNum type="arabicPeriod"/>
-            </a:pPr>
+        </p:txBody>
+      </p:sp>
+      <p:sp>
+        <p:nvSpPr>
+          <p:cNvPr id="34" name="TextBox 33">
+            <a:extLst>
+              <a:ext uri="{FF2B5EF4-FFF2-40B4-BE49-F238E27FC236}">
+                <a16:creationId xmlns:a16="http://schemas.microsoft.com/office/drawing/2014/main" id="{7C028F36-0D23-43A8-B3D2-A2975DB42C8F}"/>
+              </a:ext>
+            </a:extLst>
+          </p:cNvPr>
+          <p:cNvSpPr txBox="1"/>
+          <p:nvPr/>
+        </p:nvSpPr>
+        <p:spPr>
+          <a:xfrm>
+            <a:off x="996367" y="5544195"/>
+            <a:ext cx="1775011" cy="307777"/>
+          </a:xfrm>
+          <a:prstGeom prst="rect">
+            <a:avLst/>
+          </a:prstGeom>
+          <a:noFill/>
+        </p:spPr>
+        <p:txBody>
+          <a:bodyPr wrap="square" rtlCol="0">
+            <a:spAutoFit/>
+          </a:bodyPr>
+          <a:lstStyle/>
+          <a:p>
             <a:r>
-              <a:rPr lang="es-VE" dirty="0" err="1">
+              <a:rPr lang="es-VE" b="1" dirty="0">
+                <a:solidFill>
+                  <a:srgbClr val="2B2B2B"/>
+                </a:solidFill>
                 <a:latin typeface="Raleway" panose="020B0604020202020204" charset="0"/>
               </a:rPr>
-              <a:t>Fdfd</a:t>
+              <a:t>min - Método</a:t>
             </a:r>
-            <a:endParaRPr lang="es-VE" dirty="0">
+            <a:endParaRPr lang="en-US" b="1" dirty="0">
+              <a:solidFill>
+                <a:srgbClr val="2B2B2B"/>
+              </a:solidFill>
               <a:latin typeface="Raleway" panose="020B0604020202020204" charset="0"/>
             </a:endParaRPr>
           </a:p>
-          <a:p>
-            <a:pPr marL="342900" indent="-342900">
-              <a:buFont typeface="+mj-lt"/>
-              <a:buAutoNum type="arabicPeriod"/>
-            </a:pPr>
+        </p:txBody>
+      </p:sp>
+      <p:sp>
+        <p:nvSpPr>
+          <p:cNvPr id="35" name="TextBox 34">
+            <a:extLst>
+              <a:ext uri="{FF2B5EF4-FFF2-40B4-BE49-F238E27FC236}">
+                <a16:creationId xmlns:a16="http://schemas.microsoft.com/office/drawing/2014/main" id="{9210DF7C-FDFB-4568-9209-2B1D0C51CA27}"/>
+              </a:ext>
+            </a:extLst>
+          </p:cNvPr>
+          <p:cNvSpPr txBox="1"/>
+          <p:nvPr/>
+        </p:nvSpPr>
+        <p:spPr>
+          <a:xfrm>
+            <a:off x="7178006" y="5585136"/>
+            <a:ext cx="1775011" cy="307777"/>
+          </a:xfrm>
+          <a:prstGeom prst="rect">
+            <a:avLst/>
+          </a:prstGeom>
+          <a:noFill/>
+        </p:spPr>
+        <p:txBody>
+          <a:bodyPr wrap="square" rtlCol="0">
+            <a:spAutoFit/>
+          </a:bodyPr>
+          <a:lstStyle/>
+          <a:p>
             <a:r>
-              <a:rPr lang="es-VE" dirty="0" err="1">
+              <a:rPr lang="es-VE" b="1" dirty="0" err="1">
+                <a:solidFill>
+                  <a:srgbClr val="2B2B2B"/>
+                </a:solidFill>
                 <a:latin typeface="Raleway" panose="020B0604020202020204" charset="0"/>
               </a:rPr>
-              <a:t>Dfdffd</a:t>
+              <a:t>Minimun</a:t>
             </a:r>
-            <a:endParaRPr lang="es-VE" dirty="0">
+            <a:r>
+              <a:rPr lang="es-VE" b="1" dirty="0">
+                <a:solidFill>
+                  <a:srgbClr val="2B2B2B"/>
+                </a:solidFill>
+                <a:latin typeface="Raleway" panose="020B0604020202020204" charset="0"/>
+              </a:rPr>
+              <a:t> - Función</a:t>
+            </a:r>
+            <a:endParaRPr lang="en-US" b="1" dirty="0">
+              <a:solidFill>
+                <a:srgbClr val="2B2B2B"/>
+              </a:solidFill>
               <a:latin typeface="Raleway" panose="020B0604020202020204" charset="0"/>
             </a:endParaRPr>
           </a:p>
-          <a:p>
-            <a:pPr marL="342900" indent="-342900">
-              <a:buFont typeface="+mj-lt"/>
-              <a:buAutoNum type="arabicPeriod"/>
-            </a:pPr>
+        </p:txBody>
+      </p:sp>
+      <p:sp>
+        <p:nvSpPr>
+          <p:cNvPr id="36" name="TextBox 35">
+            <a:extLst>
+              <a:ext uri="{FF2B5EF4-FFF2-40B4-BE49-F238E27FC236}">
+                <a16:creationId xmlns:a16="http://schemas.microsoft.com/office/drawing/2014/main" id="{8B7426EE-74E9-44BE-B45C-BC27D7CCCB5E}"/>
+              </a:ext>
+            </a:extLst>
+          </p:cNvPr>
+          <p:cNvSpPr txBox="1"/>
+          <p:nvPr/>
+        </p:nvSpPr>
+        <p:spPr>
+          <a:xfrm>
+            <a:off x="3629911" y="5600172"/>
+            <a:ext cx="1775011" cy="307777"/>
+          </a:xfrm>
+          <a:prstGeom prst="rect">
+            <a:avLst/>
+          </a:prstGeom>
+          <a:noFill/>
+        </p:spPr>
+        <p:txBody>
+          <a:bodyPr wrap="square" rtlCol="0">
+            <a:spAutoFit/>
+          </a:bodyPr>
+          <a:lstStyle/>
+          <a:p>
             <a:r>
-              <a:rPr lang="es-VE" dirty="0" err="1">
+              <a:rPr lang="es-VE" b="1" dirty="0">
+                <a:solidFill>
+                  <a:srgbClr val="2B2B2B"/>
+                </a:solidFill>
                 <a:latin typeface="Raleway" panose="020B0604020202020204" charset="0"/>
               </a:rPr>
-              <a:t>Sddsds</a:t>
+              <a:t>min - Función</a:t>
             </a:r>
-            <a:endParaRPr lang="es-VE" dirty="0">
+            <a:endParaRPr lang="en-US" b="1" dirty="0">
+              <a:solidFill>
+                <a:srgbClr val="2B2B2B"/>
+              </a:solidFill>
               <a:latin typeface="Raleway" panose="020B0604020202020204" charset="0"/>
             </a:endParaRPr>
           </a:p>
-          <a:p>
-            <a:pPr marL="342900" indent="-342900">
-              <a:buFont typeface="+mj-lt"/>
-              <a:buAutoNum type="arabicPeriod"/>
-            </a:pPr>
+        </p:txBody>
+      </p:sp>
+      <p:sp>
+        <p:nvSpPr>
+          <p:cNvPr id="37" name="TextBox 36">
+            <a:extLst>
+              <a:ext uri="{FF2B5EF4-FFF2-40B4-BE49-F238E27FC236}">
+                <a16:creationId xmlns:a16="http://schemas.microsoft.com/office/drawing/2014/main" id="{05601036-CCE2-4FE8-B779-5A7C478A23CB}"/>
+              </a:ext>
+            </a:extLst>
+          </p:cNvPr>
+          <p:cNvSpPr txBox="1"/>
+          <p:nvPr/>
+        </p:nvSpPr>
+        <p:spPr>
+          <a:xfrm>
+            <a:off x="2101493" y="6279770"/>
+            <a:ext cx="2257569" cy="307777"/>
+          </a:xfrm>
+          <a:prstGeom prst="rect">
+            <a:avLst/>
+          </a:prstGeom>
+          <a:noFill/>
+        </p:spPr>
+        <p:txBody>
+          <a:bodyPr wrap="square" rtlCol="0">
+            <a:spAutoFit/>
+          </a:bodyPr>
+          <a:lstStyle/>
+          <a:p>
             <a:r>
-              <a:rPr lang="es-VE" dirty="0" err="1">
+              <a:rPr lang="es-VE" b="1" dirty="0">
+                <a:solidFill>
+                  <a:srgbClr val="2B2B2B"/>
+                </a:solidFill>
                 <a:latin typeface="Raleway" panose="020B0604020202020204" charset="0"/>
               </a:rPr>
-              <a:t>Dssdds</a:t>
+              <a:t>min – Función o Método</a:t>
             </a:r>
-            <a:endParaRPr lang="es-VE" dirty="0">
-              <a:latin typeface="Raleway" panose="020B0604020202020204" charset="0"/>
-            </a:endParaRPr>
-          </a:p>
-          <a:p>
-            <a:pPr marL="342900" indent="-342900">
-              <a:buFont typeface="+mj-lt"/>
-              <a:buAutoNum type="arabicPeriod"/>
-            </a:pPr>
-            <a:r>
-              <a:rPr lang="es-VE" dirty="0" err="1">
-                <a:latin typeface="Raleway" panose="020B0604020202020204" charset="0"/>
-              </a:rPr>
-              <a:t>Sdsddsds</a:t>
-            </a:r>
-            <a:endParaRPr lang="es-VE" dirty="0">
-              <a:latin typeface="Raleway" panose="020B0604020202020204" charset="0"/>
-            </a:endParaRPr>
-          </a:p>
-          <a:p>
-            <a:pPr marL="342900" indent="-342900">
-              <a:buFont typeface="+mj-lt"/>
-              <a:buAutoNum type="arabicPeriod"/>
-            </a:pPr>
-            <a:r>
-              <a:rPr lang="es-VE" dirty="0" err="1">
-                <a:latin typeface="Raleway" panose="020B0604020202020204" charset="0"/>
-              </a:rPr>
-              <a:t>dsdsdsds</a:t>
-            </a:r>
-            <a:endParaRPr lang="en-US" dirty="0">
+            <a:endParaRPr lang="en-US" b="1" dirty="0">
+              <a:solidFill>
+                <a:srgbClr val="2B2B2B"/>
+              </a:solidFill>
               <a:latin typeface="Raleway" panose="020B0604020202020204" charset="0"/>
             </a:endParaRPr>
           </a:p>
@@ -11848,15 +12110,11 @@
           </a:bodyPr>
           <a:lstStyle/>
           <a:p>
-            <a:pPr marL="0" marR="0" lvl="0" indent="0" algn="l" rtl="0">
-              <a:spcBef>
-                <a:spcPts val="0"/>
-              </a:spcBef>
+            <a:pPr lvl="0">
               <a:buSzPct val="25000"/>
-              <a:buNone/>
             </a:pPr>
             <a:r>
-              <a:rPr lang="es-GT" sz="3600" b="0" i="0" u="none" strike="noStrike" cap="none" dirty="0">
+              <a:rPr lang="es-GT" sz="3600" dirty="0">
                 <a:solidFill>
                   <a:srgbClr val="F7B600"/>
                 </a:solidFill>
@@ -11932,8 +12190,8 @@
         </p:nvSpPr>
         <p:spPr>
           <a:xfrm flipH="1">
-            <a:off x="0" y="5753658"/>
-            <a:ext cx="9144000" cy="307777"/>
+            <a:off x="127258" y="4938943"/>
+            <a:ext cx="8909904" cy="307777"/>
           </a:xfrm>
           <a:prstGeom prst="rect">
             <a:avLst/>
@@ -11955,7 +12213,7 @@
                 </a:solidFill>
                 <a:latin typeface="Raleway" panose="020B0604020202020204" charset="0"/>
               </a:rPr>
-              <a:t>Comandos:</a:t>
+              <a:t>Comandos en diferentes tecnologías:</a:t>
             </a:r>
           </a:p>
         </p:txBody>
@@ -12016,8 +12274,8 @@
         </p:nvSpPr>
         <p:spPr>
           <a:xfrm>
-            <a:off x="9427" y="6061435"/>
-            <a:ext cx="9134573" cy="796565"/>
+            <a:off x="131780" y="5246721"/>
+            <a:ext cx="8891244" cy="1531152"/>
           </a:xfrm>
           <a:prstGeom prst="rect">
             <a:avLst/>
@@ -12069,7 +12327,7 @@
         <p:spPr>
           <a:xfrm>
             <a:off x="146451" y="2003808"/>
-            <a:ext cx="3739143" cy="3492372"/>
+            <a:ext cx="3739143" cy="2794435"/>
           </a:xfrm>
           <a:prstGeom prst="rect">
             <a:avLst/>
@@ -12121,7 +12379,7 @@
         <p:spPr>
           <a:xfrm>
             <a:off x="4111660" y="2003808"/>
-            <a:ext cx="4911363" cy="3492372"/>
+            <a:ext cx="4911363" cy="2832143"/>
           </a:xfrm>
           <a:prstGeom prst="rect">
             <a:avLst/>
@@ -12160,46 +12418,6 @@
       </p:sp>
       <p:sp>
         <p:nvSpPr>
-          <p:cNvPr id="5" name="TextBox 4">
-            <a:extLst>
-              <a:ext uri="{FF2B5EF4-FFF2-40B4-BE49-F238E27FC236}">
-                <a16:creationId xmlns:a16="http://schemas.microsoft.com/office/drawing/2014/main" id="{2CE93F73-A7A8-4258-B4DD-B5F33AB5F72A}"/>
-              </a:ext>
-            </a:extLst>
-          </p:cNvPr>
-          <p:cNvSpPr txBox="1"/>
-          <p:nvPr/>
-        </p:nvSpPr>
-        <p:spPr>
-          <a:xfrm>
-            <a:off x="917691" y="6269213"/>
-            <a:ext cx="1775011" cy="307777"/>
-          </a:xfrm>
-          <a:prstGeom prst="rect">
-            <a:avLst/>
-          </a:prstGeom>
-          <a:noFill/>
-        </p:spPr>
-        <p:txBody>
-          <a:bodyPr wrap="square" rtlCol="0">
-            <a:spAutoFit/>
-          </a:bodyPr>
-          <a:lstStyle/>
-          <a:p>
-            <a:r>
-              <a:rPr lang="es-VE" dirty="0">
-                <a:latin typeface="Raleway" panose="020B0604020202020204" charset="0"/>
-              </a:rPr>
-              <a:t>MIN()</a:t>
-            </a:r>
-            <a:endParaRPr lang="en-US" dirty="0">
-              <a:latin typeface="Raleway" panose="020B0604020202020204" charset="0"/>
-            </a:endParaRPr>
-          </a:p>
-        </p:txBody>
-      </p:sp>
-      <p:sp>
-        <p:nvSpPr>
           <p:cNvPr id="13" name="TextBox 12">
             <a:extLst>
               <a:ext uri="{FF2B5EF4-FFF2-40B4-BE49-F238E27FC236}">
@@ -12212,7 +12430,7 @@
         </p:nvSpPr>
         <p:spPr>
           <a:xfrm>
-            <a:off x="229439" y="4397399"/>
+            <a:off x="238088" y="3508766"/>
             <a:ext cx="3851785" cy="523220"/>
           </a:xfrm>
           <a:prstGeom prst="rect">
@@ -12227,7 +12445,7 @@
           <a:lstStyle/>
           <a:p>
             <a:r>
-              <a:rPr lang="es-VE" dirty="0">
+              <a:rPr lang="es-VE" b="1" dirty="0">
                 <a:latin typeface="Raleway" panose="020B0604020202020204" charset="0"/>
               </a:rPr>
               <a:t>En la práctica se usa para:</a:t>
@@ -12235,20 +12453,23 @@
           </a:p>
           <a:p>
             <a:r>
-              <a:rPr lang="es-VE" dirty="0" err="1">
-                <a:latin typeface="Raleway" panose="020B0604020202020204" charset="0"/>
-              </a:rPr>
-              <a:t>xxxx</a:t>
-            </a:r>
-            <a:r>
               <a:rPr lang="es-VE" dirty="0">
                 <a:latin typeface="Raleway" panose="020B0604020202020204" charset="0"/>
               </a:rPr>
-              <a:t> </a:t>
+              <a:t>S</a:t>
             </a:r>
-            <a:endParaRPr lang="en-US" dirty="0">
-              <a:latin typeface="Raleway" panose="020B0604020202020204" charset="0"/>
-            </a:endParaRPr>
+            <a:r>
+              <a:rPr lang="en-US" dirty="0" err="1">
+                <a:latin typeface="Raleway" panose="020B0604020202020204" charset="0"/>
+              </a:rPr>
+              <a:t>aber</a:t>
+            </a:r>
+            <a:r>
+              <a:rPr lang="en-US" dirty="0">
+                <a:latin typeface="Raleway" panose="020B0604020202020204" charset="0"/>
+              </a:rPr>
+              <a:t> el mayor valor</a:t>
+            </a:r>
           </a:p>
         </p:txBody>
       </p:sp>
@@ -12266,7 +12487,7 @@
         </p:nvSpPr>
         <p:spPr>
           <a:xfrm>
-            <a:off x="216301" y="5061156"/>
+            <a:off x="259875" y="4323820"/>
             <a:ext cx="3851785" cy="307777"/>
           </a:xfrm>
           <a:prstGeom prst="rect">
@@ -12307,7 +12528,7 @@
         <p:spPr>
           <a:xfrm>
             <a:off x="372517" y="2188335"/>
-            <a:ext cx="3851785" cy="307777"/>
+            <a:ext cx="3365211" cy="523220"/>
           </a:xfrm>
           <a:prstGeom prst="rect">
             <a:avLst/>
@@ -12321,10 +12542,10 @@
           <a:lstStyle/>
           <a:p>
             <a:r>
-              <a:rPr lang="es-VE" dirty="0">
+              <a:rPr lang="es-ES" dirty="0">
                 <a:latin typeface="Raleway" panose="020B0604020202020204" charset="0"/>
               </a:rPr>
-              <a:t>XLSLM KKNSKM ;M</a:t>
+              <a:t>Representa el valor máximo que haya en una muestra</a:t>
             </a:r>
             <a:endParaRPr lang="en-US" dirty="0">
               <a:latin typeface="Raleway" panose="020B0604020202020204" charset="0"/>
@@ -12346,7 +12567,7 @@
         </p:nvCxnSpPr>
         <p:spPr>
           <a:xfrm>
-            <a:off x="159295" y="4363172"/>
+            <a:off x="177025" y="3378071"/>
             <a:ext cx="3708569" cy="0"/>
           </a:xfrm>
           <a:prstGeom prst="line">
@@ -12388,7 +12609,7 @@
         </p:nvCxnSpPr>
         <p:spPr>
           <a:xfrm>
-            <a:off x="150327" y="4999672"/>
+            <a:off x="177024" y="4193680"/>
             <a:ext cx="3708569" cy="0"/>
           </a:xfrm>
           <a:prstGeom prst="line">
@@ -12431,7 +12652,7 @@
         <p:spPr>
           <a:xfrm>
             <a:off x="4359062" y="2131144"/>
-            <a:ext cx="4447539" cy="2246769"/>
+            <a:ext cx="4447539" cy="1169551"/>
           </a:xfrm>
           <a:prstGeom prst="rect">
             <a:avLst/>
@@ -12452,7 +12673,7 @@
               <a:rPr lang="es-VE" dirty="0">
                 <a:latin typeface="Raleway" panose="020B0604020202020204" charset="0"/>
               </a:rPr>
-              <a:t>En la práctica se usa para:</a:t>
+              <a:t>Contar cuantas veces se repite cada valor. Esto definirá la frecuencia del valor. </a:t>
             </a:r>
           </a:p>
           <a:p>
@@ -12461,16 +12682,10 @@
               <a:buAutoNum type="arabicPeriod"/>
             </a:pPr>
             <a:r>
-              <a:rPr lang="es-VE" dirty="0" err="1">
-                <a:latin typeface="Raleway" panose="020B0604020202020204" charset="0"/>
-              </a:rPr>
-              <a:t>xxxx</a:t>
-            </a:r>
-            <a:r>
               <a:rPr lang="es-VE" dirty="0">
                 <a:latin typeface="Raleway" panose="020B0604020202020204" charset="0"/>
               </a:rPr>
-              <a:t> </a:t>
+              <a:t>Ver cuál es el valor más grande que tiene al menos 1 como frecuencia. </a:t>
             </a:r>
           </a:p>
           <a:p>
@@ -12479,115 +12694,10 @@
               <a:buAutoNum type="arabicPeriod"/>
             </a:pPr>
             <a:r>
-              <a:rPr lang="es-VE" dirty="0" err="1">
+              <a:rPr lang="es-VE" dirty="0">
                 <a:latin typeface="Raleway" panose="020B0604020202020204" charset="0"/>
               </a:rPr>
-              <a:t>Fdddf</a:t>
-            </a:r>
-            <a:endParaRPr lang="es-VE" dirty="0">
-              <a:latin typeface="Raleway" panose="020B0604020202020204" charset="0"/>
-            </a:endParaRPr>
-          </a:p>
-          <a:p>
-            <a:pPr marL="342900" indent="-342900">
-              <a:buFont typeface="+mj-lt"/>
-              <a:buAutoNum type="arabicPeriod"/>
-            </a:pPr>
-            <a:r>
-              <a:rPr lang="es-VE" dirty="0" err="1">
-                <a:latin typeface="Raleway" panose="020B0604020202020204" charset="0"/>
-              </a:rPr>
-              <a:t>Fdfd</a:t>
-            </a:r>
-            <a:endParaRPr lang="es-VE" dirty="0">
-              <a:latin typeface="Raleway" panose="020B0604020202020204" charset="0"/>
-            </a:endParaRPr>
-          </a:p>
-          <a:p>
-            <a:pPr marL="342900" indent="-342900">
-              <a:buFont typeface="+mj-lt"/>
-              <a:buAutoNum type="arabicPeriod"/>
-            </a:pPr>
-            <a:r>
-              <a:rPr lang="es-VE" dirty="0" err="1">
-                <a:latin typeface="Raleway" panose="020B0604020202020204" charset="0"/>
-              </a:rPr>
-              <a:t>Fdfd</a:t>
-            </a:r>
-            <a:endParaRPr lang="es-VE" dirty="0">
-              <a:latin typeface="Raleway" panose="020B0604020202020204" charset="0"/>
-            </a:endParaRPr>
-          </a:p>
-          <a:p>
-            <a:pPr marL="342900" indent="-342900">
-              <a:buFont typeface="+mj-lt"/>
-              <a:buAutoNum type="arabicPeriod"/>
-            </a:pPr>
-            <a:r>
-              <a:rPr lang="es-VE" dirty="0" err="1">
-                <a:latin typeface="Raleway" panose="020B0604020202020204" charset="0"/>
-              </a:rPr>
-              <a:t>Dfdffd</a:t>
-            </a:r>
-            <a:endParaRPr lang="es-VE" dirty="0">
-              <a:latin typeface="Raleway" panose="020B0604020202020204" charset="0"/>
-            </a:endParaRPr>
-          </a:p>
-          <a:p>
-            <a:pPr marL="342900" indent="-342900">
-              <a:buFont typeface="+mj-lt"/>
-              <a:buAutoNum type="arabicPeriod"/>
-            </a:pPr>
-            <a:r>
-              <a:rPr lang="es-VE" dirty="0" err="1">
-                <a:latin typeface="Raleway" panose="020B0604020202020204" charset="0"/>
-              </a:rPr>
-              <a:t>Sddsds</a:t>
-            </a:r>
-            <a:endParaRPr lang="es-VE" dirty="0">
-              <a:latin typeface="Raleway" panose="020B0604020202020204" charset="0"/>
-            </a:endParaRPr>
-          </a:p>
-          <a:p>
-            <a:pPr marL="342900" indent="-342900">
-              <a:buFont typeface="+mj-lt"/>
-              <a:buAutoNum type="arabicPeriod"/>
-            </a:pPr>
-            <a:r>
-              <a:rPr lang="es-VE" dirty="0" err="1">
-                <a:latin typeface="Raleway" panose="020B0604020202020204" charset="0"/>
-              </a:rPr>
-              <a:t>Dssdds</a:t>
-            </a:r>
-            <a:endParaRPr lang="es-VE" dirty="0">
-              <a:latin typeface="Raleway" panose="020B0604020202020204" charset="0"/>
-            </a:endParaRPr>
-          </a:p>
-          <a:p>
-            <a:pPr marL="342900" indent="-342900">
-              <a:buFont typeface="+mj-lt"/>
-              <a:buAutoNum type="arabicPeriod"/>
-            </a:pPr>
-            <a:r>
-              <a:rPr lang="es-VE" dirty="0" err="1">
-                <a:latin typeface="Raleway" panose="020B0604020202020204" charset="0"/>
-              </a:rPr>
-              <a:t>Sdsddsds</a:t>
-            </a:r>
-            <a:endParaRPr lang="es-VE" dirty="0">
-              <a:latin typeface="Raleway" panose="020B0604020202020204" charset="0"/>
-            </a:endParaRPr>
-          </a:p>
-          <a:p>
-            <a:pPr marL="342900" indent="-342900">
-              <a:buFont typeface="+mj-lt"/>
-              <a:buAutoNum type="arabicPeriod"/>
-            </a:pPr>
-            <a:r>
-              <a:rPr lang="es-VE" dirty="0" err="1">
-                <a:latin typeface="Raleway" panose="020B0604020202020204" charset="0"/>
-              </a:rPr>
-              <a:t>dsdsdsds</a:t>
+              <a:t>Ese valor representa el máximo de la población</a:t>
             </a:r>
             <a:endParaRPr lang="en-US" dirty="0">
               <a:latin typeface="Raleway" panose="020B0604020202020204" charset="0"/>
@@ -12595,10 +12705,456 @@
           </a:p>
         </p:txBody>
       </p:sp>
+      <p:pic>
+        <p:nvPicPr>
+          <p:cNvPr id="9" name="Picture 8" descr="A close up of a logo&#10;&#10;Description generated with high confidence">
+            <a:extLst>
+              <a:ext uri="{FF2B5EF4-FFF2-40B4-BE49-F238E27FC236}">
+                <a16:creationId xmlns:a16="http://schemas.microsoft.com/office/drawing/2014/main" id="{D76E1C09-9D33-45B9-A42D-E38DF5BFC8E1}"/>
+              </a:ext>
+            </a:extLst>
+          </p:cNvPr>
+          <p:cNvPicPr>
+            <a:picLocks noChangeAspect="1"/>
+          </p:cNvPicPr>
+          <p:nvPr/>
+        </p:nvPicPr>
+        <p:blipFill>
+          <a:blip r:embed="rId4"/>
+          <a:stretch>
+            <a:fillRect/>
+          </a:stretch>
+        </p:blipFill>
+        <p:spPr>
+          <a:xfrm>
+            <a:off x="1906369" y="4368596"/>
+            <a:ext cx="1000142" cy="205637"/>
+          </a:xfrm>
+          <a:prstGeom prst="rect">
+            <a:avLst/>
+          </a:prstGeom>
+        </p:spPr>
+      </p:pic>
+      <p:pic>
+        <p:nvPicPr>
+          <p:cNvPr id="16" name="Picture 15" descr="A close up of a sign&#10;&#10;Description generated with high confidence">
+            <a:extLst>
+              <a:ext uri="{FF2B5EF4-FFF2-40B4-BE49-F238E27FC236}">
+                <a16:creationId xmlns:a16="http://schemas.microsoft.com/office/drawing/2014/main" id="{40EDB379-786D-43FC-A6A9-613CB9504700}"/>
+              </a:ext>
+            </a:extLst>
+          </p:cNvPr>
+          <p:cNvPicPr>
+            <a:picLocks noChangeAspect="1"/>
+          </p:cNvPicPr>
+          <p:nvPr/>
+        </p:nvPicPr>
+        <p:blipFill>
+          <a:blip r:embed="rId5"/>
+          <a:stretch>
+            <a:fillRect/>
+          </a:stretch>
+        </p:blipFill>
+        <p:spPr>
+          <a:xfrm>
+            <a:off x="342500" y="5404749"/>
+            <a:ext cx="612741" cy="612741"/>
+          </a:xfrm>
+          <a:prstGeom prst="rect">
+            <a:avLst/>
+          </a:prstGeom>
+        </p:spPr>
+      </p:pic>
+      <p:pic>
+        <p:nvPicPr>
+          <p:cNvPr id="18" name="Picture 17" descr="A close up of a sign&#10;&#10;Description generated with very high confidence">
+            <a:extLst>
+              <a:ext uri="{FF2B5EF4-FFF2-40B4-BE49-F238E27FC236}">
+                <a16:creationId xmlns:a16="http://schemas.microsoft.com/office/drawing/2014/main" id="{F68448EE-6FDB-4F8D-880B-0F7C23724EA9}"/>
+              </a:ext>
+            </a:extLst>
+          </p:cNvPr>
+          <p:cNvPicPr>
+            <a:picLocks noChangeAspect="1"/>
+          </p:cNvPicPr>
+          <p:nvPr/>
+        </p:nvPicPr>
+        <p:blipFill>
+          <a:blip r:embed="rId6"/>
+          <a:stretch>
+            <a:fillRect/>
+          </a:stretch>
+        </p:blipFill>
+        <p:spPr>
+          <a:xfrm>
+            <a:off x="4570232" y="6276471"/>
+            <a:ext cx="438478" cy="438478"/>
+          </a:xfrm>
+          <a:prstGeom prst="rect">
+            <a:avLst/>
+          </a:prstGeom>
+        </p:spPr>
+      </p:pic>
+      <p:pic>
+        <p:nvPicPr>
+          <p:cNvPr id="22" name="Picture 21">
+            <a:extLst>
+              <a:ext uri="{FF2B5EF4-FFF2-40B4-BE49-F238E27FC236}">
+                <a16:creationId xmlns:a16="http://schemas.microsoft.com/office/drawing/2014/main" id="{939AE214-C454-4CA4-8E97-93D86FDA17D5}"/>
+              </a:ext>
+            </a:extLst>
+          </p:cNvPr>
+          <p:cNvPicPr>
+            <a:picLocks noChangeAspect="1"/>
+          </p:cNvPicPr>
+          <p:nvPr/>
+        </p:nvPicPr>
+        <p:blipFill>
+          <a:blip r:embed="rId7"/>
+          <a:stretch>
+            <a:fillRect/>
+          </a:stretch>
+        </p:blipFill>
+        <p:spPr>
+          <a:xfrm>
+            <a:off x="1286601" y="6178325"/>
+            <a:ext cx="693394" cy="468041"/>
+          </a:xfrm>
+          <a:prstGeom prst="rect">
+            <a:avLst/>
+          </a:prstGeom>
+        </p:spPr>
+      </p:pic>
+      <p:pic>
+        <p:nvPicPr>
+          <p:cNvPr id="24" name="Picture 23">
+            <a:extLst>
+              <a:ext uri="{FF2B5EF4-FFF2-40B4-BE49-F238E27FC236}">
+                <a16:creationId xmlns:a16="http://schemas.microsoft.com/office/drawing/2014/main" id="{EB951EBB-32B0-4EF8-A01E-218887E29A1C}"/>
+              </a:ext>
+            </a:extLst>
+          </p:cNvPr>
+          <p:cNvPicPr>
+            <a:picLocks noChangeAspect="1"/>
+          </p:cNvPicPr>
+          <p:nvPr/>
+        </p:nvPicPr>
+        <p:blipFill>
+          <a:blip r:embed="rId8"/>
+          <a:stretch>
+            <a:fillRect/>
+          </a:stretch>
+        </p:blipFill>
+        <p:spPr>
+          <a:xfrm>
+            <a:off x="2812504" y="5358291"/>
+            <a:ext cx="721916" cy="721916"/>
+          </a:xfrm>
+          <a:prstGeom prst="rect">
+            <a:avLst/>
+          </a:prstGeom>
+        </p:spPr>
+      </p:pic>
+      <p:pic>
+        <p:nvPicPr>
+          <p:cNvPr id="26" name="Picture 25">
+            <a:extLst>
+              <a:ext uri="{FF2B5EF4-FFF2-40B4-BE49-F238E27FC236}">
+                <a16:creationId xmlns:a16="http://schemas.microsoft.com/office/drawing/2014/main" id="{C3607B00-44CB-47AE-A403-16894437277A}"/>
+              </a:ext>
+            </a:extLst>
+          </p:cNvPr>
+          <p:cNvPicPr>
+            <a:picLocks noChangeAspect="1"/>
+          </p:cNvPicPr>
+          <p:nvPr/>
+        </p:nvPicPr>
+        <p:blipFill>
+          <a:blip r:embed="rId9"/>
+          <a:stretch>
+            <a:fillRect/>
+          </a:stretch>
+        </p:blipFill>
+        <p:spPr>
+          <a:xfrm>
+            <a:off x="5574991" y="5585136"/>
+            <a:ext cx="1603015" cy="336274"/>
+          </a:xfrm>
+          <a:prstGeom prst="rect">
+            <a:avLst/>
+          </a:prstGeom>
+        </p:spPr>
+      </p:pic>
+      <p:sp>
+        <p:nvSpPr>
+          <p:cNvPr id="32" name="TextBox 31">
+            <a:extLst>
+              <a:ext uri="{FF2B5EF4-FFF2-40B4-BE49-F238E27FC236}">
+                <a16:creationId xmlns:a16="http://schemas.microsoft.com/office/drawing/2014/main" id="{57FACAED-A4E7-475B-AA16-29F94B38858A}"/>
+              </a:ext>
+            </a:extLst>
+          </p:cNvPr>
+          <p:cNvSpPr txBox="1"/>
+          <p:nvPr/>
+        </p:nvSpPr>
+        <p:spPr>
+          <a:xfrm>
+            <a:off x="5301343" y="6338589"/>
+            <a:ext cx="1775011" cy="307777"/>
+          </a:xfrm>
+          <a:prstGeom prst="rect">
+            <a:avLst/>
+          </a:prstGeom>
+          <a:noFill/>
+        </p:spPr>
+        <p:txBody>
+          <a:bodyPr wrap="square" rtlCol="0">
+            <a:spAutoFit/>
+          </a:bodyPr>
+          <a:lstStyle/>
+          <a:p>
+            <a:r>
+              <a:rPr lang="es-VE" b="1" dirty="0">
+                <a:solidFill>
+                  <a:srgbClr val="2B2B2B"/>
+                </a:solidFill>
+                <a:latin typeface="Raleway" panose="020B0604020202020204" charset="0"/>
+              </a:rPr>
+              <a:t>MAX - Función</a:t>
+            </a:r>
+            <a:endParaRPr lang="en-US" b="1" dirty="0">
+              <a:solidFill>
+                <a:srgbClr val="2B2B2B"/>
+              </a:solidFill>
+              <a:latin typeface="Raleway" panose="020B0604020202020204" charset="0"/>
+            </a:endParaRPr>
+          </a:p>
+        </p:txBody>
+      </p:sp>
+      <p:sp>
+        <p:nvSpPr>
+          <p:cNvPr id="34" name="TextBox 33">
+            <a:extLst>
+              <a:ext uri="{FF2B5EF4-FFF2-40B4-BE49-F238E27FC236}">
+                <a16:creationId xmlns:a16="http://schemas.microsoft.com/office/drawing/2014/main" id="{7C028F36-0D23-43A8-B3D2-A2975DB42C8F}"/>
+              </a:ext>
+            </a:extLst>
+          </p:cNvPr>
+          <p:cNvSpPr txBox="1"/>
+          <p:nvPr/>
+        </p:nvSpPr>
+        <p:spPr>
+          <a:xfrm>
+            <a:off x="996367" y="5544195"/>
+            <a:ext cx="1775011" cy="307777"/>
+          </a:xfrm>
+          <a:prstGeom prst="rect">
+            <a:avLst/>
+          </a:prstGeom>
+          <a:noFill/>
+        </p:spPr>
+        <p:txBody>
+          <a:bodyPr wrap="square" rtlCol="0">
+            <a:spAutoFit/>
+          </a:bodyPr>
+          <a:lstStyle/>
+          <a:p>
+            <a:r>
+              <a:rPr lang="es-VE" b="1" dirty="0" err="1">
+                <a:solidFill>
+                  <a:srgbClr val="2B2B2B"/>
+                </a:solidFill>
+                <a:latin typeface="Raleway" panose="020B0604020202020204" charset="0"/>
+              </a:rPr>
+              <a:t>max</a:t>
+            </a:r>
+            <a:r>
+              <a:rPr lang="es-VE" b="1" dirty="0">
+                <a:solidFill>
+                  <a:srgbClr val="2B2B2B"/>
+                </a:solidFill>
+                <a:latin typeface="Raleway" panose="020B0604020202020204" charset="0"/>
+              </a:rPr>
+              <a:t> - Método</a:t>
+            </a:r>
+            <a:endParaRPr lang="en-US" b="1" dirty="0">
+              <a:solidFill>
+                <a:srgbClr val="2B2B2B"/>
+              </a:solidFill>
+              <a:latin typeface="Raleway" panose="020B0604020202020204" charset="0"/>
+            </a:endParaRPr>
+          </a:p>
+        </p:txBody>
+      </p:sp>
+      <p:sp>
+        <p:nvSpPr>
+          <p:cNvPr id="35" name="TextBox 34">
+            <a:extLst>
+              <a:ext uri="{FF2B5EF4-FFF2-40B4-BE49-F238E27FC236}">
+                <a16:creationId xmlns:a16="http://schemas.microsoft.com/office/drawing/2014/main" id="{9210DF7C-FDFB-4568-9209-2B1D0C51CA27}"/>
+              </a:ext>
+            </a:extLst>
+          </p:cNvPr>
+          <p:cNvSpPr txBox="1"/>
+          <p:nvPr/>
+        </p:nvSpPr>
+        <p:spPr>
+          <a:xfrm>
+            <a:off x="7178006" y="5585136"/>
+            <a:ext cx="1940509" cy="307777"/>
+          </a:xfrm>
+          <a:prstGeom prst="rect">
+            <a:avLst/>
+          </a:prstGeom>
+          <a:noFill/>
+        </p:spPr>
+        <p:txBody>
+          <a:bodyPr wrap="square" rtlCol="0">
+            <a:spAutoFit/>
+          </a:bodyPr>
+          <a:lstStyle/>
+          <a:p>
+            <a:r>
+              <a:rPr lang="es-VE" b="1" dirty="0" err="1">
+                <a:solidFill>
+                  <a:srgbClr val="2B2B2B"/>
+                </a:solidFill>
+                <a:latin typeface="Raleway" panose="020B0604020202020204" charset="0"/>
+              </a:rPr>
+              <a:t>Maximun</a:t>
+            </a:r>
+            <a:r>
+              <a:rPr lang="es-VE" b="1" dirty="0">
+                <a:solidFill>
+                  <a:srgbClr val="2B2B2B"/>
+                </a:solidFill>
+                <a:latin typeface="Raleway" panose="020B0604020202020204" charset="0"/>
+              </a:rPr>
+              <a:t> - Función</a:t>
+            </a:r>
+            <a:endParaRPr lang="en-US" b="1" dirty="0">
+              <a:solidFill>
+                <a:srgbClr val="2B2B2B"/>
+              </a:solidFill>
+              <a:latin typeface="Raleway" panose="020B0604020202020204" charset="0"/>
+            </a:endParaRPr>
+          </a:p>
+        </p:txBody>
+      </p:sp>
+      <p:sp>
+        <p:nvSpPr>
+          <p:cNvPr id="36" name="TextBox 35">
+            <a:extLst>
+              <a:ext uri="{FF2B5EF4-FFF2-40B4-BE49-F238E27FC236}">
+                <a16:creationId xmlns:a16="http://schemas.microsoft.com/office/drawing/2014/main" id="{8B7426EE-74E9-44BE-B45C-BC27D7CCCB5E}"/>
+              </a:ext>
+            </a:extLst>
+          </p:cNvPr>
+          <p:cNvSpPr txBox="1"/>
+          <p:nvPr/>
+        </p:nvSpPr>
+        <p:spPr>
+          <a:xfrm>
+            <a:off x="3629911" y="5600172"/>
+            <a:ext cx="1775011" cy="307777"/>
+          </a:xfrm>
+          <a:prstGeom prst="rect">
+            <a:avLst/>
+          </a:prstGeom>
+          <a:noFill/>
+        </p:spPr>
+        <p:txBody>
+          <a:bodyPr wrap="square" rtlCol="0">
+            <a:spAutoFit/>
+          </a:bodyPr>
+          <a:lstStyle/>
+          <a:p>
+            <a:r>
+              <a:rPr lang="es-VE" b="1" dirty="0" err="1">
+                <a:solidFill>
+                  <a:srgbClr val="2B2B2B"/>
+                </a:solidFill>
+                <a:latin typeface="Raleway" panose="020B0604020202020204" charset="0"/>
+              </a:rPr>
+              <a:t>max</a:t>
+            </a:r>
+            <a:r>
+              <a:rPr lang="es-VE" b="1" dirty="0">
+                <a:solidFill>
+                  <a:srgbClr val="2B2B2B"/>
+                </a:solidFill>
+                <a:latin typeface="Raleway" panose="020B0604020202020204" charset="0"/>
+              </a:rPr>
+              <a:t> - Función</a:t>
+            </a:r>
+            <a:endParaRPr lang="en-US" b="1" dirty="0">
+              <a:solidFill>
+                <a:srgbClr val="2B2B2B"/>
+              </a:solidFill>
+              <a:latin typeface="Raleway" panose="020B0604020202020204" charset="0"/>
+            </a:endParaRPr>
+          </a:p>
+        </p:txBody>
+      </p:sp>
+      <p:sp>
+        <p:nvSpPr>
+          <p:cNvPr id="37" name="TextBox 36">
+            <a:extLst>
+              <a:ext uri="{FF2B5EF4-FFF2-40B4-BE49-F238E27FC236}">
+                <a16:creationId xmlns:a16="http://schemas.microsoft.com/office/drawing/2014/main" id="{05601036-CCE2-4FE8-B779-5A7C478A23CB}"/>
+              </a:ext>
+            </a:extLst>
+          </p:cNvPr>
+          <p:cNvSpPr txBox="1"/>
+          <p:nvPr/>
+        </p:nvSpPr>
+        <p:spPr>
+          <a:xfrm>
+            <a:off x="2101493" y="6279770"/>
+            <a:ext cx="2373248" cy="307777"/>
+          </a:xfrm>
+          <a:prstGeom prst="rect">
+            <a:avLst/>
+          </a:prstGeom>
+          <a:noFill/>
+        </p:spPr>
+        <p:txBody>
+          <a:bodyPr wrap="square" rtlCol="0">
+            <a:spAutoFit/>
+          </a:bodyPr>
+          <a:lstStyle/>
+          <a:p>
+            <a:r>
+              <a:rPr lang="es-VE" b="1" dirty="0" err="1">
+                <a:solidFill>
+                  <a:srgbClr val="2B2B2B"/>
+                </a:solidFill>
+                <a:latin typeface="Raleway" panose="020B0604020202020204" charset="0"/>
+              </a:rPr>
+              <a:t>max</a:t>
+            </a:r>
+            <a:r>
+              <a:rPr lang="es-VE" b="1" dirty="0">
+                <a:solidFill>
+                  <a:srgbClr val="2B2B2B"/>
+                </a:solidFill>
+                <a:latin typeface="Raleway" panose="020B0604020202020204" charset="0"/>
+              </a:rPr>
+              <a:t> – Función o Método</a:t>
+            </a:r>
+            <a:endParaRPr lang="en-US" b="1" dirty="0">
+              <a:solidFill>
+                <a:srgbClr val="2B2B2B"/>
+              </a:solidFill>
+              <a:latin typeface="Raleway" panose="020B0604020202020204" charset="0"/>
+            </a:endParaRPr>
+          </a:p>
+        </p:txBody>
+      </p:sp>
     </p:spTree>
     <p:extLst>
       <p:ext uri="{BB962C8B-B14F-4D97-AF65-F5344CB8AC3E}">
-        <p14:creationId xmlns:p14="http://schemas.microsoft.com/office/powerpoint/2010/main" val="263410183"/>
+        <p14:creationId xmlns:p14="http://schemas.microsoft.com/office/powerpoint/2010/main" val="1012822475"/>
       </p:ext>
     </p:extLst>
   </p:cSld>
@@ -12732,15 +13288,11 @@
           </a:bodyPr>
           <a:lstStyle/>
           <a:p>
-            <a:pPr marL="0" marR="0" lvl="0" indent="0" algn="l" rtl="0">
-              <a:spcBef>
-                <a:spcPts val="0"/>
-              </a:spcBef>
+            <a:pPr lvl="0">
               <a:buSzPct val="25000"/>
-              <a:buNone/>
             </a:pPr>
             <a:r>
-              <a:rPr lang="es-GT" sz="3600" b="0" i="0" u="none" strike="noStrike" cap="none" dirty="0">
+              <a:rPr lang="es-GT" sz="3600" dirty="0">
                 <a:solidFill>
                   <a:srgbClr val="F7B600"/>
                 </a:solidFill>
@@ -12816,8 +13368,8 @@
         </p:nvSpPr>
         <p:spPr>
           <a:xfrm flipH="1">
-            <a:off x="0" y="5753658"/>
-            <a:ext cx="9144000" cy="307777"/>
+            <a:off x="127258" y="4938943"/>
+            <a:ext cx="8909904" cy="307777"/>
           </a:xfrm>
           <a:prstGeom prst="rect">
             <a:avLst/>
@@ -12839,7 +13391,7 @@
                 </a:solidFill>
                 <a:latin typeface="Raleway" panose="020B0604020202020204" charset="0"/>
               </a:rPr>
-              <a:t>Comandos:</a:t>
+              <a:t>Comandos en diferentes tecnologías:</a:t>
             </a:r>
           </a:p>
         </p:txBody>
@@ -12900,8 +13452,8 @@
         </p:nvSpPr>
         <p:spPr>
           <a:xfrm>
-            <a:off x="9427" y="6061435"/>
-            <a:ext cx="9134573" cy="796565"/>
+            <a:off x="131780" y="5246721"/>
+            <a:ext cx="8891244" cy="1531152"/>
           </a:xfrm>
           <a:prstGeom prst="rect">
             <a:avLst/>
@@ -12953,7 +13505,7 @@
         <p:spPr>
           <a:xfrm>
             <a:off x="146451" y="2003808"/>
-            <a:ext cx="3739143" cy="3492372"/>
+            <a:ext cx="3739143" cy="2794435"/>
           </a:xfrm>
           <a:prstGeom prst="rect">
             <a:avLst/>
@@ -13005,7 +13557,7 @@
         <p:spPr>
           <a:xfrm>
             <a:off x="4111660" y="2003808"/>
-            <a:ext cx="4911363" cy="3492372"/>
+            <a:ext cx="4911363" cy="2832143"/>
           </a:xfrm>
           <a:prstGeom prst="rect">
             <a:avLst/>
@@ -13044,46 +13596,6 @@
       </p:sp>
       <p:sp>
         <p:nvSpPr>
-          <p:cNvPr id="5" name="TextBox 4">
-            <a:extLst>
-              <a:ext uri="{FF2B5EF4-FFF2-40B4-BE49-F238E27FC236}">
-                <a16:creationId xmlns:a16="http://schemas.microsoft.com/office/drawing/2014/main" id="{2CE93F73-A7A8-4258-B4DD-B5F33AB5F72A}"/>
-              </a:ext>
-            </a:extLst>
-          </p:cNvPr>
-          <p:cNvSpPr txBox="1"/>
-          <p:nvPr/>
-        </p:nvSpPr>
-        <p:spPr>
-          <a:xfrm>
-            <a:off x="917691" y="6269213"/>
-            <a:ext cx="1775011" cy="307777"/>
-          </a:xfrm>
-          <a:prstGeom prst="rect">
-            <a:avLst/>
-          </a:prstGeom>
-          <a:noFill/>
-        </p:spPr>
-        <p:txBody>
-          <a:bodyPr wrap="square" rtlCol="0">
-            <a:spAutoFit/>
-          </a:bodyPr>
-          <a:lstStyle/>
-          <a:p>
-            <a:r>
-              <a:rPr lang="es-VE" dirty="0">
-                <a:latin typeface="Raleway" panose="020B0604020202020204" charset="0"/>
-              </a:rPr>
-              <a:t>MIN()</a:t>
-            </a:r>
-            <a:endParaRPr lang="en-US" dirty="0">
-              <a:latin typeface="Raleway" panose="020B0604020202020204" charset="0"/>
-            </a:endParaRPr>
-          </a:p>
-        </p:txBody>
-      </p:sp>
-      <p:sp>
-        <p:nvSpPr>
           <p:cNvPr id="13" name="TextBox 12">
             <a:extLst>
               <a:ext uri="{FF2B5EF4-FFF2-40B4-BE49-F238E27FC236}">
@@ -13096,7 +13608,7 @@
         </p:nvSpPr>
         <p:spPr>
           <a:xfrm>
-            <a:off x="229439" y="4397399"/>
+            <a:off x="238088" y="3508766"/>
             <a:ext cx="3851785" cy="523220"/>
           </a:xfrm>
           <a:prstGeom prst="rect">
@@ -13111,7 +13623,7 @@
           <a:lstStyle/>
           <a:p>
             <a:r>
-              <a:rPr lang="es-VE" dirty="0">
+              <a:rPr lang="es-VE" b="1" dirty="0">
                 <a:latin typeface="Raleway" panose="020B0604020202020204" charset="0"/>
               </a:rPr>
               <a:t>En la práctica se usa para:</a:t>
@@ -13119,16 +13631,10 @@
           </a:p>
           <a:p>
             <a:r>
-              <a:rPr lang="es-VE" dirty="0" err="1">
-                <a:latin typeface="Raleway" panose="020B0604020202020204" charset="0"/>
-              </a:rPr>
-              <a:t>xxxx</a:t>
-            </a:r>
-            <a:r>
               <a:rPr lang="es-VE" dirty="0">
                 <a:latin typeface="Raleway" panose="020B0604020202020204" charset="0"/>
               </a:rPr>
-              <a:t> </a:t>
+              <a:t>Saber que valores hay en una data</a:t>
             </a:r>
             <a:endParaRPr lang="en-US" dirty="0">
               <a:latin typeface="Raleway" panose="020B0604020202020204" charset="0"/>
@@ -13150,7 +13656,7 @@
         </p:nvSpPr>
         <p:spPr>
           <a:xfrm>
-            <a:off x="216301" y="5061156"/>
+            <a:off x="259875" y="4323820"/>
             <a:ext cx="3851785" cy="307777"/>
           </a:xfrm>
           <a:prstGeom prst="rect">
@@ -13191,7 +13697,7 @@
         <p:spPr>
           <a:xfrm>
             <a:off x="372517" y="2188335"/>
-            <a:ext cx="3851785" cy="307777"/>
+            <a:ext cx="3365211" cy="738664"/>
           </a:xfrm>
           <a:prstGeom prst="rect">
             <a:avLst/>
@@ -13204,11 +13710,12 @@
           </a:bodyPr>
           <a:lstStyle/>
           <a:p>
+            <a:pPr algn="just"/>
             <a:r>
-              <a:rPr lang="es-VE" dirty="0">
+              <a:rPr lang="es-ES" dirty="0">
                 <a:latin typeface="Raleway" panose="020B0604020202020204" charset="0"/>
               </a:rPr>
-              <a:t>XLSLM KKNSKM ;M</a:t>
+              <a:t>Son todos los valores que se encuentran entre el mínimo y máximo de una muestra.</a:t>
             </a:r>
             <a:endParaRPr lang="en-US" dirty="0">
               <a:latin typeface="Raleway" panose="020B0604020202020204" charset="0"/>
@@ -13230,7 +13737,7 @@
         </p:nvCxnSpPr>
         <p:spPr>
           <a:xfrm>
-            <a:off x="159295" y="4363172"/>
+            <a:off x="177025" y="3378071"/>
             <a:ext cx="3708569" cy="0"/>
           </a:xfrm>
           <a:prstGeom prst="line">
@@ -13272,7 +13779,7 @@
         </p:nvCxnSpPr>
         <p:spPr>
           <a:xfrm>
-            <a:off x="150327" y="4999672"/>
+            <a:off x="177024" y="4193680"/>
             <a:ext cx="3708569" cy="0"/>
           </a:xfrm>
           <a:prstGeom prst="line">
@@ -13336,7 +13843,7 @@
               <a:rPr lang="es-VE" dirty="0">
                 <a:latin typeface="Raleway" panose="020B0604020202020204" charset="0"/>
               </a:rPr>
-              <a:t>En la práctica se usa para:</a:t>
+              <a:t>Contar cuantas veces se repite cada valor. Esto definirá la frecuencia del valor. </a:t>
             </a:r>
           </a:p>
           <a:p>
@@ -13345,16 +13852,10 @@
               <a:buAutoNum type="arabicPeriod"/>
             </a:pPr>
             <a:r>
-              <a:rPr lang="es-VE" dirty="0" err="1">
-                <a:latin typeface="Raleway" panose="020B0604020202020204" charset="0"/>
-              </a:rPr>
-              <a:t>xxxx</a:t>
-            </a:r>
-            <a:r>
               <a:rPr lang="es-VE" dirty="0">
                 <a:latin typeface="Raleway" panose="020B0604020202020204" charset="0"/>
               </a:rPr>
-              <a:t> </a:t>
+              <a:t>Ver cuál es el valor más pequeño que tiene al menos 1 como frecuencia. Esto representa el mínimo</a:t>
             </a:r>
           </a:p>
           <a:p>
@@ -13363,14 +13864,11 @@
               <a:buAutoNum type="arabicPeriod"/>
             </a:pPr>
             <a:r>
-              <a:rPr lang="es-VE" dirty="0" err="1">
+              <a:rPr lang="es-VE" dirty="0">
                 <a:latin typeface="Raleway" panose="020B0604020202020204" charset="0"/>
               </a:rPr>
-              <a:t>Fdddf</a:t>
+              <a:t>Ver cuál es el valor más grande que tiene al menos 1 como frecuencia. Esto representa el máximo</a:t>
             </a:r>
-            <a:endParaRPr lang="es-VE" dirty="0">
-              <a:latin typeface="Raleway" panose="020B0604020202020204" charset="0"/>
-            </a:endParaRPr>
           </a:p>
           <a:p>
             <a:pPr marL="342900" indent="-342900">
@@ -13378,100 +13876,10 @@
               <a:buAutoNum type="arabicPeriod"/>
             </a:pPr>
             <a:r>
-              <a:rPr lang="es-VE" dirty="0" err="1">
+              <a:rPr lang="es-VE" dirty="0">
                 <a:latin typeface="Raleway" panose="020B0604020202020204" charset="0"/>
               </a:rPr>
-              <a:t>Fdfd</a:t>
-            </a:r>
-            <a:endParaRPr lang="es-VE" dirty="0">
-              <a:latin typeface="Raleway" panose="020B0604020202020204" charset="0"/>
-            </a:endParaRPr>
-          </a:p>
-          <a:p>
-            <a:pPr marL="342900" indent="-342900">
-              <a:buFont typeface="+mj-lt"/>
-              <a:buAutoNum type="arabicPeriod"/>
-            </a:pPr>
-            <a:r>
-              <a:rPr lang="es-VE" dirty="0" err="1">
-                <a:latin typeface="Raleway" panose="020B0604020202020204" charset="0"/>
-              </a:rPr>
-              <a:t>Fdfd</a:t>
-            </a:r>
-            <a:endParaRPr lang="es-VE" dirty="0">
-              <a:latin typeface="Raleway" panose="020B0604020202020204" charset="0"/>
-            </a:endParaRPr>
-          </a:p>
-          <a:p>
-            <a:pPr marL="342900" indent="-342900">
-              <a:buFont typeface="+mj-lt"/>
-              <a:buAutoNum type="arabicPeriod"/>
-            </a:pPr>
-            <a:r>
-              <a:rPr lang="es-VE" dirty="0" err="1">
-                <a:latin typeface="Raleway" panose="020B0604020202020204" charset="0"/>
-              </a:rPr>
-              <a:t>Dfdffd</a:t>
-            </a:r>
-            <a:endParaRPr lang="es-VE" dirty="0">
-              <a:latin typeface="Raleway" panose="020B0604020202020204" charset="0"/>
-            </a:endParaRPr>
-          </a:p>
-          <a:p>
-            <a:pPr marL="342900" indent="-342900">
-              <a:buFont typeface="+mj-lt"/>
-              <a:buAutoNum type="arabicPeriod"/>
-            </a:pPr>
-            <a:r>
-              <a:rPr lang="es-VE" dirty="0" err="1">
-                <a:latin typeface="Raleway" panose="020B0604020202020204" charset="0"/>
-              </a:rPr>
-              <a:t>Sddsds</a:t>
-            </a:r>
-            <a:endParaRPr lang="es-VE" dirty="0">
-              <a:latin typeface="Raleway" panose="020B0604020202020204" charset="0"/>
-            </a:endParaRPr>
-          </a:p>
-          <a:p>
-            <a:pPr marL="342900" indent="-342900">
-              <a:buFont typeface="+mj-lt"/>
-              <a:buAutoNum type="arabicPeriod"/>
-            </a:pPr>
-            <a:r>
-              <a:rPr lang="es-VE" dirty="0" err="1">
-                <a:latin typeface="Raleway" panose="020B0604020202020204" charset="0"/>
-              </a:rPr>
-              <a:t>Dssdds</a:t>
-            </a:r>
-            <a:endParaRPr lang="es-VE" dirty="0">
-              <a:latin typeface="Raleway" panose="020B0604020202020204" charset="0"/>
-            </a:endParaRPr>
-          </a:p>
-          <a:p>
-            <a:pPr marL="342900" indent="-342900">
-              <a:buFont typeface="+mj-lt"/>
-              <a:buAutoNum type="arabicPeriod"/>
-            </a:pPr>
-            <a:r>
-              <a:rPr lang="es-VE" dirty="0" err="1">
-                <a:latin typeface="Raleway" panose="020B0604020202020204" charset="0"/>
-              </a:rPr>
-              <a:t>Sdsddsds</a:t>
-            </a:r>
-            <a:endParaRPr lang="es-VE" dirty="0">
-              <a:latin typeface="Raleway" panose="020B0604020202020204" charset="0"/>
-            </a:endParaRPr>
-          </a:p>
-          <a:p>
-            <a:pPr marL="342900" indent="-342900">
-              <a:buFont typeface="+mj-lt"/>
-              <a:buAutoNum type="arabicPeriod"/>
-            </a:pPr>
-            <a:r>
-              <a:rPr lang="es-VE" dirty="0" err="1">
-                <a:latin typeface="Raleway" panose="020B0604020202020204" charset="0"/>
-              </a:rPr>
-              <a:t>dsdsdsds</a:t>
+              <a:t>El rango son todos los valores ubicados entre el mínimo y máximo de la población</a:t>
             </a:r>
             <a:endParaRPr lang="en-US" dirty="0">
               <a:latin typeface="Raleway" panose="020B0604020202020204" charset="0"/>
@@ -13479,10 +13887,520 @@
           </a:p>
         </p:txBody>
       </p:sp>
+      <p:pic>
+        <p:nvPicPr>
+          <p:cNvPr id="9" name="Picture 8" descr="A close up of a logo&#10;&#10;Description generated with high confidence">
+            <a:extLst>
+              <a:ext uri="{FF2B5EF4-FFF2-40B4-BE49-F238E27FC236}">
+                <a16:creationId xmlns:a16="http://schemas.microsoft.com/office/drawing/2014/main" id="{D76E1C09-9D33-45B9-A42D-E38DF5BFC8E1}"/>
+              </a:ext>
+            </a:extLst>
+          </p:cNvPr>
+          <p:cNvPicPr>
+            <a:picLocks noChangeAspect="1"/>
+          </p:cNvPicPr>
+          <p:nvPr/>
+        </p:nvPicPr>
+        <p:blipFill>
+          <a:blip r:embed="rId4"/>
+          <a:stretch>
+            <a:fillRect/>
+          </a:stretch>
+        </p:blipFill>
+        <p:spPr>
+          <a:xfrm>
+            <a:off x="1906369" y="4368596"/>
+            <a:ext cx="1000142" cy="205637"/>
+          </a:xfrm>
+          <a:prstGeom prst="rect">
+            <a:avLst/>
+          </a:prstGeom>
+        </p:spPr>
+      </p:pic>
+      <p:pic>
+        <p:nvPicPr>
+          <p:cNvPr id="16" name="Picture 15" descr="A close up of a sign&#10;&#10;Description generated with high confidence">
+            <a:extLst>
+              <a:ext uri="{FF2B5EF4-FFF2-40B4-BE49-F238E27FC236}">
+                <a16:creationId xmlns:a16="http://schemas.microsoft.com/office/drawing/2014/main" id="{40EDB379-786D-43FC-A6A9-613CB9504700}"/>
+              </a:ext>
+            </a:extLst>
+          </p:cNvPr>
+          <p:cNvPicPr>
+            <a:picLocks noChangeAspect="1"/>
+          </p:cNvPicPr>
+          <p:nvPr/>
+        </p:nvPicPr>
+        <p:blipFill>
+          <a:blip r:embed="rId5"/>
+          <a:stretch>
+            <a:fillRect/>
+          </a:stretch>
+        </p:blipFill>
+        <p:spPr>
+          <a:xfrm>
+            <a:off x="342500" y="5404749"/>
+            <a:ext cx="612741" cy="612741"/>
+          </a:xfrm>
+          <a:prstGeom prst="rect">
+            <a:avLst/>
+          </a:prstGeom>
+        </p:spPr>
+      </p:pic>
+      <p:pic>
+        <p:nvPicPr>
+          <p:cNvPr id="18" name="Picture 17" descr="A close up of a sign&#10;&#10;Description generated with very high confidence">
+            <a:extLst>
+              <a:ext uri="{FF2B5EF4-FFF2-40B4-BE49-F238E27FC236}">
+                <a16:creationId xmlns:a16="http://schemas.microsoft.com/office/drawing/2014/main" id="{F68448EE-6FDB-4F8D-880B-0F7C23724EA9}"/>
+              </a:ext>
+            </a:extLst>
+          </p:cNvPr>
+          <p:cNvPicPr>
+            <a:picLocks noChangeAspect="1"/>
+          </p:cNvPicPr>
+          <p:nvPr/>
+        </p:nvPicPr>
+        <p:blipFill>
+          <a:blip r:embed="rId6"/>
+          <a:stretch>
+            <a:fillRect/>
+          </a:stretch>
+        </p:blipFill>
+        <p:spPr>
+          <a:xfrm>
+            <a:off x="4570232" y="6276471"/>
+            <a:ext cx="438478" cy="438478"/>
+          </a:xfrm>
+          <a:prstGeom prst="rect">
+            <a:avLst/>
+          </a:prstGeom>
+        </p:spPr>
+      </p:pic>
+      <p:pic>
+        <p:nvPicPr>
+          <p:cNvPr id="22" name="Picture 21">
+            <a:extLst>
+              <a:ext uri="{FF2B5EF4-FFF2-40B4-BE49-F238E27FC236}">
+                <a16:creationId xmlns:a16="http://schemas.microsoft.com/office/drawing/2014/main" id="{939AE214-C454-4CA4-8E97-93D86FDA17D5}"/>
+              </a:ext>
+            </a:extLst>
+          </p:cNvPr>
+          <p:cNvPicPr>
+            <a:picLocks noChangeAspect="1"/>
+          </p:cNvPicPr>
+          <p:nvPr/>
+        </p:nvPicPr>
+        <p:blipFill>
+          <a:blip r:embed="rId7"/>
+          <a:stretch>
+            <a:fillRect/>
+          </a:stretch>
+        </p:blipFill>
+        <p:spPr>
+          <a:xfrm>
+            <a:off x="1286601" y="6178325"/>
+            <a:ext cx="693394" cy="468041"/>
+          </a:xfrm>
+          <a:prstGeom prst="rect">
+            <a:avLst/>
+          </a:prstGeom>
+        </p:spPr>
+      </p:pic>
+      <p:pic>
+        <p:nvPicPr>
+          <p:cNvPr id="24" name="Picture 23">
+            <a:extLst>
+              <a:ext uri="{FF2B5EF4-FFF2-40B4-BE49-F238E27FC236}">
+                <a16:creationId xmlns:a16="http://schemas.microsoft.com/office/drawing/2014/main" id="{EB951EBB-32B0-4EF8-A01E-218887E29A1C}"/>
+              </a:ext>
+            </a:extLst>
+          </p:cNvPr>
+          <p:cNvPicPr>
+            <a:picLocks noChangeAspect="1"/>
+          </p:cNvPicPr>
+          <p:nvPr/>
+        </p:nvPicPr>
+        <p:blipFill>
+          <a:blip r:embed="rId8"/>
+          <a:stretch>
+            <a:fillRect/>
+          </a:stretch>
+        </p:blipFill>
+        <p:spPr>
+          <a:xfrm>
+            <a:off x="2812504" y="5358291"/>
+            <a:ext cx="721916" cy="721916"/>
+          </a:xfrm>
+          <a:prstGeom prst="rect">
+            <a:avLst/>
+          </a:prstGeom>
+        </p:spPr>
+      </p:pic>
+      <p:pic>
+        <p:nvPicPr>
+          <p:cNvPr id="26" name="Picture 25">
+            <a:extLst>
+              <a:ext uri="{FF2B5EF4-FFF2-40B4-BE49-F238E27FC236}">
+                <a16:creationId xmlns:a16="http://schemas.microsoft.com/office/drawing/2014/main" id="{C3607B00-44CB-47AE-A403-16894437277A}"/>
+              </a:ext>
+            </a:extLst>
+          </p:cNvPr>
+          <p:cNvPicPr>
+            <a:picLocks noChangeAspect="1"/>
+          </p:cNvPicPr>
+          <p:nvPr/>
+        </p:nvPicPr>
+        <p:blipFill>
+          <a:blip r:embed="rId9"/>
+          <a:stretch>
+            <a:fillRect/>
+          </a:stretch>
+        </p:blipFill>
+        <p:spPr>
+          <a:xfrm>
+            <a:off x="5574991" y="5585136"/>
+            <a:ext cx="1603015" cy="336274"/>
+          </a:xfrm>
+          <a:prstGeom prst="rect">
+            <a:avLst/>
+          </a:prstGeom>
+        </p:spPr>
+      </p:pic>
+      <p:sp>
+        <p:nvSpPr>
+          <p:cNvPr id="32" name="TextBox 31">
+            <a:extLst>
+              <a:ext uri="{FF2B5EF4-FFF2-40B4-BE49-F238E27FC236}">
+                <a16:creationId xmlns:a16="http://schemas.microsoft.com/office/drawing/2014/main" id="{57FACAED-A4E7-475B-AA16-29F94B38858A}"/>
+              </a:ext>
+            </a:extLst>
+          </p:cNvPr>
+          <p:cNvSpPr txBox="1"/>
+          <p:nvPr/>
+        </p:nvSpPr>
+        <p:spPr>
+          <a:xfrm>
+            <a:off x="5232644" y="6191729"/>
+            <a:ext cx="1775011" cy="523220"/>
+          </a:xfrm>
+          <a:prstGeom prst="rect">
+            <a:avLst/>
+          </a:prstGeom>
+          <a:noFill/>
+        </p:spPr>
+        <p:txBody>
+          <a:bodyPr wrap="square" rtlCol="0">
+            <a:spAutoFit/>
+          </a:bodyPr>
+          <a:lstStyle/>
+          <a:p>
+            <a:r>
+              <a:rPr lang="es-VE" b="1" dirty="0">
+                <a:solidFill>
+                  <a:srgbClr val="2B2B2B"/>
+                </a:solidFill>
+                <a:latin typeface="Raleway" panose="020B0604020202020204" charset="0"/>
+              </a:rPr>
+              <a:t>MIN - Función</a:t>
+            </a:r>
+          </a:p>
+          <a:p>
+            <a:r>
+              <a:rPr lang="es-VE" b="1" dirty="0">
+                <a:solidFill>
+                  <a:srgbClr val="2B2B2B"/>
+                </a:solidFill>
+                <a:latin typeface="Raleway" panose="020B0604020202020204" charset="0"/>
+              </a:rPr>
+              <a:t>MAX - Función</a:t>
+            </a:r>
+            <a:endParaRPr lang="en-US" b="1" dirty="0">
+              <a:solidFill>
+                <a:srgbClr val="2B2B2B"/>
+              </a:solidFill>
+              <a:latin typeface="Raleway" panose="020B0604020202020204" charset="0"/>
+            </a:endParaRPr>
+          </a:p>
+        </p:txBody>
+      </p:sp>
+      <p:sp>
+        <p:nvSpPr>
+          <p:cNvPr id="34" name="TextBox 33">
+            <a:extLst>
+              <a:ext uri="{FF2B5EF4-FFF2-40B4-BE49-F238E27FC236}">
+                <a16:creationId xmlns:a16="http://schemas.microsoft.com/office/drawing/2014/main" id="{7C028F36-0D23-43A8-B3D2-A2975DB42C8F}"/>
+              </a:ext>
+            </a:extLst>
+          </p:cNvPr>
+          <p:cNvSpPr txBox="1"/>
+          <p:nvPr/>
+        </p:nvSpPr>
+        <p:spPr>
+          <a:xfrm>
+            <a:off x="996367" y="5431075"/>
+            <a:ext cx="1775011" cy="523220"/>
+          </a:xfrm>
+          <a:prstGeom prst="rect">
+            <a:avLst/>
+          </a:prstGeom>
+          <a:noFill/>
+        </p:spPr>
+        <p:txBody>
+          <a:bodyPr wrap="square" rtlCol="0">
+            <a:spAutoFit/>
+          </a:bodyPr>
+          <a:lstStyle/>
+          <a:p>
+            <a:r>
+              <a:rPr lang="es-VE" b="1" dirty="0">
+                <a:solidFill>
+                  <a:srgbClr val="2B2B2B"/>
+                </a:solidFill>
+                <a:latin typeface="Raleway" panose="020B0604020202020204" charset="0"/>
+              </a:rPr>
+              <a:t>min – Método</a:t>
+            </a:r>
+          </a:p>
+          <a:p>
+            <a:r>
+              <a:rPr lang="es-VE" b="1" dirty="0" err="1">
+                <a:solidFill>
+                  <a:srgbClr val="2B2B2B"/>
+                </a:solidFill>
+                <a:latin typeface="Raleway" panose="020B0604020202020204" charset="0"/>
+              </a:rPr>
+              <a:t>max</a:t>
+            </a:r>
+            <a:r>
+              <a:rPr lang="es-VE" b="1" dirty="0">
+                <a:solidFill>
+                  <a:srgbClr val="2B2B2B"/>
+                </a:solidFill>
+                <a:latin typeface="Raleway" panose="020B0604020202020204" charset="0"/>
+              </a:rPr>
+              <a:t> - Método</a:t>
+            </a:r>
+            <a:endParaRPr lang="en-US" b="1" dirty="0">
+              <a:solidFill>
+                <a:srgbClr val="2B2B2B"/>
+              </a:solidFill>
+              <a:latin typeface="Raleway" panose="020B0604020202020204" charset="0"/>
+            </a:endParaRPr>
+          </a:p>
+        </p:txBody>
+      </p:sp>
+      <p:sp>
+        <p:nvSpPr>
+          <p:cNvPr id="35" name="TextBox 34">
+            <a:extLst>
+              <a:ext uri="{FF2B5EF4-FFF2-40B4-BE49-F238E27FC236}">
+                <a16:creationId xmlns:a16="http://schemas.microsoft.com/office/drawing/2014/main" id="{9210DF7C-FDFB-4568-9209-2B1D0C51CA27}"/>
+              </a:ext>
+            </a:extLst>
+          </p:cNvPr>
+          <p:cNvSpPr txBox="1"/>
+          <p:nvPr/>
+        </p:nvSpPr>
+        <p:spPr>
+          <a:xfrm>
+            <a:off x="7178006" y="5585136"/>
+            <a:ext cx="1940509" cy="523220"/>
+          </a:xfrm>
+          <a:prstGeom prst="rect">
+            <a:avLst/>
+          </a:prstGeom>
+          <a:noFill/>
+        </p:spPr>
+        <p:txBody>
+          <a:bodyPr wrap="square" rtlCol="0">
+            <a:spAutoFit/>
+          </a:bodyPr>
+          <a:lstStyle/>
+          <a:p>
+            <a:r>
+              <a:rPr lang="es-VE" b="1" dirty="0" err="1">
+                <a:solidFill>
+                  <a:srgbClr val="2B2B2B"/>
+                </a:solidFill>
+                <a:latin typeface="Raleway" panose="020B0604020202020204" charset="0"/>
+              </a:rPr>
+              <a:t>Minimun</a:t>
+            </a:r>
+            <a:r>
+              <a:rPr lang="es-VE" b="1" dirty="0">
+                <a:solidFill>
+                  <a:srgbClr val="2B2B2B"/>
+                </a:solidFill>
+                <a:latin typeface="Raleway" panose="020B0604020202020204" charset="0"/>
+              </a:rPr>
+              <a:t> - Función</a:t>
+            </a:r>
+          </a:p>
+          <a:p>
+            <a:r>
+              <a:rPr lang="es-VE" b="1" dirty="0" err="1">
+                <a:solidFill>
+                  <a:srgbClr val="2B2B2B"/>
+                </a:solidFill>
+                <a:latin typeface="Raleway" panose="020B0604020202020204" charset="0"/>
+              </a:rPr>
+              <a:t>Maximun</a:t>
+            </a:r>
+            <a:r>
+              <a:rPr lang="es-VE" b="1" dirty="0">
+                <a:solidFill>
+                  <a:srgbClr val="2B2B2B"/>
+                </a:solidFill>
+                <a:latin typeface="Raleway" panose="020B0604020202020204" charset="0"/>
+              </a:rPr>
+              <a:t> - Función</a:t>
+            </a:r>
+            <a:endParaRPr lang="en-US" b="1" dirty="0">
+              <a:solidFill>
+                <a:srgbClr val="2B2B2B"/>
+              </a:solidFill>
+              <a:latin typeface="Raleway" panose="020B0604020202020204" charset="0"/>
+            </a:endParaRPr>
+          </a:p>
+        </p:txBody>
+      </p:sp>
+      <p:sp>
+        <p:nvSpPr>
+          <p:cNvPr id="36" name="TextBox 35">
+            <a:extLst>
+              <a:ext uri="{FF2B5EF4-FFF2-40B4-BE49-F238E27FC236}">
+                <a16:creationId xmlns:a16="http://schemas.microsoft.com/office/drawing/2014/main" id="{8B7426EE-74E9-44BE-B45C-BC27D7CCCB5E}"/>
+              </a:ext>
+            </a:extLst>
+          </p:cNvPr>
+          <p:cNvSpPr txBox="1"/>
+          <p:nvPr/>
+        </p:nvSpPr>
+        <p:spPr>
+          <a:xfrm>
+            <a:off x="3635965" y="5477414"/>
+            <a:ext cx="1775011" cy="523220"/>
+          </a:xfrm>
+          <a:prstGeom prst="rect">
+            <a:avLst/>
+          </a:prstGeom>
+          <a:noFill/>
+        </p:spPr>
+        <p:txBody>
+          <a:bodyPr wrap="square" rtlCol="0">
+            <a:spAutoFit/>
+          </a:bodyPr>
+          <a:lstStyle/>
+          <a:p>
+            <a:r>
+              <a:rPr lang="es-VE" b="1" dirty="0">
+                <a:solidFill>
+                  <a:srgbClr val="2B2B2B"/>
+                </a:solidFill>
+                <a:latin typeface="Raleway" panose="020B0604020202020204" charset="0"/>
+              </a:rPr>
+              <a:t>min - Función</a:t>
+            </a:r>
+          </a:p>
+          <a:p>
+            <a:r>
+              <a:rPr lang="es-VE" b="1" dirty="0" err="1">
+                <a:solidFill>
+                  <a:srgbClr val="2B2B2B"/>
+                </a:solidFill>
+                <a:latin typeface="Raleway" panose="020B0604020202020204" charset="0"/>
+              </a:rPr>
+              <a:t>max</a:t>
+            </a:r>
+            <a:r>
+              <a:rPr lang="es-VE" b="1" dirty="0">
+                <a:solidFill>
+                  <a:srgbClr val="2B2B2B"/>
+                </a:solidFill>
+                <a:latin typeface="Raleway" panose="020B0604020202020204" charset="0"/>
+              </a:rPr>
+              <a:t> - Función</a:t>
+            </a:r>
+            <a:endParaRPr lang="en-US" b="1" dirty="0">
+              <a:solidFill>
+                <a:srgbClr val="2B2B2B"/>
+              </a:solidFill>
+              <a:latin typeface="Raleway" panose="020B0604020202020204" charset="0"/>
+            </a:endParaRPr>
+          </a:p>
+        </p:txBody>
+      </p:sp>
+      <p:sp>
+        <p:nvSpPr>
+          <p:cNvPr id="37" name="TextBox 36">
+            <a:extLst>
+              <a:ext uri="{FF2B5EF4-FFF2-40B4-BE49-F238E27FC236}">
+                <a16:creationId xmlns:a16="http://schemas.microsoft.com/office/drawing/2014/main" id="{05601036-CCE2-4FE8-B779-5A7C478A23CB}"/>
+              </a:ext>
+            </a:extLst>
+          </p:cNvPr>
+          <p:cNvSpPr txBox="1"/>
+          <p:nvPr/>
+        </p:nvSpPr>
+        <p:spPr>
+          <a:xfrm>
+            <a:off x="2016022" y="6191729"/>
+            <a:ext cx="2418660" cy="523220"/>
+          </a:xfrm>
+          <a:prstGeom prst="rect">
+            <a:avLst/>
+          </a:prstGeom>
+          <a:noFill/>
+        </p:spPr>
+        <p:txBody>
+          <a:bodyPr wrap="square" rtlCol="0">
+            <a:spAutoFit/>
+          </a:bodyPr>
+          <a:lstStyle/>
+          <a:p>
+            <a:r>
+              <a:rPr lang="es-VE" b="1" dirty="0">
+                <a:solidFill>
+                  <a:srgbClr val="2B2B2B"/>
+                </a:solidFill>
+                <a:latin typeface="Raleway" panose="020B0604020202020204" charset="0"/>
+              </a:rPr>
+              <a:t>min – Función o Método</a:t>
+            </a:r>
+          </a:p>
+          <a:p>
+            <a:r>
+              <a:rPr lang="es-VE" b="1" dirty="0" err="1">
+                <a:solidFill>
+                  <a:srgbClr val="2B2B2B"/>
+                </a:solidFill>
+                <a:latin typeface="Raleway" panose="020B0604020202020204" charset="0"/>
+              </a:rPr>
+              <a:t>max</a:t>
+            </a:r>
+            <a:r>
+              <a:rPr lang="es-VE" b="1" dirty="0">
+                <a:solidFill>
+                  <a:srgbClr val="2B2B2B"/>
+                </a:solidFill>
+                <a:latin typeface="Raleway" panose="020B0604020202020204" charset="0"/>
+              </a:rPr>
+              <a:t> – Función o Método</a:t>
+            </a:r>
+            <a:endParaRPr lang="en-US" b="1" dirty="0">
+              <a:solidFill>
+                <a:srgbClr val="2B2B2B"/>
+              </a:solidFill>
+              <a:latin typeface="Raleway" panose="020B0604020202020204" charset="0"/>
+            </a:endParaRPr>
+          </a:p>
+        </p:txBody>
+      </p:sp>
     </p:spTree>
     <p:extLst>
       <p:ext uri="{BB962C8B-B14F-4D97-AF65-F5344CB8AC3E}">
-        <p14:creationId xmlns:p14="http://schemas.microsoft.com/office/powerpoint/2010/main" val="2199612261"/>
+        <p14:creationId xmlns:p14="http://schemas.microsoft.com/office/powerpoint/2010/main" val="3848781976"/>
       </p:ext>
     </p:extLst>
   </p:cSld>
@@ -13616,15 +14534,11 @@
           </a:bodyPr>
           <a:lstStyle/>
           <a:p>
-            <a:pPr marL="0" marR="0" lvl="0" indent="0" algn="l" rtl="0">
-              <a:spcBef>
-                <a:spcPts val="0"/>
-              </a:spcBef>
+            <a:pPr lvl="0">
               <a:buSzPct val="25000"/>
-              <a:buNone/>
             </a:pPr>
             <a:r>
-              <a:rPr lang="es-GT" sz="3600" b="0" i="0" u="none" strike="noStrike" cap="none" dirty="0">
+              <a:rPr lang="es-GT" sz="3600" dirty="0">
                 <a:solidFill>
                   <a:srgbClr val="F7B600"/>
                 </a:solidFill>
@@ -13700,8 +14614,8 @@
         </p:nvSpPr>
         <p:spPr>
           <a:xfrm flipH="1">
-            <a:off x="0" y="5753658"/>
-            <a:ext cx="9144000" cy="307777"/>
+            <a:off x="127258" y="4938943"/>
+            <a:ext cx="8909904" cy="307777"/>
           </a:xfrm>
           <a:prstGeom prst="rect">
             <a:avLst/>
@@ -13723,7 +14637,7 @@
                 </a:solidFill>
                 <a:latin typeface="Raleway" panose="020B0604020202020204" charset="0"/>
               </a:rPr>
-              <a:t>Comandos:</a:t>
+              <a:t>Comandos en diferentes tecnologías:</a:t>
             </a:r>
           </a:p>
         </p:txBody>
@@ -13784,8 +14698,8 @@
         </p:nvSpPr>
         <p:spPr>
           <a:xfrm>
-            <a:off x="9427" y="6061435"/>
-            <a:ext cx="9134573" cy="796565"/>
+            <a:off x="131780" y="5246721"/>
+            <a:ext cx="8891244" cy="1531152"/>
           </a:xfrm>
           <a:prstGeom prst="rect">
             <a:avLst/>
@@ -13837,7 +14751,7 @@
         <p:spPr>
           <a:xfrm>
             <a:off x="146451" y="2003808"/>
-            <a:ext cx="3739143" cy="3492372"/>
+            <a:ext cx="3739143" cy="2794435"/>
           </a:xfrm>
           <a:prstGeom prst="rect">
             <a:avLst/>
@@ -13889,7 +14803,7 @@
         <p:spPr>
           <a:xfrm>
             <a:off x="4111660" y="2003808"/>
-            <a:ext cx="4911363" cy="3492372"/>
+            <a:ext cx="4911363" cy="2832143"/>
           </a:xfrm>
           <a:prstGeom prst="rect">
             <a:avLst/>
@@ -13928,46 +14842,6 @@
       </p:sp>
       <p:sp>
         <p:nvSpPr>
-          <p:cNvPr id="5" name="TextBox 4">
-            <a:extLst>
-              <a:ext uri="{FF2B5EF4-FFF2-40B4-BE49-F238E27FC236}">
-                <a16:creationId xmlns:a16="http://schemas.microsoft.com/office/drawing/2014/main" id="{2CE93F73-A7A8-4258-B4DD-B5F33AB5F72A}"/>
-              </a:ext>
-            </a:extLst>
-          </p:cNvPr>
-          <p:cNvSpPr txBox="1"/>
-          <p:nvPr/>
-        </p:nvSpPr>
-        <p:spPr>
-          <a:xfrm>
-            <a:off x="917691" y="6269213"/>
-            <a:ext cx="1775011" cy="307777"/>
-          </a:xfrm>
-          <a:prstGeom prst="rect">
-            <a:avLst/>
-          </a:prstGeom>
-          <a:noFill/>
-        </p:spPr>
-        <p:txBody>
-          <a:bodyPr wrap="square" rtlCol="0">
-            <a:spAutoFit/>
-          </a:bodyPr>
-          <a:lstStyle/>
-          <a:p>
-            <a:r>
-              <a:rPr lang="es-VE" dirty="0">
-                <a:latin typeface="Raleway" panose="020B0604020202020204" charset="0"/>
-              </a:rPr>
-              <a:t>MIN()</a:t>
-            </a:r>
-            <a:endParaRPr lang="en-US" dirty="0">
-              <a:latin typeface="Raleway" panose="020B0604020202020204" charset="0"/>
-            </a:endParaRPr>
-          </a:p>
-        </p:txBody>
-      </p:sp>
-      <p:sp>
-        <p:nvSpPr>
           <p:cNvPr id="13" name="TextBox 12">
             <a:extLst>
               <a:ext uri="{FF2B5EF4-FFF2-40B4-BE49-F238E27FC236}">
@@ -13980,7 +14854,7 @@
         </p:nvSpPr>
         <p:spPr>
           <a:xfrm>
-            <a:off x="229439" y="4397399"/>
+            <a:off x="238088" y="3508766"/>
             <a:ext cx="3851785" cy="523220"/>
           </a:xfrm>
           <a:prstGeom prst="rect">
@@ -13995,7 +14869,7 @@
           <a:lstStyle/>
           <a:p>
             <a:r>
-              <a:rPr lang="es-VE" dirty="0">
+              <a:rPr lang="es-VE" b="1" dirty="0">
                 <a:latin typeface="Raleway" panose="020B0604020202020204" charset="0"/>
               </a:rPr>
               <a:t>En la práctica se usa para:</a:t>
@@ -14003,16 +14877,10 @@
           </a:p>
           <a:p>
             <a:r>
-              <a:rPr lang="es-VE" dirty="0" err="1">
-                <a:latin typeface="Raleway" panose="020B0604020202020204" charset="0"/>
-              </a:rPr>
-              <a:t>xxxx</a:t>
-            </a:r>
-            <a:r>
               <a:rPr lang="es-VE" dirty="0">
                 <a:latin typeface="Raleway" panose="020B0604020202020204" charset="0"/>
               </a:rPr>
-              <a:t> </a:t>
+              <a:t>El total de una variable </a:t>
             </a:r>
             <a:endParaRPr lang="en-US" dirty="0">
               <a:latin typeface="Raleway" panose="020B0604020202020204" charset="0"/>
@@ -14034,7 +14902,7 @@
         </p:nvSpPr>
         <p:spPr>
           <a:xfrm>
-            <a:off x="216301" y="5061156"/>
+            <a:off x="259875" y="4323820"/>
             <a:ext cx="3851785" cy="307777"/>
           </a:xfrm>
           <a:prstGeom prst="rect">
@@ -14075,7 +14943,7 @@
         <p:spPr>
           <a:xfrm>
             <a:off x="372517" y="2188335"/>
-            <a:ext cx="3851785" cy="307777"/>
+            <a:ext cx="3365211" cy="523220"/>
           </a:xfrm>
           <a:prstGeom prst="rect">
             <a:avLst/>
@@ -14089,10 +14957,10 @@
           <a:lstStyle/>
           <a:p>
             <a:r>
-              <a:rPr lang="es-VE" dirty="0">
+              <a:rPr lang="es-ES" dirty="0">
                 <a:latin typeface="Raleway" panose="020B0604020202020204" charset="0"/>
               </a:rPr>
-              <a:t>XLSLM KKNSKM ;M</a:t>
+              <a:t>Es la suma de todos los valores de una muestra</a:t>
             </a:r>
             <a:endParaRPr lang="en-US" dirty="0">
               <a:latin typeface="Raleway" panose="020B0604020202020204" charset="0"/>
@@ -14114,7 +14982,7 @@
         </p:nvCxnSpPr>
         <p:spPr>
           <a:xfrm>
-            <a:off x="159295" y="4363172"/>
+            <a:off x="177025" y="3378071"/>
             <a:ext cx="3708569" cy="0"/>
           </a:xfrm>
           <a:prstGeom prst="line">
@@ -14156,7 +15024,7 @@
         </p:nvCxnSpPr>
         <p:spPr>
           <a:xfrm>
-            <a:off x="150327" y="4999672"/>
+            <a:off x="177024" y="4193680"/>
             <a:ext cx="3708569" cy="0"/>
           </a:xfrm>
           <a:prstGeom prst="line">
@@ -14199,7 +15067,7 @@
         <p:spPr>
           <a:xfrm>
             <a:off x="4359062" y="2131144"/>
-            <a:ext cx="4447539" cy="2246769"/>
+            <a:ext cx="4447539" cy="738664"/>
           </a:xfrm>
           <a:prstGeom prst="rect">
             <a:avLst/>
@@ -14220,7 +15088,7 @@
               <a:rPr lang="es-VE" dirty="0">
                 <a:latin typeface="Raleway" panose="020B0604020202020204" charset="0"/>
               </a:rPr>
-              <a:t>En la práctica se usa para:</a:t>
+              <a:t>Contar cuantas veces se repite cada valor. Esto definirá la frecuencia del valor. </a:t>
             </a:r>
           </a:p>
           <a:p>
@@ -14229,135 +15097,419 @@
               <a:buAutoNum type="arabicPeriod"/>
             </a:pPr>
             <a:r>
-              <a:rPr lang="es-VE" dirty="0" err="1">
-                <a:latin typeface="Raleway" panose="020B0604020202020204" charset="0"/>
-              </a:rPr>
-              <a:t>xxxx</a:t>
-            </a:r>
-            <a:r>
               <a:rPr lang="es-VE" dirty="0">
                 <a:latin typeface="Raleway" panose="020B0604020202020204" charset="0"/>
               </a:rPr>
-              <a:t> </a:t>
+              <a:t>Sumar todas las frecuencias. </a:t>
             </a:r>
           </a:p>
-          <a:p>
-            <a:pPr marL="342900" indent="-342900">
-              <a:buFont typeface="+mj-lt"/>
-              <a:buAutoNum type="arabicPeriod"/>
-            </a:pPr>
+        </p:txBody>
+      </p:sp>
+      <p:pic>
+        <p:nvPicPr>
+          <p:cNvPr id="9" name="Picture 8" descr="A close up of a logo&#10;&#10;Description generated with high confidence">
+            <a:extLst>
+              <a:ext uri="{FF2B5EF4-FFF2-40B4-BE49-F238E27FC236}">
+                <a16:creationId xmlns:a16="http://schemas.microsoft.com/office/drawing/2014/main" id="{D76E1C09-9D33-45B9-A42D-E38DF5BFC8E1}"/>
+              </a:ext>
+            </a:extLst>
+          </p:cNvPr>
+          <p:cNvPicPr>
+            <a:picLocks noChangeAspect="1"/>
+          </p:cNvPicPr>
+          <p:nvPr/>
+        </p:nvPicPr>
+        <p:blipFill>
+          <a:blip r:embed="rId4"/>
+          <a:stretch>
+            <a:fillRect/>
+          </a:stretch>
+        </p:blipFill>
+        <p:spPr>
+          <a:xfrm>
+            <a:off x="1906369" y="4368596"/>
+            <a:ext cx="1000142" cy="205637"/>
+          </a:xfrm>
+          <a:prstGeom prst="rect">
+            <a:avLst/>
+          </a:prstGeom>
+        </p:spPr>
+      </p:pic>
+      <p:pic>
+        <p:nvPicPr>
+          <p:cNvPr id="16" name="Picture 15" descr="A close up of a sign&#10;&#10;Description generated with high confidence">
+            <a:extLst>
+              <a:ext uri="{FF2B5EF4-FFF2-40B4-BE49-F238E27FC236}">
+                <a16:creationId xmlns:a16="http://schemas.microsoft.com/office/drawing/2014/main" id="{40EDB379-786D-43FC-A6A9-613CB9504700}"/>
+              </a:ext>
+            </a:extLst>
+          </p:cNvPr>
+          <p:cNvPicPr>
+            <a:picLocks noChangeAspect="1"/>
+          </p:cNvPicPr>
+          <p:nvPr/>
+        </p:nvPicPr>
+        <p:blipFill>
+          <a:blip r:embed="rId5"/>
+          <a:stretch>
+            <a:fillRect/>
+          </a:stretch>
+        </p:blipFill>
+        <p:spPr>
+          <a:xfrm>
+            <a:off x="342500" y="5404749"/>
+            <a:ext cx="612741" cy="612741"/>
+          </a:xfrm>
+          <a:prstGeom prst="rect">
+            <a:avLst/>
+          </a:prstGeom>
+        </p:spPr>
+      </p:pic>
+      <p:pic>
+        <p:nvPicPr>
+          <p:cNvPr id="18" name="Picture 17" descr="A close up of a sign&#10;&#10;Description generated with very high confidence">
+            <a:extLst>
+              <a:ext uri="{FF2B5EF4-FFF2-40B4-BE49-F238E27FC236}">
+                <a16:creationId xmlns:a16="http://schemas.microsoft.com/office/drawing/2014/main" id="{F68448EE-6FDB-4F8D-880B-0F7C23724EA9}"/>
+              </a:ext>
+            </a:extLst>
+          </p:cNvPr>
+          <p:cNvPicPr>
+            <a:picLocks noChangeAspect="1"/>
+          </p:cNvPicPr>
+          <p:nvPr/>
+        </p:nvPicPr>
+        <p:blipFill>
+          <a:blip r:embed="rId6"/>
+          <a:stretch>
+            <a:fillRect/>
+          </a:stretch>
+        </p:blipFill>
+        <p:spPr>
+          <a:xfrm>
+            <a:off x="4570232" y="6276471"/>
+            <a:ext cx="438478" cy="438478"/>
+          </a:xfrm>
+          <a:prstGeom prst="rect">
+            <a:avLst/>
+          </a:prstGeom>
+        </p:spPr>
+      </p:pic>
+      <p:pic>
+        <p:nvPicPr>
+          <p:cNvPr id="22" name="Picture 21">
+            <a:extLst>
+              <a:ext uri="{FF2B5EF4-FFF2-40B4-BE49-F238E27FC236}">
+                <a16:creationId xmlns:a16="http://schemas.microsoft.com/office/drawing/2014/main" id="{939AE214-C454-4CA4-8E97-93D86FDA17D5}"/>
+              </a:ext>
+            </a:extLst>
+          </p:cNvPr>
+          <p:cNvPicPr>
+            <a:picLocks noChangeAspect="1"/>
+          </p:cNvPicPr>
+          <p:nvPr/>
+        </p:nvPicPr>
+        <p:blipFill>
+          <a:blip r:embed="rId7"/>
+          <a:stretch>
+            <a:fillRect/>
+          </a:stretch>
+        </p:blipFill>
+        <p:spPr>
+          <a:xfrm>
+            <a:off x="1286601" y="6178325"/>
+            <a:ext cx="693394" cy="468041"/>
+          </a:xfrm>
+          <a:prstGeom prst="rect">
+            <a:avLst/>
+          </a:prstGeom>
+        </p:spPr>
+      </p:pic>
+      <p:pic>
+        <p:nvPicPr>
+          <p:cNvPr id="24" name="Picture 23">
+            <a:extLst>
+              <a:ext uri="{FF2B5EF4-FFF2-40B4-BE49-F238E27FC236}">
+                <a16:creationId xmlns:a16="http://schemas.microsoft.com/office/drawing/2014/main" id="{EB951EBB-32B0-4EF8-A01E-218887E29A1C}"/>
+              </a:ext>
+            </a:extLst>
+          </p:cNvPr>
+          <p:cNvPicPr>
+            <a:picLocks noChangeAspect="1"/>
+          </p:cNvPicPr>
+          <p:nvPr/>
+        </p:nvPicPr>
+        <p:blipFill>
+          <a:blip r:embed="rId8"/>
+          <a:stretch>
+            <a:fillRect/>
+          </a:stretch>
+        </p:blipFill>
+        <p:spPr>
+          <a:xfrm>
+            <a:off x="2812504" y="5358291"/>
+            <a:ext cx="721916" cy="721916"/>
+          </a:xfrm>
+          <a:prstGeom prst="rect">
+            <a:avLst/>
+          </a:prstGeom>
+        </p:spPr>
+      </p:pic>
+      <p:pic>
+        <p:nvPicPr>
+          <p:cNvPr id="26" name="Picture 25">
+            <a:extLst>
+              <a:ext uri="{FF2B5EF4-FFF2-40B4-BE49-F238E27FC236}">
+                <a16:creationId xmlns:a16="http://schemas.microsoft.com/office/drawing/2014/main" id="{C3607B00-44CB-47AE-A403-16894437277A}"/>
+              </a:ext>
+            </a:extLst>
+          </p:cNvPr>
+          <p:cNvPicPr>
+            <a:picLocks noChangeAspect="1"/>
+          </p:cNvPicPr>
+          <p:nvPr/>
+        </p:nvPicPr>
+        <p:blipFill>
+          <a:blip r:embed="rId9"/>
+          <a:stretch>
+            <a:fillRect/>
+          </a:stretch>
+        </p:blipFill>
+        <p:spPr>
+          <a:xfrm>
+            <a:off x="5574991" y="5585136"/>
+            <a:ext cx="1603015" cy="336274"/>
+          </a:xfrm>
+          <a:prstGeom prst="rect">
+            <a:avLst/>
+          </a:prstGeom>
+        </p:spPr>
+      </p:pic>
+      <p:sp>
+        <p:nvSpPr>
+          <p:cNvPr id="32" name="TextBox 31">
+            <a:extLst>
+              <a:ext uri="{FF2B5EF4-FFF2-40B4-BE49-F238E27FC236}">
+                <a16:creationId xmlns:a16="http://schemas.microsoft.com/office/drawing/2014/main" id="{57FACAED-A4E7-475B-AA16-29F94B38858A}"/>
+              </a:ext>
+            </a:extLst>
+          </p:cNvPr>
+          <p:cNvSpPr txBox="1"/>
+          <p:nvPr/>
+        </p:nvSpPr>
+        <p:spPr>
+          <a:xfrm>
+            <a:off x="5301343" y="6338589"/>
+            <a:ext cx="1775011" cy="307777"/>
+          </a:xfrm>
+          <a:prstGeom prst="rect">
+            <a:avLst/>
+          </a:prstGeom>
+          <a:noFill/>
+        </p:spPr>
+        <p:txBody>
+          <a:bodyPr wrap="square" rtlCol="0">
+            <a:spAutoFit/>
+          </a:bodyPr>
+          <a:lstStyle/>
+          <a:p>
             <a:r>
-              <a:rPr lang="es-VE" dirty="0" err="1">
+              <a:rPr lang="es-VE" b="1" dirty="0">
+                <a:solidFill>
+                  <a:srgbClr val="2B2B2B"/>
+                </a:solidFill>
                 <a:latin typeface="Raleway" panose="020B0604020202020204" charset="0"/>
               </a:rPr>
-              <a:t>Fdddf</a:t>
+              <a:t>SUMA - Función</a:t>
             </a:r>
-            <a:endParaRPr lang="es-VE" dirty="0">
+            <a:endParaRPr lang="en-US" b="1" dirty="0">
+              <a:solidFill>
+                <a:srgbClr val="2B2B2B"/>
+              </a:solidFill>
               <a:latin typeface="Raleway" panose="020B0604020202020204" charset="0"/>
             </a:endParaRPr>
           </a:p>
-          <a:p>
-            <a:pPr marL="342900" indent="-342900">
-              <a:buFont typeface="+mj-lt"/>
-              <a:buAutoNum type="arabicPeriod"/>
-            </a:pPr>
+        </p:txBody>
+      </p:sp>
+      <p:sp>
+        <p:nvSpPr>
+          <p:cNvPr id="34" name="TextBox 33">
+            <a:extLst>
+              <a:ext uri="{FF2B5EF4-FFF2-40B4-BE49-F238E27FC236}">
+                <a16:creationId xmlns:a16="http://schemas.microsoft.com/office/drawing/2014/main" id="{7C028F36-0D23-43A8-B3D2-A2975DB42C8F}"/>
+              </a:ext>
+            </a:extLst>
+          </p:cNvPr>
+          <p:cNvSpPr txBox="1"/>
+          <p:nvPr/>
+        </p:nvSpPr>
+        <p:spPr>
+          <a:xfrm>
+            <a:off x="996367" y="5435792"/>
+            <a:ext cx="1775011" cy="523220"/>
+          </a:xfrm>
+          <a:prstGeom prst="rect">
+            <a:avLst/>
+          </a:prstGeom>
+          <a:noFill/>
+        </p:spPr>
+        <p:txBody>
+          <a:bodyPr wrap="square" rtlCol="0">
+            <a:spAutoFit/>
+          </a:bodyPr>
+          <a:lstStyle/>
+          <a:p>
             <a:r>
-              <a:rPr lang="es-VE" dirty="0" err="1">
+              <a:rPr lang="es-VE" b="1" dirty="0">
+                <a:solidFill>
+                  <a:srgbClr val="2B2B2B"/>
+                </a:solidFill>
                 <a:latin typeface="Raleway" panose="020B0604020202020204" charset="0"/>
               </a:rPr>
-              <a:t>Fdfd</a:t>
+              <a:t>.reduce(add,0) - Método</a:t>
             </a:r>
-            <a:endParaRPr lang="es-VE" dirty="0">
+            <a:endParaRPr lang="en-US" b="1" dirty="0">
+              <a:solidFill>
+                <a:srgbClr val="2B2B2B"/>
+              </a:solidFill>
               <a:latin typeface="Raleway" panose="020B0604020202020204" charset="0"/>
             </a:endParaRPr>
           </a:p>
-          <a:p>
-            <a:pPr marL="342900" indent="-342900">
-              <a:buFont typeface="+mj-lt"/>
-              <a:buAutoNum type="arabicPeriod"/>
-            </a:pPr>
+        </p:txBody>
+      </p:sp>
+      <p:sp>
+        <p:nvSpPr>
+          <p:cNvPr id="35" name="TextBox 34">
+            <a:extLst>
+              <a:ext uri="{FF2B5EF4-FFF2-40B4-BE49-F238E27FC236}">
+                <a16:creationId xmlns:a16="http://schemas.microsoft.com/office/drawing/2014/main" id="{9210DF7C-FDFB-4568-9209-2B1D0C51CA27}"/>
+              </a:ext>
+            </a:extLst>
+          </p:cNvPr>
+          <p:cNvSpPr txBox="1"/>
+          <p:nvPr/>
+        </p:nvSpPr>
+        <p:spPr>
+          <a:xfrm>
+            <a:off x="7178006" y="5585136"/>
+            <a:ext cx="1940509" cy="307777"/>
+          </a:xfrm>
+          <a:prstGeom prst="rect">
+            <a:avLst/>
+          </a:prstGeom>
+          <a:noFill/>
+        </p:spPr>
+        <p:txBody>
+          <a:bodyPr wrap="square" rtlCol="0">
+            <a:spAutoFit/>
+          </a:bodyPr>
+          <a:lstStyle/>
+          <a:p>
             <a:r>
-              <a:rPr lang="es-VE" dirty="0" err="1">
+              <a:rPr lang="es-VE" b="1" dirty="0">
+                <a:solidFill>
+                  <a:srgbClr val="2B2B2B"/>
+                </a:solidFill>
                 <a:latin typeface="Raleway" panose="020B0604020202020204" charset="0"/>
               </a:rPr>
-              <a:t>Fdfd</a:t>
+              <a:t>Sum - Función</a:t>
             </a:r>
-            <a:endParaRPr lang="es-VE" dirty="0">
+            <a:endParaRPr lang="en-US" b="1" dirty="0">
+              <a:solidFill>
+                <a:srgbClr val="2B2B2B"/>
+              </a:solidFill>
               <a:latin typeface="Raleway" panose="020B0604020202020204" charset="0"/>
             </a:endParaRPr>
           </a:p>
-          <a:p>
-            <a:pPr marL="342900" indent="-342900">
-              <a:buFont typeface="+mj-lt"/>
-              <a:buAutoNum type="arabicPeriod"/>
-            </a:pPr>
+        </p:txBody>
+      </p:sp>
+      <p:sp>
+        <p:nvSpPr>
+          <p:cNvPr id="36" name="TextBox 35">
+            <a:extLst>
+              <a:ext uri="{FF2B5EF4-FFF2-40B4-BE49-F238E27FC236}">
+                <a16:creationId xmlns:a16="http://schemas.microsoft.com/office/drawing/2014/main" id="{8B7426EE-74E9-44BE-B45C-BC27D7CCCB5E}"/>
+              </a:ext>
+            </a:extLst>
+          </p:cNvPr>
+          <p:cNvSpPr txBox="1"/>
+          <p:nvPr/>
+        </p:nvSpPr>
+        <p:spPr>
+          <a:xfrm>
+            <a:off x="3629911" y="5600172"/>
+            <a:ext cx="1775011" cy="307777"/>
+          </a:xfrm>
+          <a:prstGeom prst="rect">
+            <a:avLst/>
+          </a:prstGeom>
+          <a:noFill/>
+        </p:spPr>
+        <p:txBody>
+          <a:bodyPr wrap="square" rtlCol="0">
+            <a:spAutoFit/>
+          </a:bodyPr>
+          <a:lstStyle/>
+          <a:p>
             <a:r>
-              <a:rPr lang="es-VE" dirty="0" err="1">
+              <a:rPr lang="es-VE" b="1" dirty="0">
+                <a:solidFill>
+                  <a:srgbClr val="2B2B2B"/>
+                </a:solidFill>
                 <a:latin typeface="Raleway" panose="020B0604020202020204" charset="0"/>
               </a:rPr>
-              <a:t>Dfdffd</a:t>
+              <a:t>sum - Función</a:t>
             </a:r>
-            <a:endParaRPr lang="es-VE" dirty="0">
+            <a:endParaRPr lang="en-US" b="1" dirty="0">
+              <a:solidFill>
+                <a:srgbClr val="2B2B2B"/>
+              </a:solidFill>
               <a:latin typeface="Raleway" panose="020B0604020202020204" charset="0"/>
             </a:endParaRPr>
           </a:p>
-          <a:p>
-            <a:pPr marL="342900" indent="-342900">
-              <a:buFont typeface="+mj-lt"/>
-              <a:buAutoNum type="arabicPeriod"/>
-            </a:pPr>
+        </p:txBody>
+      </p:sp>
+      <p:sp>
+        <p:nvSpPr>
+          <p:cNvPr id="37" name="TextBox 36">
+            <a:extLst>
+              <a:ext uri="{FF2B5EF4-FFF2-40B4-BE49-F238E27FC236}">
+                <a16:creationId xmlns:a16="http://schemas.microsoft.com/office/drawing/2014/main" id="{05601036-CCE2-4FE8-B779-5A7C478A23CB}"/>
+              </a:ext>
+            </a:extLst>
+          </p:cNvPr>
+          <p:cNvSpPr txBox="1"/>
+          <p:nvPr/>
+        </p:nvSpPr>
+        <p:spPr>
+          <a:xfrm>
+            <a:off x="2101492" y="6246779"/>
+            <a:ext cx="3303429" cy="307777"/>
+          </a:xfrm>
+          <a:prstGeom prst="rect">
+            <a:avLst/>
+          </a:prstGeom>
+          <a:noFill/>
+        </p:spPr>
+        <p:txBody>
+          <a:bodyPr wrap="square" rtlCol="0">
+            <a:spAutoFit/>
+          </a:bodyPr>
+          <a:lstStyle/>
+          <a:p>
             <a:r>
-              <a:rPr lang="es-VE" dirty="0" err="1">
+              <a:rPr lang="es-VE" b="1" dirty="0">
+                <a:solidFill>
+                  <a:srgbClr val="2B2B2B"/>
+                </a:solidFill>
                 <a:latin typeface="Raleway" panose="020B0604020202020204" charset="0"/>
               </a:rPr>
-              <a:t>Sddsds</a:t>
+              <a:t>sum – Función o Método</a:t>
             </a:r>
-            <a:endParaRPr lang="es-VE" dirty="0">
-              <a:latin typeface="Raleway" panose="020B0604020202020204" charset="0"/>
-            </a:endParaRPr>
-          </a:p>
-          <a:p>
-            <a:pPr marL="342900" indent="-342900">
-              <a:buFont typeface="+mj-lt"/>
-              <a:buAutoNum type="arabicPeriod"/>
-            </a:pPr>
-            <a:r>
-              <a:rPr lang="es-VE" dirty="0" err="1">
-                <a:latin typeface="Raleway" panose="020B0604020202020204" charset="0"/>
-              </a:rPr>
-              <a:t>Dssdds</a:t>
-            </a:r>
-            <a:endParaRPr lang="es-VE" dirty="0">
-              <a:latin typeface="Raleway" panose="020B0604020202020204" charset="0"/>
-            </a:endParaRPr>
-          </a:p>
-          <a:p>
-            <a:pPr marL="342900" indent="-342900">
-              <a:buFont typeface="+mj-lt"/>
-              <a:buAutoNum type="arabicPeriod"/>
-            </a:pPr>
-            <a:r>
-              <a:rPr lang="es-VE" dirty="0" err="1">
-                <a:latin typeface="Raleway" panose="020B0604020202020204" charset="0"/>
-              </a:rPr>
-              <a:t>Sdsddsds</a:t>
-            </a:r>
-            <a:endParaRPr lang="es-VE" dirty="0">
-              <a:latin typeface="Raleway" panose="020B0604020202020204" charset="0"/>
-            </a:endParaRPr>
-          </a:p>
-          <a:p>
-            <a:pPr marL="342900" indent="-342900">
-              <a:buFont typeface="+mj-lt"/>
-              <a:buAutoNum type="arabicPeriod"/>
-            </a:pPr>
-            <a:r>
-              <a:rPr lang="es-VE" dirty="0" err="1">
-                <a:latin typeface="Raleway" panose="020B0604020202020204" charset="0"/>
-              </a:rPr>
-              <a:t>dsdsdsds</a:t>
-            </a:r>
-            <a:endParaRPr lang="en-US" dirty="0">
+            <a:endParaRPr lang="en-US" b="1" dirty="0">
+              <a:solidFill>
+                <a:srgbClr val="2B2B2B"/>
+              </a:solidFill>
               <a:latin typeface="Raleway" panose="020B0604020202020204" charset="0"/>
             </a:endParaRPr>
           </a:p>
@@ -14366,7 +15518,7 @@
     </p:spTree>
     <p:extLst>
       <p:ext uri="{BB962C8B-B14F-4D97-AF65-F5344CB8AC3E}">
-        <p14:creationId xmlns:p14="http://schemas.microsoft.com/office/powerpoint/2010/main" val="3236987893"/>
+        <p14:creationId xmlns:p14="http://schemas.microsoft.com/office/powerpoint/2010/main" val="80761881"/>
       </p:ext>
     </p:extLst>
   </p:cSld>
@@ -14500,15 +15652,11 @@
           </a:bodyPr>
           <a:lstStyle/>
           <a:p>
-            <a:pPr marL="0" marR="0" lvl="0" indent="0" algn="l" rtl="0">
-              <a:spcBef>
-                <a:spcPts val="0"/>
-              </a:spcBef>
+            <a:pPr>
               <a:buSzPct val="25000"/>
-              <a:buNone/>
             </a:pPr>
             <a:r>
-              <a:rPr lang="es-GT" sz="3600" b="0" i="0" u="none" strike="noStrike" cap="none" dirty="0">
+              <a:rPr lang="es-GT" sz="3600" dirty="0">
                 <a:solidFill>
                   <a:srgbClr val="F7B600"/>
                 </a:solidFill>
@@ -14584,8 +15732,8 @@
         </p:nvSpPr>
         <p:spPr>
           <a:xfrm flipH="1">
-            <a:off x="0" y="5753658"/>
-            <a:ext cx="9144000" cy="307777"/>
+            <a:off x="127258" y="4938943"/>
+            <a:ext cx="8909904" cy="307777"/>
           </a:xfrm>
           <a:prstGeom prst="rect">
             <a:avLst/>
@@ -14607,7 +15755,7 @@
                 </a:solidFill>
                 <a:latin typeface="Raleway" panose="020B0604020202020204" charset="0"/>
               </a:rPr>
-              <a:t>Comandos:</a:t>
+              <a:t>Comandos en diferentes tecnologías:</a:t>
             </a:r>
           </a:p>
         </p:txBody>
@@ -14668,8 +15816,8 @@
         </p:nvSpPr>
         <p:spPr>
           <a:xfrm>
-            <a:off x="9427" y="6061435"/>
-            <a:ext cx="9134573" cy="796565"/>
+            <a:off x="131780" y="5246721"/>
+            <a:ext cx="8891244" cy="1531152"/>
           </a:xfrm>
           <a:prstGeom prst="rect">
             <a:avLst/>
@@ -14721,7 +15869,7 @@
         <p:spPr>
           <a:xfrm>
             <a:off x="146451" y="2003808"/>
-            <a:ext cx="3739143" cy="3492372"/>
+            <a:ext cx="3739143" cy="2794435"/>
           </a:xfrm>
           <a:prstGeom prst="rect">
             <a:avLst/>
@@ -14773,7 +15921,7 @@
         <p:spPr>
           <a:xfrm>
             <a:off x="4111660" y="2003808"/>
-            <a:ext cx="4911363" cy="3492372"/>
+            <a:ext cx="4911363" cy="2832143"/>
           </a:xfrm>
           <a:prstGeom prst="rect">
             <a:avLst/>
@@ -14812,46 +15960,6 @@
       </p:sp>
       <p:sp>
         <p:nvSpPr>
-          <p:cNvPr id="5" name="TextBox 4">
-            <a:extLst>
-              <a:ext uri="{FF2B5EF4-FFF2-40B4-BE49-F238E27FC236}">
-                <a16:creationId xmlns:a16="http://schemas.microsoft.com/office/drawing/2014/main" id="{2CE93F73-A7A8-4258-B4DD-B5F33AB5F72A}"/>
-              </a:ext>
-            </a:extLst>
-          </p:cNvPr>
-          <p:cNvSpPr txBox="1"/>
-          <p:nvPr/>
-        </p:nvSpPr>
-        <p:spPr>
-          <a:xfrm>
-            <a:off x="917691" y="6269213"/>
-            <a:ext cx="1775011" cy="307777"/>
-          </a:xfrm>
-          <a:prstGeom prst="rect">
-            <a:avLst/>
-          </a:prstGeom>
-          <a:noFill/>
-        </p:spPr>
-        <p:txBody>
-          <a:bodyPr wrap="square" rtlCol="0">
-            <a:spAutoFit/>
-          </a:bodyPr>
-          <a:lstStyle/>
-          <a:p>
-            <a:r>
-              <a:rPr lang="es-VE" dirty="0">
-                <a:latin typeface="Raleway" panose="020B0604020202020204" charset="0"/>
-              </a:rPr>
-              <a:t>MIN()</a:t>
-            </a:r>
-            <a:endParaRPr lang="en-US" dirty="0">
-              <a:latin typeface="Raleway" panose="020B0604020202020204" charset="0"/>
-            </a:endParaRPr>
-          </a:p>
-        </p:txBody>
-      </p:sp>
-      <p:sp>
-        <p:nvSpPr>
           <p:cNvPr id="13" name="TextBox 12">
             <a:extLst>
               <a:ext uri="{FF2B5EF4-FFF2-40B4-BE49-F238E27FC236}">
@@ -14864,7 +15972,7 @@
         </p:nvSpPr>
         <p:spPr>
           <a:xfrm>
-            <a:off x="229439" y="4397399"/>
+            <a:off x="238088" y="3508766"/>
             <a:ext cx="3851785" cy="523220"/>
           </a:xfrm>
           <a:prstGeom prst="rect">
@@ -14879,7 +15987,7 @@
           <a:lstStyle/>
           <a:p>
             <a:r>
-              <a:rPr lang="es-VE" dirty="0">
+              <a:rPr lang="es-VE" b="1" dirty="0">
                 <a:latin typeface="Raleway" panose="020B0604020202020204" charset="0"/>
               </a:rPr>
               <a:t>En la práctica se usa para:</a:t>
@@ -14887,16 +15995,10 @@
           </a:p>
           <a:p>
             <a:r>
-              <a:rPr lang="es-VE" dirty="0" err="1">
-                <a:latin typeface="Raleway" panose="020B0604020202020204" charset="0"/>
-              </a:rPr>
-              <a:t>xxxx</a:t>
-            </a:r>
-            <a:r>
               <a:rPr lang="es-VE" dirty="0">
                 <a:latin typeface="Raleway" panose="020B0604020202020204" charset="0"/>
               </a:rPr>
-              <a:t> </a:t>
+              <a:t>Saber cuantos elementos hay</a:t>
             </a:r>
             <a:endParaRPr lang="en-US" dirty="0">
               <a:latin typeface="Raleway" panose="020B0604020202020204" charset="0"/>
@@ -14918,7 +16020,7 @@
         </p:nvSpPr>
         <p:spPr>
           <a:xfrm>
-            <a:off x="216301" y="5061156"/>
+            <a:off x="259875" y="4323820"/>
             <a:ext cx="3851785" cy="307777"/>
           </a:xfrm>
           <a:prstGeom prst="rect">
@@ -14959,7 +16061,7 @@
         <p:spPr>
           <a:xfrm>
             <a:off x="372517" y="2188335"/>
-            <a:ext cx="3851785" cy="307777"/>
+            <a:ext cx="3365211" cy="523220"/>
           </a:xfrm>
           <a:prstGeom prst="rect">
             <a:avLst/>
@@ -14973,10 +16075,10 @@
           <a:lstStyle/>
           <a:p>
             <a:r>
-              <a:rPr lang="es-VE" dirty="0">
+              <a:rPr lang="es-ES" dirty="0">
                 <a:latin typeface="Raleway" panose="020B0604020202020204" charset="0"/>
               </a:rPr>
-              <a:t>XLSLM KKNSKM ;M</a:t>
+              <a:t>Representa la cantidad de elementos con información en una serie de datos. </a:t>
             </a:r>
             <a:endParaRPr lang="en-US" dirty="0">
               <a:latin typeface="Raleway" panose="020B0604020202020204" charset="0"/>
@@ -14998,7 +16100,7 @@
         </p:nvCxnSpPr>
         <p:spPr>
           <a:xfrm>
-            <a:off x="159295" y="4363172"/>
+            <a:off x="177025" y="3378071"/>
             <a:ext cx="3708569" cy="0"/>
           </a:xfrm>
           <a:prstGeom prst="line">
@@ -15040,7 +16142,7 @@
         </p:nvCxnSpPr>
         <p:spPr>
           <a:xfrm>
-            <a:off x="150327" y="4999672"/>
+            <a:off x="177024" y="4193680"/>
             <a:ext cx="3708569" cy="0"/>
           </a:xfrm>
           <a:prstGeom prst="line">
@@ -15083,7 +16185,7 @@
         <p:spPr>
           <a:xfrm>
             <a:off x="4359062" y="2131144"/>
-            <a:ext cx="4447539" cy="2246769"/>
+            <a:ext cx="4447539" cy="1169551"/>
           </a:xfrm>
           <a:prstGeom prst="rect">
             <a:avLst/>
@@ -15104,7 +16206,7 @@
               <a:rPr lang="es-VE" dirty="0">
                 <a:latin typeface="Raleway" panose="020B0604020202020204" charset="0"/>
               </a:rPr>
-              <a:t>En la práctica se usa para:</a:t>
+              <a:t>Contar cuantas veces se repite cada valor. Esto definirá la frecuencia del valor. </a:t>
             </a:r>
           </a:p>
           <a:p>
@@ -15113,16 +16215,10 @@
               <a:buAutoNum type="arabicPeriod"/>
             </a:pPr>
             <a:r>
-              <a:rPr lang="es-VE" dirty="0" err="1">
-                <a:latin typeface="Raleway" panose="020B0604020202020204" charset="0"/>
-              </a:rPr>
-              <a:t>xxxx</a:t>
-            </a:r>
-            <a:r>
               <a:rPr lang="es-VE" dirty="0">
                 <a:latin typeface="Raleway" panose="020B0604020202020204" charset="0"/>
               </a:rPr>
-              <a:t> </a:t>
+              <a:t>Sumar todas las frecuencias. </a:t>
             </a:r>
           </a:p>
           <a:p>
@@ -15131,117 +16227,500 @@
               <a:buAutoNum type="arabicPeriod"/>
             </a:pPr>
             <a:r>
-              <a:rPr lang="es-VE" dirty="0" err="1">
+              <a:rPr lang="es-VE" dirty="0">
                 <a:latin typeface="Raleway" panose="020B0604020202020204" charset="0"/>
               </a:rPr>
-              <a:t>Fdddf</a:t>
+              <a:t>Contar todos los elementos cuya suma sea más de 0</a:t>
             </a:r>
-            <a:endParaRPr lang="es-VE" dirty="0">
+          </a:p>
+        </p:txBody>
+      </p:sp>
+      <p:pic>
+        <p:nvPicPr>
+          <p:cNvPr id="9" name="Picture 8" descr="A close up of a logo&#10;&#10;Description generated with high confidence">
+            <a:extLst>
+              <a:ext uri="{FF2B5EF4-FFF2-40B4-BE49-F238E27FC236}">
+                <a16:creationId xmlns:a16="http://schemas.microsoft.com/office/drawing/2014/main" id="{D76E1C09-9D33-45B9-A42D-E38DF5BFC8E1}"/>
+              </a:ext>
+            </a:extLst>
+          </p:cNvPr>
+          <p:cNvPicPr>
+            <a:picLocks noChangeAspect="1"/>
+          </p:cNvPicPr>
+          <p:nvPr/>
+        </p:nvPicPr>
+        <p:blipFill>
+          <a:blip r:embed="rId4"/>
+          <a:stretch>
+            <a:fillRect/>
+          </a:stretch>
+        </p:blipFill>
+        <p:spPr>
+          <a:xfrm>
+            <a:off x="1906369" y="4368596"/>
+            <a:ext cx="1000142" cy="205637"/>
+          </a:xfrm>
+          <a:prstGeom prst="rect">
+            <a:avLst/>
+          </a:prstGeom>
+        </p:spPr>
+      </p:pic>
+      <p:pic>
+        <p:nvPicPr>
+          <p:cNvPr id="16" name="Picture 15" descr="A close up of a sign&#10;&#10;Description generated with high confidence">
+            <a:extLst>
+              <a:ext uri="{FF2B5EF4-FFF2-40B4-BE49-F238E27FC236}">
+                <a16:creationId xmlns:a16="http://schemas.microsoft.com/office/drawing/2014/main" id="{40EDB379-786D-43FC-A6A9-613CB9504700}"/>
+              </a:ext>
+            </a:extLst>
+          </p:cNvPr>
+          <p:cNvPicPr>
+            <a:picLocks noChangeAspect="1"/>
+          </p:cNvPicPr>
+          <p:nvPr/>
+        </p:nvPicPr>
+        <p:blipFill>
+          <a:blip r:embed="rId5"/>
+          <a:stretch>
+            <a:fillRect/>
+          </a:stretch>
+        </p:blipFill>
+        <p:spPr>
+          <a:xfrm>
+            <a:off x="342500" y="5404749"/>
+            <a:ext cx="612741" cy="612741"/>
+          </a:xfrm>
+          <a:prstGeom prst="rect">
+            <a:avLst/>
+          </a:prstGeom>
+        </p:spPr>
+      </p:pic>
+      <p:pic>
+        <p:nvPicPr>
+          <p:cNvPr id="18" name="Picture 17" descr="A close up of a sign&#10;&#10;Description generated with very high confidence">
+            <a:extLst>
+              <a:ext uri="{FF2B5EF4-FFF2-40B4-BE49-F238E27FC236}">
+                <a16:creationId xmlns:a16="http://schemas.microsoft.com/office/drawing/2014/main" id="{F68448EE-6FDB-4F8D-880B-0F7C23724EA9}"/>
+              </a:ext>
+            </a:extLst>
+          </p:cNvPr>
+          <p:cNvPicPr>
+            <a:picLocks noChangeAspect="1"/>
+          </p:cNvPicPr>
+          <p:nvPr/>
+        </p:nvPicPr>
+        <p:blipFill>
+          <a:blip r:embed="rId6"/>
+          <a:stretch>
+            <a:fillRect/>
+          </a:stretch>
+        </p:blipFill>
+        <p:spPr>
+          <a:xfrm>
+            <a:off x="4570232" y="6276471"/>
+            <a:ext cx="438478" cy="438478"/>
+          </a:xfrm>
+          <a:prstGeom prst="rect">
+            <a:avLst/>
+          </a:prstGeom>
+        </p:spPr>
+      </p:pic>
+      <p:pic>
+        <p:nvPicPr>
+          <p:cNvPr id="22" name="Picture 21">
+            <a:extLst>
+              <a:ext uri="{FF2B5EF4-FFF2-40B4-BE49-F238E27FC236}">
+                <a16:creationId xmlns:a16="http://schemas.microsoft.com/office/drawing/2014/main" id="{939AE214-C454-4CA4-8E97-93D86FDA17D5}"/>
+              </a:ext>
+            </a:extLst>
+          </p:cNvPr>
+          <p:cNvPicPr>
+            <a:picLocks noChangeAspect="1"/>
+          </p:cNvPicPr>
+          <p:nvPr/>
+        </p:nvPicPr>
+        <p:blipFill>
+          <a:blip r:embed="rId7"/>
+          <a:stretch>
+            <a:fillRect/>
+          </a:stretch>
+        </p:blipFill>
+        <p:spPr>
+          <a:xfrm>
+            <a:off x="1286601" y="6178325"/>
+            <a:ext cx="693394" cy="468041"/>
+          </a:xfrm>
+          <a:prstGeom prst="rect">
+            <a:avLst/>
+          </a:prstGeom>
+        </p:spPr>
+      </p:pic>
+      <p:pic>
+        <p:nvPicPr>
+          <p:cNvPr id="24" name="Picture 23">
+            <a:extLst>
+              <a:ext uri="{FF2B5EF4-FFF2-40B4-BE49-F238E27FC236}">
+                <a16:creationId xmlns:a16="http://schemas.microsoft.com/office/drawing/2014/main" id="{EB951EBB-32B0-4EF8-A01E-218887E29A1C}"/>
+              </a:ext>
+            </a:extLst>
+          </p:cNvPr>
+          <p:cNvPicPr>
+            <a:picLocks noChangeAspect="1"/>
+          </p:cNvPicPr>
+          <p:nvPr/>
+        </p:nvPicPr>
+        <p:blipFill>
+          <a:blip r:embed="rId8"/>
+          <a:stretch>
+            <a:fillRect/>
+          </a:stretch>
+        </p:blipFill>
+        <p:spPr>
+          <a:xfrm>
+            <a:off x="2812504" y="5358291"/>
+            <a:ext cx="721916" cy="721916"/>
+          </a:xfrm>
+          <a:prstGeom prst="rect">
+            <a:avLst/>
+          </a:prstGeom>
+        </p:spPr>
+      </p:pic>
+      <p:pic>
+        <p:nvPicPr>
+          <p:cNvPr id="26" name="Picture 25">
+            <a:extLst>
+              <a:ext uri="{FF2B5EF4-FFF2-40B4-BE49-F238E27FC236}">
+                <a16:creationId xmlns:a16="http://schemas.microsoft.com/office/drawing/2014/main" id="{C3607B00-44CB-47AE-A403-16894437277A}"/>
+              </a:ext>
+            </a:extLst>
+          </p:cNvPr>
+          <p:cNvPicPr>
+            <a:picLocks noChangeAspect="1"/>
+          </p:cNvPicPr>
+          <p:nvPr/>
+        </p:nvPicPr>
+        <p:blipFill>
+          <a:blip r:embed="rId9"/>
+          <a:stretch>
+            <a:fillRect/>
+          </a:stretch>
+        </p:blipFill>
+        <p:spPr>
+          <a:xfrm>
+            <a:off x="5574991" y="5585136"/>
+            <a:ext cx="1603015" cy="336274"/>
+          </a:xfrm>
+          <a:prstGeom prst="rect">
+            <a:avLst/>
+          </a:prstGeom>
+        </p:spPr>
+      </p:pic>
+      <p:sp>
+        <p:nvSpPr>
+          <p:cNvPr id="32" name="TextBox 31">
+            <a:extLst>
+              <a:ext uri="{FF2B5EF4-FFF2-40B4-BE49-F238E27FC236}">
+                <a16:creationId xmlns:a16="http://schemas.microsoft.com/office/drawing/2014/main" id="{57FACAED-A4E7-475B-AA16-29F94B38858A}"/>
+              </a:ext>
+            </a:extLst>
+          </p:cNvPr>
+          <p:cNvSpPr txBox="1"/>
+          <p:nvPr/>
+        </p:nvSpPr>
+        <p:spPr>
+          <a:xfrm>
+            <a:off x="5301343" y="6338589"/>
+            <a:ext cx="1775011" cy="307777"/>
+          </a:xfrm>
+          <a:prstGeom prst="rect">
+            <a:avLst/>
+          </a:prstGeom>
+          <a:noFill/>
+        </p:spPr>
+        <p:txBody>
+          <a:bodyPr wrap="square" rtlCol="0">
+            <a:spAutoFit/>
+          </a:bodyPr>
+          <a:lstStyle/>
+          <a:p>
+            <a:r>
+              <a:rPr lang="es-VE" b="1" dirty="0">
+                <a:solidFill>
+                  <a:srgbClr val="2B2B2B"/>
+                </a:solidFill>
+                <a:latin typeface="Raleway" panose="020B0604020202020204" charset="0"/>
+              </a:rPr>
+              <a:t>CONTAR - Función</a:t>
+            </a:r>
+            <a:endParaRPr lang="en-US" b="1" dirty="0">
+              <a:solidFill>
+                <a:srgbClr val="2B2B2B"/>
+              </a:solidFill>
               <a:latin typeface="Raleway" panose="020B0604020202020204" charset="0"/>
             </a:endParaRPr>
           </a:p>
-          <a:p>
-            <a:pPr marL="342900" indent="-342900">
-              <a:buFont typeface="+mj-lt"/>
-              <a:buAutoNum type="arabicPeriod"/>
-            </a:pPr>
+        </p:txBody>
+      </p:sp>
+      <p:sp>
+        <p:nvSpPr>
+          <p:cNvPr id="35" name="TextBox 34">
+            <a:extLst>
+              <a:ext uri="{FF2B5EF4-FFF2-40B4-BE49-F238E27FC236}">
+                <a16:creationId xmlns:a16="http://schemas.microsoft.com/office/drawing/2014/main" id="{9210DF7C-FDFB-4568-9209-2B1D0C51CA27}"/>
+              </a:ext>
+            </a:extLst>
+          </p:cNvPr>
+          <p:cNvSpPr txBox="1"/>
+          <p:nvPr/>
+        </p:nvSpPr>
+        <p:spPr>
+          <a:xfrm>
+            <a:off x="7178006" y="5585136"/>
+            <a:ext cx="1940509" cy="307777"/>
+          </a:xfrm>
+          <a:prstGeom prst="rect">
+            <a:avLst/>
+          </a:prstGeom>
+          <a:noFill/>
+        </p:spPr>
+        <p:txBody>
+          <a:bodyPr wrap="square" rtlCol="0">
+            <a:spAutoFit/>
+          </a:bodyPr>
+          <a:lstStyle/>
+          <a:p>
             <a:r>
-              <a:rPr lang="es-VE" dirty="0" err="1">
+              <a:rPr lang="es-VE" b="1" dirty="0" err="1">
+                <a:solidFill>
+                  <a:srgbClr val="2B2B2B"/>
+                </a:solidFill>
                 <a:latin typeface="Raleway" panose="020B0604020202020204" charset="0"/>
               </a:rPr>
-              <a:t>Fdfd</a:t>
+              <a:t>Count</a:t>
             </a:r>
-            <a:endParaRPr lang="es-VE" dirty="0">
+            <a:r>
+              <a:rPr lang="es-VE" b="1" dirty="0">
+                <a:solidFill>
+                  <a:srgbClr val="2B2B2B"/>
+                </a:solidFill>
+                <a:latin typeface="Raleway" panose="020B0604020202020204" charset="0"/>
+              </a:rPr>
+              <a:t> - Función</a:t>
+            </a:r>
+            <a:endParaRPr lang="en-US" b="1" dirty="0">
+              <a:solidFill>
+                <a:srgbClr val="2B2B2B"/>
+              </a:solidFill>
               <a:latin typeface="Raleway" panose="020B0604020202020204" charset="0"/>
             </a:endParaRPr>
           </a:p>
-          <a:p>
-            <a:pPr marL="342900" indent="-342900">
-              <a:buFont typeface="+mj-lt"/>
-              <a:buAutoNum type="arabicPeriod"/>
-            </a:pPr>
+        </p:txBody>
+      </p:sp>
+      <p:sp>
+        <p:nvSpPr>
+          <p:cNvPr id="36" name="TextBox 35">
+            <a:extLst>
+              <a:ext uri="{FF2B5EF4-FFF2-40B4-BE49-F238E27FC236}">
+                <a16:creationId xmlns:a16="http://schemas.microsoft.com/office/drawing/2014/main" id="{8B7426EE-74E9-44BE-B45C-BC27D7CCCB5E}"/>
+              </a:ext>
+            </a:extLst>
+          </p:cNvPr>
+          <p:cNvSpPr txBox="1"/>
+          <p:nvPr/>
+        </p:nvSpPr>
+        <p:spPr>
+          <a:xfrm>
+            <a:off x="3559997" y="5400465"/>
+            <a:ext cx="2063092" cy="738664"/>
+          </a:xfrm>
+          <a:prstGeom prst="rect">
+            <a:avLst/>
+          </a:prstGeom>
+          <a:noFill/>
+        </p:spPr>
+        <p:txBody>
+          <a:bodyPr wrap="square" rtlCol="0">
+            <a:spAutoFit/>
+          </a:bodyPr>
+          <a:lstStyle/>
+          <a:p>
             <a:r>
-              <a:rPr lang="es-VE" dirty="0" err="1">
+              <a:rPr lang="es-VE" b="1" dirty="0">
+                <a:solidFill>
+                  <a:srgbClr val="2B2B2B"/>
+                </a:solidFill>
                 <a:latin typeface="Raleway" panose="020B0604020202020204" charset="0"/>
               </a:rPr>
-              <a:t>Fdfd</a:t>
+              <a:t>Dependiendo de la estructura:  </a:t>
             </a:r>
-            <a:endParaRPr lang="es-VE" dirty="0">
+            <a:r>
+              <a:rPr lang="es-VE" b="1" dirty="0" err="1">
+                <a:solidFill>
+                  <a:srgbClr val="2B2B2B"/>
+                </a:solidFill>
+                <a:latin typeface="Raleway" panose="020B0604020202020204" charset="0"/>
+              </a:rPr>
+              <a:t>length</a:t>
+            </a:r>
+            <a:r>
+              <a:rPr lang="es-VE" b="1" dirty="0">
+                <a:solidFill>
+                  <a:srgbClr val="2B2B2B"/>
+                </a:solidFill>
+                <a:latin typeface="Raleway" panose="020B0604020202020204" charset="0"/>
+              </a:rPr>
+              <a:t>, </a:t>
+            </a:r>
+            <a:r>
+              <a:rPr lang="es-VE" b="1" dirty="0" err="1">
+                <a:solidFill>
+                  <a:srgbClr val="2B2B2B"/>
+                </a:solidFill>
+                <a:latin typeface="Raleway" panose="020B0604020202020204" charset="0"/>
+              </a:rPr>
+              <a:t>nrow</a:t>
+            </a:r>
+            <a:r>
+              <a:rPr lang="es-VE" b="1" dirty="0">
+                <a:solidFill>
+                  <a:srgbClr val="2B2B2B"/>
+                </a:solidFill>
+                <a:latin typeface="Raleway" panose="020B0604020202020204" charset="0"/>
+              </a:rPr>
+              <a:t> o </a:t>
+            </a:r>
+            <a:r>
+              <a:rPr lang="es-VE" b="1" dirty="0" err="1">
+                <a:solidFill>
+                  <a:srgbClr val="2B2B2B"/>
+                </a:solidFill>
+                <a:latin typeface="Raleway" panose="020B0604020202020204" charset="0"/>
+              </a:rPr>
+              <a:t>ncol</a:t>
+            </a:r>
+            <a:r>
+              <a:rPr lang="es-VE" b="1" dirty="0">
+                <a:solidFill>
+                  <a:srgbClr val="2B2B2B"/>
+                </a:solidFill>
+                <a:latin typeface="Raleway" panose="020B0604020202020204" charset="0"/>
+              </a:rPr>
+              <a:t> - Función</a:t>
+            </a:r>
+            <a:endParaRPr lang="en-US" b="1" dirty="0">
+              <a:solidFill>
+                <a:srgbClr val="2B2B2B"/>
+              </a:solidFill>
               <a:latin typeface="Raleway" panose="020B0604020202020204" charset="0"/>
             </a:endParaRPr>
           </a:p>
-          <a:p>
-            <a:pPr marL="342900" indent="-342900">
-              <a:buFont typeface="+mj-lt"/>
-              <a:buAutoNum type="arabicPeriod"/>
-            </a:pPr>
+        </p:txBody>
+      </p:sp>
+      <p:sp>
+        <p:nvSpPr>
+          <p:cNvPr id="37" name="TextBox 36">
+            <a:extLst>
+              <a:ext uri="{FF2B5EF4-FFF2-40B4-BE49-F238E27FC236}">
+                <a16:creationId xmlns:a16="http://schemas.microsoft.com/office/drawing/2014/main" id="{05601036-CCE2-4FE8-B779-5A7C478A23CB}"/>
+              </a:ext>
+            </a:extLst>
+          </p:cNvPr>
+          <p:cNvSpPr txBox="1"/>
+          <p:nvPr/>
+        </p:nvSpPr>
+        <p:spPr>
+          <a:xfrm>
+            <a:off x="2101493" y="6279770"/>
+            <a:ext cx="2527068" cy="307777"/>
+          </a:xfrm>
+          <a:prstGeom prst="rect">
+            <a:avLst/>
+          </a:prstGeom>
+          <a:noFill/>
+        </p:spPr>
+        <p:txBody>
+          <a:bodyPr wrap="square" rtlCol="0">
+            <a:spAutoFit/>
+          </a:bodyPr>
+          <a:lstStyle/>
+          <a:p>
             <a:r>
-              <a:rPr lang="es-VE" dirty="0" err="1">
+              <a:rPr lang="es-VE" b="1" dirty="0" err="1">
+                <a:solidFill>
+                  <a:srgbClr val="2B2B2B"/>
+                </a:solidFill>
                 <a:latin typeface="Raleway" panose="020B0604020202020204" charset="0"/>
               </a:rPr>
-              <a:t>Dfdffd</a:t>
+              <a:t>count</a:t>
             </a:r>
-            <a:endParaRPr lang="es-VE" dirty="0">
+            <a:r>
+              <a:rPr lang="es-VE" b="1" dirty="0">
+                <a:solidFill>
+                  <a:srgbClr val="2B2B2B"/>
+                </a:solidFill>
+                <a:latin typeface="Raleway" panose="020B0604020202020204" charset="0"/>
+              </a:rPr>
+              <a:t> –Método</a:t>
+            </a:r>
+            <a:endParaRPr lang="en-US" b="1" dirty="0">
+              <a:solidFill>
+                <a:srgbClr val="2B2B2B"/>
+              </a:solidFill>
               <a:latin typeface="Raleway" panose="020B0604020202020204" charset="0"/>
             </a:endParaRPr>
           </a:p>
-          <a:p>
-            <a:pPr marL="342900" indent="-342900">
-              <a:buFont typeface="+mj-lt"/>
-              <a:buAutoNum type="arabicPeriod"/>
-            </a:pPr>
+        </p:txBody>
+      </p:sp>
+      <p:sp>
+        <p:nvSpPr>
+          <p:cNvPr id="29" name="TextBox 28">
+            <a:extLst>
+              <a:ext uri="{FF2B5EF4-FFF2-40B4-BE49-F238E27FC236}">
+                <a16:creationId xmlns:a16="http://schemas.microsoft.com/office/drawing/2014/main" id="{3DB4262C-D307-4B09-A0CA-D2912D5597F9}"/>
+              </a:ext>
+            </a:extLst>
+          </p:cNvPr>
+          <p:cNvSpPr txBox="1"/>
+          <p:nvPr/>
+        </p:nvSpPr>
+        <p:spPr>
+          <a:xfrm>
+            <a:off x="955241" y="5492288"/>
+            <a:ext cx="1973785" cy="276999"/>
+          </a:xfrm>
+          <a:prstGeom prst="rect">
+            <a:avLst/>
+          </a:prstGeom>
+          <a:noFill/>
+        </p:spPr>
+        <p:txBody>
+          <a:bodyPr wrap="square" rtlCol="0">
+            <a:spAutoFit/>
+          </a:bodyPr>
+          <a:lstStyle/>
+          <a:p>
             <a:r>
-              <a:rPr lang="es-VE" dirty="0" err="1">
+              <a:rPr lang="es-VE" sz="1200" b="1" dirty="0" err="1">
+                <a:solidFill>
+                  <a:srgbClr val="2B2B2B"/>
+                </a:solidFill>
                 <a:latin typeface="Raleway" panose="020B0604020202020204" charset="0"/>
               </a:rPr>
-              <a:t>Sddsds</a:t>
+              <a:t>length</a:t>
             </a:r>
-            <a:endParaRPr lang="es-VE" dirty="0">
-              <a:latin typeface="Raleway" panose="020B0604020202020204" charset="0"/>
-            </a:endParaRPr>
-          </a:p>
-          <a:p>
-            <a:pPr marL="342900" indent="-342900">
-              <a:buFont typeface="+mj-lt"/>
-              <a:buAutoNum type="arabicPeriod"/>
-            </a:pPr>
             <a:r>
-              <a:rPr lang="es-VE" dirty="0" err="1">
+              <a:rPr lang="es-VE" sz="1200" b="1" dirty="0">
+                <a:solidFill>
+                  <a:srgbClr val="2B2B2B"/>
+                </a:solidFill>
                 <a:latin typeface="Raleway" panose="020B0604020202020204" charset="0"/>
               </a:rPr>
-              <a:t>Dssdds</a:t>
+              <a:t> - Método</a:t>
             </a:r>
-            <a:endParaRPr lang="es-VE" dirty="0">
-              <a:latin typeface="Raleway" panose="020B0604020202020204" charset="0"/>
-            </a:endParaRPr>
-          </a:p>
-          <a:p>
-            <a:pPr marL="342900" indent="-342900">
-              <a:buFont typeface="+mj-lt"/>
-              <a:buAutoNum type="arabicPeriod"/>
-            </a:pPr>
-            <a:r>
-              <a:rPr lang="es-VE" dirty="0" err="1">
-                <a:latin typeface="Raleway" panose="020B0604020202020204" charset="0"/>
-              </a:rPr>
-              <a:t>Sdsddsds</a:t>
-            </a:r>
-            <a:endParaRPr lang="es-VE" dirty="0">
-              <a:latin typeface="Raleway" panose="020B0604020202020204" charset="0"/>
-            </a:endParaRPr>
-          </a:p>
-          <a:p>
-            <a:pPr marL="342900" indent="-342900">
-              <a:buFont typeface="+mj-lt"/>
-              <a:buAutoNum type="arabicPeriod"/>
-            </a:pPr>
-            <a:r>
-              <a:rPr lang="es-VE" dirty="0" err="1">
-                <a:latin typeface="Raleway" panose="020B0604020202020204" charset="0"/>
-              </a:rPr>
-              <a:t>dsdsdsds</a:t>
-            </a:r>
-            <a:endParaRPr lang="en-US" dirty="0">
+            <a:endParaRPr lang="en-US" sz="1200" b="1" dirty="0">
+              <a:solidFill>
+                <a:srgbClr val="2B2B2B"/>
+              </a:solidFill>
               <a:latin typeface="Raleway" panose="020B0604020202020204" charset="0"/>
             </a:endParaRPr>
           </a:p>
@@ -15250,7 +16729,7 @@
     </p:spTree>
     <p:extLst>
       <p:ext uri="{BB962C8B-B14F-4D97-AF65-F5344CB8AC3E}">
-        <p14:creationId xmlns:p14="http://schemas.microsoft.com/office/powerpoint/2010/main" val="3704077012"/>
+        <p14:creationId xmlns:p14="http://schemas.microsoft.com/office/powerpoint/2010/main" val="2259009124"/>
       </p:ext>
     </p:extLst>
   </p:cSld>
@@ -15367,8 +16846,8 @@
         </p:nvSpPr>
         <p:spPr>
           <a:xfrm>
-            <a:off x="2380268" y="674175"/>
-            <a:ext cx="4242062" cy="646200"/>
+            <a:off x="2413261" y="674175"/>
+            <a:ext cx="4279769" cy="646200"/>
           </a:xfrm>
           <a:prstGeom prst="rect">
             <a:avLst/>
@@ -15384,15 +16863,11 @@
           </a:bodyPr>
           <a:lstStyle/>
           <a:p>
-            <a:pPr marL="0" marR="0" lvl="0" indent="0" algn="l" rtl="0">
-              <a:spcBef>
-                <a:spcPts val="0"/>
-              </a:spcBef>
+            <a:pPr>
               <a:buSzPct val="25000"/>
-              <a:buNone/>
             </a:pPr>
             <a:r>
-              <a:rPr lang="es-GT" sz="3600" b="0" i="0" u="none" strike="noStrike" cap="none" dirty="0">
+              <a:rPr lang="es-GT" sz="3600" dirty="0">
                 <a:solidFill>
                   <a:srgbClr val="F7B600"/>
                 </a:solidFill>
@@ -15468,8 +16943,8 @@
         </p:nvSpPr>
         <p:spPr>
           <a:xfrm flipH="1">
-            <a:off x="0" y="5753658"/>
-            <a:ext cx="9144000" cy="307777"/>
+            <a:off x="127258" y="4938943"/>
+            <a:ext cx="8909904" cy="307777"/>
           </a:xfrm>
           <a:prstGeom prst="rect">
             <a:avLst/>
@@ -15491,7 +16966,7 @@
                 </a:solidFill>
                 <a:latin typeface="Raleway" panose="020B0604020202020204" charset="0"/>
               </a:rPr>
-              <a:t>Comandos:</a:t>
+              <a:t>Comandos en diferentes tecnologías:</a:t>
             </a:r>
           </a:p>
         </p:txBody>
@@ -15552,8 +17027,8 @@
         </p:nvSpPr>
         <p:spPr>
           <a:xfrm>
-            <a:off x="9427" y="6061435"/>
-            <a:ext cx="9134573" cy="796565"/>
+            <a:off x="131780" y="5246721"/>
+            <a:ext cx="8891244" cy="1531152"/>
           </a:xfrm>
           <a:prstGeom prst="rect">
             <a:avLst/>
@@ -15605,7 +17080,7 @@
         <p:spPr>
           <a:xfrm>
             <a:off x="146451" y="2003808"/>
-            <a:ext cx="3739143" cy="3492372"/>
+            <a:ext cx="3739143" cy="2794435"/>
           </a:xfrm>
           <a:prstGeom prst="rect">
             <a:avLst/>
@@ -15657,7 +17132,7 @@
         <p:spPr>
           <a:xfrm>
             <a:off x="4111660" y="2003808"/>
-            <a:ext cx="4911363" cy="3492372"/>
+            <a:ext cx="4911363" cy="2832143"/>
           </a:xfrm>
           <a:prstGeom prst="rect">
             <a:avLst/>
@@ -15696,46 +17171,6 @@
       </p:sp>
       <p:sp>
         <p:nvSpPr>
-          <p:cNvPr id="5" name="TextBox 4">
-            <a:extLst>
-              <a:ext uri="{FF2B5EF4-FFF2-40B4-BE49-F238E27FC236}">
-                <a16:creationId xmlns:a16="http://schemas.microsoft.com/office/drawing/2014/main" id="{2CE93F73-A7A8-4258-B4DD-B5F33AB5F72A}"/>
-              </a:ext>
-            </a:extLst>
-          </p:cNvPr>
-          <p:cNvSpPr txBox="1"/>
-          <p:nvPr/>
-        </p:nvSpPr>
-        <p:spPr>
-          <a:xfrm>
-            <a:off x="917691" y="6269213"/>
-            <a:ext cx="1775011" cy="307777"/>
-          </a:xfrm>
-          <a:prstGeom prst="rect">
-            <a:avLst/>
-          </a:prstGeom>
-          <a:noFill/>
-        </p:spPr>
-        <p:txBody>
-          <a:bodyPr wrap="square" rtlCol="0">
-            <a:spAutoFit/>
-          </a:bodyPr>
-          <a:lstStyle/>
-          <a:p>
-            <a:r>
-              <a:rPr lang="es-VE" dirty="0">
-                <a:latin typeface="Raleway" panose="020B0604020202020204" charset="0"/>
-              </a:rPr>
-              <a:t>MIN()</a:t>
-            </a:r>
-            <a:endParaRPr lang="en-US" dirty="0">
-              <a:latin typeface="Raleway" panose="020B0604020202020204" charset="0"/>
-            </a:endParaRPr>
-          </a:p>
-        </p:txBody>
-      </p:sp>
-      <p:sp>
-        <p:nvSpPr>
           <p:cNvPr id="13" name="TextBox 12">
             <a:extLst>
               <a:ext uri="{FF2B5EF4-FFF2-40B4-BE49-F238E27FC236}">
@@ -15748,8 +17183,8 @@
         </p:nvSpPr>
         <p:spPr>
           <a:xfrm>
-            <a:off x="229439" y="4397399"/>
-            <a:ext cx="3851785" cy="523220"/>
+            <a:off x="238088" y="3508766"/>
+            <a:ext cx="3851785" cy="738664"/>
           </a:xfrm>
           <a:prstGeom prst="rect">
             <a:avLst/>
@@ -15763,7 +17198,7 @@
           <a:lstStyle/>
           <a:p>
             <a:r>
-              <a:rPr lang="es-VE" dirty="0">
+              <a:rPr lang="es-VE" b="1" dirty="0">
                 <a:latin typeface="Raleway" panose="020B0604020202020204" charset="0"/>
               </a:rPr>
               <a:t>En la práctica se usa para:</a:t>
@@ -15771,16 +17206,10 @@
           </a:p>
           <a:p>
             <a:r>
-              <a:rPr lang="es-VE" dirty="0" err="1">
-                <a:latin typeface="Raleway" panose="020B0604020202020204" charset="0"/>
-              </a:rPr>
-              <a:t>xxxx</a:t>
-            </a:r>
-            <a:r>
               <a:rPr lang="es-VE" dirty="0">
                 <a:latin typeface="Raleway" panose="020B0604020202020204" charset="0"/>
               </a:rPr>
-              <a:t> </a:t>
+              <a:t>Cuanto le toca a cada uno se si divide el total por igual</a:t>
             </a:r>
             <a:endParaRPr lang="en-US" dirty="0">
               <a:latin typeface="Raleway" panose="020B0604020202020204" charset="0"/>
@@ -15802,7 +17231,7 @@
         </p:nvSpPr>
         <p:spPr>
           <a:xfrm>
-            <a:off x="216301" y="5061156"/>
+            <a:off x="259875" y="4323820"/>
             <a:ext cx="3851785" cy="307777"/>
           </a:xfrm>
           <a:prstGeom prst="rect">
@@ -15843,7 +17272,7 @@
         <p:spPr>
           <a:xfrm>
             <a:off x="372517" y="2188335"/>
-            <a:ext cx="3851785" cy="307777"/>
+            <a:ext cx="3365211" cy="954107"/>
           </a:xfrm>
           <a:prstGeom prst="rect">
             <a:avLst/>
@@ -15856,11 +17285,12 @@
           </a:bodyPr>
           <a:lstStyle/>
           <a:p>
+            <a:pPr algn="just"/>
             <a:r>
-              <a:rPr lang="es-VE" dirty="0">
+              <a:rPr lang="es-ES" dirty="0">
                 <a:latin typeface="Raleway" panose="020B0604020202020204" charset="0"/>
               </a:rPr>
-              <a:t>XLSLM KKNSKM ;M</a:t>
+              <a:t>La media de varias cantidades es la suma de todas las cantidades dividida entre el número de ellas. También se llama promedio</a:t>
             </a:r>
             <a:endParaRPr lang="en-US" dirty="0">
               <a:latin typeface="Raleway" panose="020B0604020202020204" charset="0"/>
@@ -15882,7 +17312,7 @@
         </p:nvCxnSpPr>
         <p:spPr>
           <a:xfrm>
-            <a:off x="159295" y="4363172"/>
+            <a:off x="177025" y="3378071"/>
             <a:ext cx="3708569" cy="0"/>
           </a:xfrm>
           <a:prstGeom prst="line">
@@ -15924,7 +17354,7 @@
         </p:nvCxnSpPr>
         <p:spPr>
           <a:xfrm>
-            <a:off x="150327" y="4999672"/>
+            <a:off x="177024" y="4245526"/>
             <a:ext cx="3708569" cy="0"/>
           </a:xfrm>
           <a:prstGeom prst="line">
@@ -15967,7 +17397,7 @@
         <p:spPr>
           <a:xfrm>
             <a:off x="4359062" y="2131144"/>
-            <a:ext cx="4447539" cy="2246769"/>
+            <a:ext cx="4447539" cy="523220"/>
           </a:xfrm>
           <a:prstGeom prst="rect">
             <a:avLst/>
@@ -15988,7 +17418,7 @@
               <a:rPr lang="es-VE" dirty="0">
                 <a:latin typeface="Raleway" panose="020B0604020202020204" charset="0"/>
               </a:rPr>
-              <a:t>En la práctica se usa para:</a:t>
+              <a:t>Calcular la suma y la cuenta de la población</a:t>
             </a:r>
           </a:p>
           <a:p>
@@ -15997,144 +17427,503 @@
               <a:buAutoNum type="arabicPeriod"/>
             </a:pPr>
             <a:r>
-              <a:rPr lang="es-VE" dirty="0" err="1">
-                <a:latin typeface="Raleway" panose="020B0604020202020204" charset="0"/>
-              </a:rPr>
-              <a:t>xxxx</a:t>
-            </a:r>
-            <a:r>
               <a:rPr lang="es-VE" dirty="0">
                 <a:latin typeface="Raleway" panose="020B0604020202020204" charset="0"/>
               </a:rPr>
-              <a:t> </a:t>
+              <a:t>Dividir ambos valores</a:t>
             </a:r>
           </a:p>
-          <a:p>
-            <a:pPr marL="342900" indent="-342900">
-              <a:buFont typeface="+mj-lt"/>
-              <a:buAutoNum type="arabicPeriod"/>
-            </a:pPr>
+        </p:txBody>
+      </p:sp>
+      <p:pic>
+        <p:nvPicPr>
+          <p:cNvPr id="9" name="Picture 8" descr="A close up of a logo&#10;&#10;Description generated with high confidence">
+            <a:extLst>
+              <a:ext uri="{FF2B5EF4-FFF2-40B4-BE49-F238E27FC236}">
+                <a16:creationId xmlns:a16="http://schemas.microsoft.com/office/drawing/2014/main" id="{D76E1C09-9D33-45B9-A42D-E38DF5BFC8E1}"/>
+              </a:ext>
+            </a:extLst>
+          </p:cNvPr>
+          <p:cNvPicPr>
+            <a:picLocks noChangeAspect="1"/>
+          </p:cNvPicPr>
+          <p:nvPr/>
+        </p:nvPicPr>
+        <p:blipFill>
+          <a:blip r:embed="rId4"/>
+          <a:stretch>
+            <a:fillRect/>
+          </a:stretch>
+        </p:blipFill>
+        <p:spPr>
+          <a:xfrm>
+            <a:off x="1906369" y="4368596"/>
+            <a:ext cx="1000142" cy="205637"/>
+          </a:xfrm>
+          <a:prstGeom prst="rect">
+            <a:avLst/>
+          </a:prstGeom>
+        </p:spPr>
+      </p:pic>
+      <p:pic>
+        <p:nvPicPr>
+          <p:cNvPr id="16" name="Picture 15" descr="A close up of a sign&#10;&#10;Description generated with high confidence">
+            <a:extLst>
+              <a:ext uri="{FF2B5EF4-FFF2-40B4-BE49-F238E27FC236}">
+                <a16:creationId xmlns:a16="http://schemas.microsoft.com/office/drawing/2014/main" id="{40EDB379-786D-43FC-A6A9-613CB9504700}"/>
+              </a:ext>
+            </a:extLst>
+          </p:cNvPr>
+          <p:cNvPicPr>
+            <a:picLocks noChangeAspect="1"/>
+          </p:cNvPicPr>
+          <p:nvPr/>
+        </p:nvPicPr>
+        <p:blipFill>
+          <a:blip r:embed="rId5"/>
+          <a:stretch>
+            <a:fillRect/>
+          </a:stretch>
+        </p:blipFill>
+        <p:spPr>
+          <a:xfrm>
+            <a:off x="342500" y="5404749"/>
+            <a:ext cx="612741" cy="612741"/>
+          </a:xfrm>
+          <a:prstGeom prst="rect">
+            <a:avLst/>
+          </a:prstGeom>
+        </p:spPr>
+      </p:pic>
+      <p:pic>
+        <p:nvPicPr>
+          <p:cNvPr id="18" name="Picture 17" descr="A close up of a sign&#10;&#10;Description generated with very high confidence">
+            <a:extLst>
+              <a:ext uri="{FF2B5EF4-FFF2-40B4-BE49-F238E27FC236}">
+                <a16:creationId xmlns:a16="http://schemas.microsoft.com/office/drawing/2014/main" id="{F68448EE-6FDB-4F8D-880B-0F7C23724EA9}"/>
+              </a:ext>
+            </a:extLst>
+          </p:cNvPr>
+          <p:cNvPicPr>
+            <a:picLocks noChangeAspect="1"/>
+          </p:cNvPicPr>
+          <p:nvPr/>
+        </p:nvPicPr>
+        <p:blipFill>
+          <a:blip r:embed="rId6"/>
+          <a:stretch>
+            <a:fillRect/>
+          </a:stretch>
+        </p:blipFill>
+        <p:spPr>
+          <a:xfrm>
+            <a:off x="4570232" y="6276471"/>
+            <a:ext cx="438478" cy="438478"/>
+          </a:xfrm>
+          <a:prstGeom prst="rect">
+            <a:avLst/>
+          </a:prstGeom>
+        </p:spPr>
+      </p:pic>
+      <p:pic>
+        <p:nvPicPr>
+          <p:cNvPr id="22" name="Picture 21">
+            <a:extLst>
+              <a:ext uri="{FF2B5EF4-FFF2-40B4-BE49-F238E27FC236}">
+                <a16:creationId xmlns:a16="http://schemas.microsoft.com/office/drawing/2014/main" id="{939AE214-C454-4CA4-8E97-93D86FDA17D5}"/>
+              </a:ext>
+            </a:extLst>
+          </p:cNvPr>
+          <p:cNvPicPr>
+            <a:picLocks noChangeAspect="1"/>
+          </p:cNvPicPr>
+          <p:nvPr/>
+        </p:nvPicPr>
+        <p:blipFill>
+          <a:blip r:embed="rId7"/>
+          <a:stretch>
+            <a:fillRect/>
+          </a:stretch>
+        </p:blipFill>
+        <p:spPr>
+          <a:xfrm>
+            <a:off x="1286601" y="6178325"/>
+            <a:ext cx="693394" cy="468041"/>
+          </a:xfrm>
+          <a:prstGeom prst="rect">
+            <a:avLst/>
+          </a:prstGeom>
+        </p:spPr>
+      </p:pic>
+      <p:pic>
+        <p:nvPicPr>
+          <p:cNvPr id="24" name="Picture 23">
+            <a:extLst>
+              <a:ext uri="{FF2B5EF4-FFF2-40B4-BE49-F238E27FC236}">
+                <a16:creationId xmlns:a16="http://schemas.microsoft.com/office/drawing/2014/main" id="{EB951EBB-32B0-4EF8-A01E-218887E29A1C}"/>
+              </a:ext>
+            </a:extLst>
+          </p:cNvPr>
+          <p:cNvPicPr>
+            <a:picLocks noChangeAspect="1"/>
+          </p:cNvPicPr>
+          <p:nvPr/>
+        </p:nvPicPr>
+        <p:blipFill>
+          <a:blip r:embed="rId8"/>
+          <a:stretch>
+            <a:fillRect/>
+          </a:stretch>
+        </p:blipFill>
+        <p:spPr>
+          <a:xfrm>
+            <a:off x="2812504" y="5358291"/>
+            <a:ext cx="721916" cy="721916"/>
+          </a:xfrm>
+          <a:prstGeom prst="rect">
+            <a:avLst/>
+          </a:prstGeom>
+        </p:spPr>
+      </p:pic>
+      <p:pic>
+        <p:nvPicPr>
+          <p:cNvPr id="26" name="Picture 25">
+            <a:extLst>
+              <a:ext uri="{FF2B5EF4-FFF2-40B4-BE49-F238E27FC236}">
+                <a16:creationId xmlns:a16="http://schemas.microsoft.com/office/drawing/2014/main" id="{C3607B00-44CB-47AE-A403-16894437277A}"/>
+              </a:ext>
+            </a:extLst>
+          </p:cNvPr>
+          <p:cNvPicPr>
+            <a:picLocks noChangeAspect="1"/>
+          </p:cNvPicPr>
+          <p:nvPr/>
+        </p:nvPicPr>
+        <p:blipFill>
+          <a:blip r:embed="rId9"/>
+          <a:stretch>
+            <a:fillRect/>
+          </a:stretch>
+        </p:blipFill>
+        <p:spPr>
+          <a:xfrm>
+            <a:off x="5574991" y="5585136"/>
+            <a:ext cx="1603015" cy="336274"/>
+          </a:xfrm>
+          <a:prstGeom prst="rect">
+            <a:avLst/>
+          </a:prstGeom>
+        </p:spPr>
+      </p:pic>
+      <p:sp>
+        <p:nvSpPr>
+          <p:cNvPr id="32" name="TextBox 31">
+            <a:extLst>
+              <a:ext uri="{FF2B5EF4-FFF2-40B4-BE49-F238E27FC236}">
+                <a16:creationId xmlns:a16="http://schemas.microsoft.com/office/drawing/2014/main" id="{57FACAED-A4E7-475B-AA16-29F94B38858A}"/>
+              </a:ext>
+            </a:extLst>
+          </p:cNvPr>
+          <p:cNvSpPr txBox="1"/>
+          <p:nvPr/>
+        </p:nvSpPr>
+        <p:spPr>
+          <a:xfrm>
+            <a:off x="5301343" y="6338589"/>
+            <a:ext cx="2176106" cy="307777"/>
+          </a:xfrm>
+          <a:prstGeom prst="rect">
+            <a:avLst/>
+          </a:prstGeom>
+          <a:noFill/>
+        </p:spPr>
+        <p:txBody>
+          <a:bodyPr wrap="square" rtlCol="0">
+            <a:spAutoFit/>
+          </a:bodyPr>
+          <a:lstStyle/>
+          <a:p>
             <a:r>
-              <a:rPr lang="es-VE" dirty="0" err="1">
+              <a:rPr lang="es-VE" b="1" dirty="0">
+                <a:solidFill>
+                  <a:srgbClr val="2B2B2B"/>
+                </a:solidFill>
                 <a:latin typeface="Raleway" panose="020B0604020202020204" charset="0"/>
               </a:rPr>
-              <a:t>Fdddf</a:t>
+              <a:t>PROMEDIO - Función</a:t>
             </a:r>
-            <a:endParaRPr lang="es-VE" dirty="0">
+            <a:endParaRPr lang="en-US" b="1" dirty="0">
+              <a:solidFill>
+                <a:srgbClr val="2B2B2B"/>
+              </a:solidFill>
               <a:latin typeface="Raleway" panose="020B0604020202020204" charset="0"/>
             </a:endParaRPr>
           </a:p>
-          <a:p>
-            <a:pPr marL="342900" indent="-342900">
-              <a:buFont typeface="+mj-lt"/>
-              <a:buAutoNum type="arabicPeriod"/>
-            </a:pPr>
+        </p:txBody>
+      </p:sp>
+      <p:sp>
+        <p:nvSpPr>
+          <p:cNvPr id="34" name="TextBox 33">
+            <a:extLst>
+              <a:ext uri="{FF2B5EF4-FFF2-40B4-BE49-F238E27FC236}">
+                <a16:creationId xmlns:a16="http://schemas.microsoft.com/office/drawing/2014/main" id="{7C028F36-0D23-43A8-B3D2-A2975DB42C8F}"/>
+              </a:ext>
+            </a:extLst>
+          </p:cNvPr>
+          <p:cNvSpPr txBox="1"/>
+          <p:nvPr/>
+        </p:nvSpPr>
+        <p:spPr>
+          <a:xfrm>
+            <a:off x="896880" y="5493129"/>
+            <a:ext cx="1999445" cy="461665"/>
+          </a:xfrm>
+          <a:prstGeom prst="rect">
+            <a:avLst/>
+          </a:prstGeom>
+          <a:noFill/>
+        </p:spPr>
+        <p:txBody>
+          <a:bodyPr wrap="square" rtlCol="0">
+            <a:spAutoFit/>
+          </a:bodyPr>
+          <a:lstStyle/>
+          <a:p>
             <a:r>
-              <a:rPr lang="es-VE" dirty="0" err="1">
+              <a:rPr lang="es-VE" sz="1200" b="1" dirty="0">
+                <a:solidFill>
+                  <a:srgbClr val="2B2B2B"/>
+                </a:solidFill>
                 <a:latin typeface="Raleway" panose="020B0604020202020204" charset="0"/>
               </a:rPr>
-              <a:t>Fdfd</a:t>
+              <a:t>.reduce(add,0)/.</a:t>
             </a:r>
-            <a:endParaRPr lang="es-VE" dirty="0">
+            <a:r>
+              <a:rPr lang="es-VE" sz="1200" b="1" dirty="0" err="1">
+                <a:solidFill>
+                  <a:srgbClr val="2B2B2B"/>
+                </a:solidFill>
+                <a:latin typeface="Raleway" panose="020B0604020202020204" charset="0"/>
+              </a:rPr>
+              <a:t>length</a:t>
+            </a:r>
+            <a:r>
+              <a:rPr lang="es-VE" sz="1200" b="1" dirty="0">
+                <a:solidFill>
+                  <a:srgbClr val="2B2B2B"/>
+                </a:solidFill>
+                <a:latin typeface="Raleway" panose="020B0604020202020204" charset="0"/>
+              </a:rPr>
+              <a:t> - Método</a:t>
+            </a:r>
+            <a:endParaRPr lang="en-US" sz="1200" b="1" dirty="0">
+              <a:solidFill>
+                <a:srgbClr val="2B2B2B"/>
+              </a:solidFill>
               <a:latin typeface="Raleway" panose="020B0604020202020204" charset="0"/>
             </a:endParaRPr>
           </a:p>
-          <a:p>
-            <a:pPr marL="342900" indent="-342900">
-              <a:buFont typeface="+mj-lt"/>
-              <a:buAutoNum type="arabicPeriod"/>
-            </a:pPr>
+        </p:txBody>
+      </p:sp>
+      <p:sp>
+        <p:nvSpPr>
+          <p:cNvPr id="35" name="TextBox 34">
+            <a:extLst>
+              <a:ext uri="{FF2B5EF4-FFF2-40B4-BE49-F238E27FC236}">
+                <a16:creationId xmlns:a16="http://schemas.microsoft.com/office/drawing/2014/main" id="{9210DF7C-FDFB-4568-9209-2B1D0C51CA27}"/>
+              </a:ext>
+            </a:extLst>
+          </p:cNvPr>
+          <p:cNvSpPr txBox="1"/>
+          <p:nvPr/>
+        </p:nvSpPr>
+        <p:spPr>
+          <a:xfrm>
+            <a:off x="7178006" y="5585136"/>
+            <a:ext cx="1940509" cy="307777"/>
+          </a:xfrm>
+          <a:prstGeom prst="rect">
+            <a:avLst/>
+          </a:prstGeom>
+          <a:noFill/>
+        </p:spPr>
+        <p:txBody>
+          <a:bodyPr wrap="square" rtlCol="0">
+            <a:spAutoFit/>
+          </a:bodyPr>
+          <a:lstStyle/>
+          <a:p>
             <a:r>
-              <a:rPr lang="es-VE" dirty="0" err="1">
+              <a:rPr lang="es-VE" b="1" dirty="0" err="1">
+                <a:solidFill>
+                  <a:srgbClr val="2B2B2B"/>
+                </a:solidFill>
                 <a:latin typeface="Raleway" panose="020B0604020202020204" charset="0"/>
               </a:rPr>
-              <a:t>Fdfd</a:t>
+              <a:t>Average</a:t>
             </a:r>
-            <a:endParaRPr lang="es-VE" dirty="0">
+            <a:r>
+              <a:rPr lang="es-VE" b="1" dirty="0">
+                <a:solidFill>
+                  <a:srgbClr val="2B2B2B"/>
+                </a:solidFill>
+                <a:latin typeface="Raleway" panose="020B0604020202020204" charset="0"/>
+              </a:rPr>
+              <a:t> - Función</a:t>
+            </a:r>
+            <a:endParaRPr lang="en-US" b="1" dirty="0">
+              <a:solidFill>
+                <a:srgbClr val="2B2B2B"/>
+              </a:solidFill>
               <a:latin typeface="Raleway" panose="020B0604020202020204" charset="0"/>
             </a:endParaRPr>
           </a:p>
-          <a:p>
-            <a:pPr marL="342900" indent="-342900">
-              <a:buFont typeface="+mj-lt"/>
-              <a:buAutoNum type="arabicPeriod"/>
-            </a:pPr>
+        </p:txBody>
+      </p:sp>
+      <p:sp>
+        <p:nvSpPr>
+          <p:cNvPr id="36" name="TextBox 35">
+            <a:extLst>
+              <a:ext uri="{FF2B5EF4-FFF2-40B4-BE49-F238E27FC236}">
+                <a16:creationId xmlns:a16="http://schemas.microsoft.com/office/drawing/2014/main" id="{8B7426EE-74E9-44BE-B45C-BC27D7CCCB5E}"/>
+              </a:ext>
+            </a:extLst>
+          </p:cNvPr>
+          <p:cNvSpPr txBox="1"/>
+          <p:nvPr/>
+        </p:nvSpPr>
+        <p:spPr>
+          <a:xfrm>
+            <a:off x="3629911" y="5600172"/>
+            <a:ext cx="1775011" cy="307777"/>
+          </a:xfrm>
+          <a:prstGeom prst="rect">
+            <a:avLst/>
+          </a:prstGeom>
+          <a:noFill/>
+        </p:spPr>
+        <p:txBody>
+          <a:bodyPr wrap="square" rtlCol="0">
+            <a:spAutoFit/>
+          </a:bodyPr>
+          <a:lstStyle/>
+          <a:p>
             <a:r>
-              <a:rPr lang="es-VE" dirty="0" err="1">
+              <a:rPr lang="es-VE" b="1" dirty="0">
+                <a:solidFill>
+                  <a:srgbClr val="2B2B2B"/>
+                </a:solidFill>
                 <a:latin typeface="Raleway" panose="020B0604020202020204" charset="0"/>
               </a:rPr>
-              <a:t>Dfdffd</a:t>
+              <a:t>mean - Función</a:t>
             </a:r>
-            <a:endParaRPr lang="es-VE" dirty="0">
+            <a:endParaRPr lang="en-US" b="1" dirty="0">
+              <a:solidFill>
+                <a:srgbClr val="2B2B2B"/>
+              </a:solidFill>
               <a:latin typeface="Raleway" panose="020B0604020202020204" charset="0"/>
             </a:endParaRPr>
           </a:p>
-          <a:p>
-            <a:pPr marL="342900" indent="-342900">
-              <a:buFont typeface="+mj-lt"/>
-              <a:buAutoNum type="arabicPeriod"/>
-            </a:pPr>
+        </p:txBody>
+      </p:sp>
+      <p:sp>
+        <p:nvSpPr>
+          <p:cNvPr id="37" name="TextBox 36">
+            <a:extLst>
+              <a:ext uri="{FF2B5EF4-FFF2-40B4-BE49-F238E27FC236}">
+                <a16:creationId xmlns:a16="http://schemas.microsoft.com/office/drawing/2014/main" id="{05601036-CCE2-4FE8-B779-5A7C478A23CB}"/>
+              </a:ext>
+            </a:extLst>
+          </p:cNvPr>
+          <p:cNvSpPr txBox="1"/>
+          <p:nvPr/>
+        </p:nvSpPr>
+        <p:spPr>
+          <a:xfrm>
+            <a:off x="2101493" y="6237353"/>
+            <a:ext cx="2527068" cy="461665"/>
+          </a:xfrm>
+          <a:prstGeom prst="rect">
+            <a:avLst/>
+          </a:prstGeom>
+          <a:noFill/>
+        </p:spPr>
+        <p:txBody>
+          <a:bodyPr wrap="square" rtlCol="0">
+            <a:spAutoFit/>
+          </a:bodyPr>
+          <a:lstStyle/>
+          <a:p>
             <a:r>
-              <a:rPr lang="es-VE" dirty="0" err="1">
+              <a:rPr lang="es-VE" sz="1200" b="1" dirty="0">
+                <a:solidFill>
+                  <a:srgbClr val="2B2B2B"/>
+                </a:solidFill>
                 <a:latin typeface="Raleway" panose="020B0604020202020204" charset="0"/>
               </a:rPr>
-              <a:t>Sddsds</a:t>
+              <a:t>mean en librería </a:t>
             </a:r>
-            <a:endParaRPr lang="es-VE" dirty="0">
+            <a:r>
+              <a:rPr lang="es-VE" sz="1200" b="1" dirty="0" err="1">
+                <a:solidFill>
+                  <a:srgbClr val="2B2B2B"/>
+                </a:solidFill>
+                <a:latin typeface="Raleway" panose="020B0604020202020204" charset="0"/>
+              </a:rPr>
+              <a:t>statistics</a:t>
+            </a:r>
+            <a:r>
+              <a:rPr lang="es-VE" sz="1200" b="1" dirty="0">
+                <a:solidFill>
+                  <a:srgbClr val="2B2B2B"/>
+                </a:solidFill>
+                <a:latin typeface="Raleway" panose="020B0604020202020204" charset="0"/>
+              </a:rPr>
+              <a:t> – Función o Método</a:t>
+            </a:r>
+            <a:endParaRPr lang="en-US" sz="1200" b="1" dirty="0">
+              <a:solidFill>
+                <a:srgbClr val="2B2B2B"/>
+              </a:solidFill>
               <a:latin typeface="Raleway" panose="020B0604020202020204" charset="0"/>
             </a:endParaRPr>
           </a:p>
-          <a:p>
-            <a:pPr marL="342900" indent="-342900">
-              <a:buFont typeface="+mj-lt"/>
-              <a:buAutoNum type="arabicPeriod"/>
-            </a:pPr>
-            <a:r>
-              <a:rPr lang="es-VE" dirty="0" err="1">
-                <a:latin typeface="Raleway" panose="020B0604020202020204" charset="0"/>
-              </a:rPr>
-              <a:t>Dssdds</a:t>
-            </a:r>
-            <a:endParaRPr lang="es-VE" dirty="0">
-              <a:latin typeface="Raleway" panose="020B0604020202020204" charset="0"/>
-            </a:endParaRPr>
-          </a:p>
-          <a:p>
-            <a:pPr marL="342900" indent="-342900">
-              <a:buFont typeface="+mj-lt"/>
-              <a:buAutoNum type="arabicPeriod"/>
-            </a:pPr>
-            <a:r>
-              <a:rPr lang="es-VE" dirty="0" err="1">
-                <a:latin typeface="Raleway" panose="020B0604020202020204" charset="0"/>
-              </a:rPr>
-              <a:t>Sdsddsds</a:t>
-            </a:r>
-            <a:endParaRPr lang="es-VE" dirty="0">
-              <a:latin typeface="Raleway" panose="020B0604020202020204" charset="0"/>
-            </a:endParaRPr>
-          </a:p>
-          <a:p>
-            <a:pPr marL="342900" indent="-342900">
-              <a:buFont typeface="+mj-lt"/>
-              <a:buAutoNum type="arabicPeriod"/>
-            </a:pPr>
-            <a:r>
-              <a:rPr lang="es-VE" dirty="0" err="1">
-                <a:latin typeface="Raleway" panose="020B0604020202020204" charset="0"/>
-              </a:rPr>
-              <a:t>dsdsdsds</a:t>
-            </a:r>
-            <a:endParaRPr lang="en-US" dirty="0">
-              <a:latin typeface="Raleway" panose="020B0604020202020204" charset="0"/>
-            </a:endParaRPr>
-          </a:p>
-        </p:txBody>
-      </p:sp>
+        </p:txBody>
+      </p:sp>
+      <p:pic>
+        <p:nvPicPr>
+          <p:cNvPr id="28" name="Picture 27" descr="A close up of a building&#10;&#10;Description generated with high confidence">
+            <a:extLst>
+              <a:ext uri="{FF2B5EF4-FFF2-40B4-BE49-F238E27FC236}">
+                <a16:creationId xmlns:a16="http://schemas.microsoft.com/office/drawing/2014/main" id="{F87293C4-157F-4E54-99D4-0E0972FD838F}"/>
+              </a:ext>
+            </a:extLst>
+          </p:cNvPr>
+          <p:cNvPicPr>
+            <a:picLocks noChangeAspect="1"/>
+          </p:cNvPicPr>
+          <p:nvPr/>
+        </p:nvPicPr>
+        <p:blipFill>
+          <a:blip r:embed="rId10"/>
+          <a:stretch>
+            <a:fillRect/>
+          </a:stretch>
+        </p:blipFill>
+        <p:spPr>
+          <a:xfrm>
+            <a:off x="1915060" y="4369762"/>
+            <a:ext cx="978374" cy="201161"/>
+          </a:xfrm>
+          <a:prstGeom prst="rect">
+            <a:avLst/>
+          </a:prstGeom>
+        </p:spPr>
+      </p:pic>
     </p:spTree>
     <p:extLst>
       <p:ext uri="{BB962C8B-B14F-4D97-AF65-F5344CB8AC3E}">
-        <p14:creationId xmlns:p14="http://schemas.microsoft.com/office/powerpoint/2010/main" val="3491356006"/>
+        <p14:creationId xmlns:p14="http://schemas.microsoft.com/office/powerpoint/2010/main" val="2702891510"/>
       </p:ext>
     </p:extLst>
   </p:cSld>
@@ -16251,8 +18040,8 @@
         </p:nvSpPr>
         <p:spPr>
           <a:xfrm>
-            <a:off x="3023850" y="674175"/>
-            <a:ext cx="3096300" cy="646200"/>
+            <a:off x="2116318" y="674175"/>
+            <a:ext cx="4279769" cy="646200"/>
           </a:xfrm>
           <a:prstGeom prst="rect">
             <a:avLst/>
@@ -16268,15 +18057,11 @@
           </a:bodyPr>
           <a:lstStyle/>
           <a:p>
-            <a:pPr marL="0" marR="0" lvl="0" indent="0" algn="l" rtl="0">
-              <a:spcBef>
-                <a:spcPts val="0"/>
-              </a:spcBef>
+            <a:pPr algn="ctr">
               <a:buSzPct val="25000"/>
-              <a:buNone/>
             </a:pPr>
             <a:r>
-              <a:rPr lang="es-GT" sz="3600" b="0" i="0" u="none" strike="noStrike" cap="none" dirty="0">
+              <a:rPr lang="es-GT" sz="3600" dirty="0">
                 <a:solidFill>
                   <a:srgbClr val="F7B600"/>
                 </a:solidFill>
@@ -16352,8 +18137,8 @@
         </p:nvSpPr>
         <p:spPr>
           <a:xfrm flipH="1">
-            <a:off x="0" y="5753658"/>
-            <a:ext cx="9144000" cy="307777"/>
+            <a:off x="127258" y="4938943"/>
+            <a:ext cx="8909904" cy="307777"/>
           </a:xfrm>
           <a:prstGeom prst="rect">
             <a:avLst/>
@@ -16375,7 +18160,7 @@
                 </a:solidFill>
                 <a:latin typeface="Raleway" panose="020B0604020202020204" charset="0"/>
               </a:rPr>
-              <a:t>Comandos:</a:t>
+              <a:t>Comandos en diferentes tecnologías:</a:t>
             </a:r>
           </a:p>
         </p:txBody>
@@ -16436,8 +18221,8 @@
         </p:nvSpPr>
         <p:spPr>
           <a:xfrm>
-            <a:off x="9427" y="6061435"/>
-            <a:ext cx="9134573" cy="796565"/>
+            <a:off x="131780" y="5246721"/>
+            <a:ext cx="8891244" cy="1531152"/>
           </a:xfrm>
           <a:prstGeom prst="rect">
             <a:avLst/>
@@ -16489,7 +18274,7 @@
         <p:spPr>
           <a:xfrm>
             <a:off x="146451" y="2003808"/>
-            <a:ext cx="3739143" cy="3492372"/>
+            <a:ext cx="3739143" cy="2794435"/>
           </a:xfrm>
           <a:prstGeom prst="rect">
             <a:avLst/>
@@ -16541,7 +18326,7 @@
         <p:spPr>
           <a:xfrm>
             <a:off x="4111660" y="2003808"/>
-            <a:ext cx="4911363" cy="3492372"/>
+            <a:ext cx="4911363" cy="2832143"/>
           </a:xfrm>
           <a:prstGeom prst="rect">
             <a:avLst/>
@@ -16580,46 +18365,6 @@
       </p:sp>
       <p:sp>
         <p:nvSpPr>
-          <p:cNvPr id="5" name="TextBox 4">
-            <a:extLst>
-              <a:ext uri="{FF2B5EF4-FFF2-40B4-BE49-F238E27FC236}">
-                <a16:creationId xmlns:a16="http://schemas.microsoft.com/office/drawing/2014/main" id="{2CE93F73-A7A8-4258-B4DD-B5F33AB5F72A}"/>
-              </a:ext>
-            </a:extLst>
-          </p:cNvPr>
-          <p:cNvSpPr txBox="1"/>
-          <p:nvPr/>
-        </p:nvSpPr>
-        <p:spPr>
-          <a:xfrm>
-            <a:off x="917691" y="6269213"/>
-            <a:ext cx="1775011" cy="307777"/>
-          </a:xfrm>
-          <a:prstGeom prst="rect">
-            <a:avLst/>
-          </a:prstGeom>
-          <a:noFill/>
-        </p:spPr>
-        <p:txBody>
-          <a:bodyPr wrap="square" rtlCol="0">
-            <a:spAutoFit/>
-          </a:bodyPr>
-          <a:lstStyle/>
-          <a:p>
-            <a:r>
-              <a:rPr lang="es-VE" dirty="0">
-                <a:latin typeface="Raleway" panose="020B0604020202020204" charset="0"/>
-              </a:rPr>
-              <a:t>MIN()</a:t>
-            </a:r>
-            <a:endParaRPr lang="en-US" dirty="0">
-              <a:latin typeface="Raleway" panose="020B0604020202020204" charset="0"/>
-            </a:endParaRPr>
-          </a:p>
-        </p:txBody>
-      </p:sp>
-      <p:sp>
-        <p:nvSpPr>
           <p:cNvPr id="13" name="TextBox 12">
             <a:extLst>
               <a:ext uri="{FF2B5EF4-FFF2-40B4-BE49-F238E27FC236}">
@@ -16632,7 +18377,7 @@
         </p:nvSpPr>
         <p:spPr>
           <a:xfrm>
-            <a:off x="229439" y="4397399"/>
+            <a:off x="238088" y="3508766"/>
             <a:ext cx="3851785" cy="523220"/>
           </a:xfrm>
           <a:prstGeom prst="rect">
@@ -16647,7 +18392,7 @@
           <a:lstStyle/>
           <a:p>
             <a:r>
-              <a:rPr lang="es-VE" dirty="0">
+              <a:rPr lang="es-VE" b="1" dirty="0">
                 <a:latin typeface="Raleway" panose="020B0604020202020204" charset="0"/>
               </a:rPr>
               <a:t>En la práctica se usa para:</a:t>
@@ -16655,16 +18400,10 @@
           </a:p>
           <a:p>
             <a:r>
-              <a:rPr lang="es-VE" dirty="0" err="1">
-                <a:latin typeface="Raleway" panose="020B0604020202020204" charset="0"/>
-              </a:rPr>
-              <a:t>xxxx</a:t>
-            </a:r>
-            <a:r>
               <a:rPr lang="es-VE" dirty="0">
                 <a:latin typeface="Raleway" panose="020B0604020202020204" charset="0"/>
               </a:rPr>
-              <a:t> </a:t>
+              <a:t>El centro real de los datos </a:t>
             </a:r>
             <a:endParaRPr lang="en-US" dirty="0">
               <a:latin typeface="Raleway" panose="020B0604020202020204" charset="0"/>
@@ -16686,7 +18425,7 @@
         </p:nvSpPr>
         <p:spPr>
           <a:xfrm>
-            <a:off x="216301" y="5061156"/>
+            <a:off x="259875" y="4323820"/>
             <a:ext cx="3851785" cy="307777"/>
           </a:xfrm>
           <a:prstGeom prst="rect">
@@ -16727,7 +18466,7 @@
         <p:spPr>
           <a:xfrm>
             <a:off x="372517" y="2188335"/>
-            <a:ext cx="3851785" cy="307777"/>
+            <a:ext cx="3365211" cy="738664"/>
           </a:xfrm>
           <a:prstGeom prst="rect">
             <a:avLst/>
@@ -16741,10 +18480,10 @@
           <a:lstStyle/>
           <a:p>
             <a:r>
-              <a:rPr lang="es-VE" dirty="0">
+              <a:rPr lang="es-ES" dirty="0">
                 <a:latin typeface="Raleway" panose="020B0604020202020204" charset="0"/>
               </a:rPr>
-              <a:t>XLSLM KKNSKM ;M</a:t>
+              <a:t>Se llama MEDIANA de un conjunto de datos numéricos al que ocupa el valor central.</a:t>
             </a:r>
             <a:endParaRPr lang="en-US" dirty="0">
               <a:latin typeface="Raleway" panose="020B0604020202020204" charset="0"/>
@@ -16766,7 +18505,7 @@
         </p:nvCxnSpPr>
         <p:spPr>
           <a:xfrm>
-            <a:off x="159295" y="4363172"/>
+            <a:off x="177025" y="3378071"/>
             <a:ext cx="3708569" cy="0"/>
           </a:xfrm>
           <a:prstGeom prst="line">
@@ -16808,7 +18547,7 @@
         </p:nvCxnSpPr>
         <p:spPr>
           <a:xfrm>
-            <a:off x="150327" y="4999672"/>
+            <a:off x="177024" y="4245526"/>
             <a:ext cx="3708569" cy="0"/>
           </a:xfrm>
           <a:prstGeom prst="line">
@@ -16851,7 +18590,7 @@
         <p:spPr>
           <a:xfrm>
             <a:off x="4359062" y="2131144"/>
-            <a:ext cx="4447539" cy="2246769"/>
+            <a:ext cx="4447539" cy="1815882"/>
           </a:xfrm>
           <a:prstGeom prst="rect">
             <a:avLst/>
@@ -16872,7 +18611,7 @@
               <a:rPr lang="es-VE" dirty="0">
                 <a:latin typeface="Raleway" panose="020B0604020202020204" charset="0"/>
               </a:rPr>
-              <a:t>En la práctica se usa para:</a:t>
+              <a:t>Contar cuantas veces se repite cada valor. Esto definirá la frecuencia del valor. </a:t>
             </a:r>
           </a:p>
           <a:p>
@@ -16881,133 +18620,58 @@
               <a:buAutoNum type="arabicPeriod"/>
             </a:pPr>
             <a:r>
-              <a:rPr lang="es-VE" dirty="0" err="1">
+              <a:rPr lang="es-VE" dirty="0">
                 <a:latin typeface="Raleway" panose="020B0604020202020204" charset="0"/>
               </a:rPr>
-              <a:t>xxxx</a:t>
+              <a:t>Organizar los valores de menor a mayor.</a:t>
+            </a:r>
+          </a:p>
+          <a:p>
+            <a:pPr marL="342900" indent="-342900">
+              <a:buFont typeface="+mj-lt"/>
+              <a:buAutoNum type="arabicPeriod"/>
+            </a:pPr>
+            <a:r>
+              <a:rPr lang="es-VE" dirty="0">
+                <a:latin typeface="Raleway" panose="020B0604020202020204" charset="0"/>
+              </a:rPr>
+              <a:t>Ver si hay una cantidad de elementos par o impar: </a:t>
+            </a:r>
+          </a:p>
+          <a:p>
+            <a:pPr marL="342900" lvl="2" indent="-342900">
+              <a:buFont typeface="Arial" panose="020B0604020202020204" pitchFamily="34" charset="0"/>
+              <a:buChar char="•"/>
+            </a:pPr>
+            <a:r>
+              <a:rPr lang="es-VE" b="1" u="sng" dirty="0">
+                <a:latin typeface="Raleway" panose="020B0604020202020204" charset="0"/>
+              </a:rPr>
+              <a:t>Si es impar</a:t>
             </a:r>
             <a:r>
               <a:rPr lang="es-VE" dirty="0">
                 <a:latin typeface="Raleway" panose="020B0604020202020204" charset="0"/>
               </a:rPr>
-              <a:t> </a:t>
+              <a:t>, se toma el valor del medio, </a:t>
             </a:r>
           </a:p>
           <a:p>
-            <a:pPr marL="342900" indent="-342900">
-              <a:buFont typeface="+mj-lt"/>
-              <a:buAutoNum type="arabicPeriod"/>
+            <a:pPr marL="342900" lvl="2" indent="-342900">
+              <a:buFont typeface="Arial" panose="020B0604020202020204" pitchFamily="34" charset="0"/>
+              <a:buChar char="•"/>
             </a:pPr>
             <a:r>
-              <a:rPr lang="es-VE" dirty="0" err="1">
+              <a:rPr lang="es-VE" b="1" u="sng" dirty="0">
                 <a:latin typeface="Raleway" panose="020B0604020202020204" charset="0"/>
               </a:rPr>
-              <a:t>Fdddf</a:t>
+              <a:t>Si es par</a:t>
             </a:r>
-            <a:endParaRPr lang="es-VE" dirty="0">
-              <a:latin typeface="Raleway" panose="020B0604020202020204" charset="0"/>
-            </a:endParaRPr>
-          </a:p>
-          <a:p>
-            <a:pPr marL="342900" indent="-342900">
-              <a:buFont typeface="+mj-lt"/>
-              <a:buAutoNum type="arabicPeriod"/>
-            </a:pPr>
             <a:r>
-              <a:rPr lang="es-VE" dirty="0" err="1">
+              <a:rPr lang="es-VE" dirty="0">
                 <a:latin typeface="Raleway" panose="020B0604020202020204" charset="0"/>
               </a:rPr>
-              <a:t>Fdfd</a:t>
-            </a:r>
-            <a:endParaRPr lang="es-VE" dirty="0">
-              <a:latin typeface="Raleway" panose="020B0604020202020204" charset="0"/>
-            </a:endParaRPr>
-          </a:p>
-          <a:p>
-            <a:pPr marL="342900" indent="-342900">
-              <a:buFont typeface="+mj-lt"/>
-              <a:buAutoNum type="arabicPeriod"/>
-            </a:pPr>
-            <a:r>
-              <a:rPr lang="es-VE" dirty="0" err="1">
-                <a:latin typeface="Raleway" panose="020B0604020202020204" charset="0"/>
-              </a:rPr>
-              <a:t>Fdfd</a:t>
-            </a:r>
-            <a:endParaRPr lang="es-VE" dirty="0">
-              <a:latin typeface="Raleway" panose="020B0604020202020204" charset="0"/>
-            </a:endParaRPr>
-          </a:p>
-          <a:p>
-            <a:pPr marL="342900" indent="-342900">
-              <a:buFont typeface="+mj-lt"/>
-              <a:buAutoNum type="arabicPeriod"/>
-            </a:pPr>
-            <a:r>
-              <a:rPr lang="es-VE" dirty="0" err="1">
-                <a:latin typeface="Raleway" panose="020B0604020202020204" charset="0"/>
-              </a:rPr>
-              <a:t>Dfdffd</a:t>
-            </a:r>
-            <a:endParaRPr lang="es-VE" dirty="0">
-              <a:latin typeface="Raleway" panose="020B0604020202020204" charset="0"/>
-            </a:endParaRPr>
-          </a:p>
-          <a:p>
-            <a:pPr marL="342900" indent="-342900">
-              <a:buFont typeface="+mj-lt"/>
-              <a:buAutoNum type="arabicPeriod"/>
-            </a:pPr>
-            <a:r>
-              <a:rPr lang="es-VE" dirty="0" err="1">
-                <a:latin typeface="Raleway" panose="020B0604020202020204" charset="0"/>
-              </a:rPr>
-              <a:t>Sddsds</a:t>
-            </a:r>
-            <a:endParaRPr lang="es-VE" dirty="0">
-              <a:latin typeface="Raleway" panose="020B0604020202020204" charset="0"/>
-            </a:endParaRPr>
-          </a:p>
-          <a:p>
-            <a:pPr marL="342900" indent="-342900">
-              <a:buFont typeface="+mj-lt"/>
-              <a:buAutoNum type="arabicPeriod"/>
-            </a:pPr>
-            <a:r>
-              <a:rPr lang="es-VE" dirty="0" err="1">
-                <a:latin typeface="Raleway" panose="020B0604020202020204" charset="0"/>
-              </a:rPr>
-              <a:t>Dssdds</a:t>
-            </a:r>
-            <a:endParaRPr lang="es-VE" dirty="0">
-              <a:latin typeface="Raleway" panose="020B0604020202020204" charset="0"/>
-            </a:endParaRPr>
-          </a:p>
-          <a:p>
-            <a:pPr marL="342900" indent="-342900">
-              <a:buFont typeface="+mj-lt"/>
-              <a:buAutoNum type="arabicPeriod"/>
-            </a:pPr>
-            <a:r>
-              <a:rPr lang="es-VE" dirty="0" err="1">
-                <a:latin typeface="Raleway" panose="020B0604020202020204" charset="0"/>
-              </a:rPr>
-              <a:t>Sdsddsds</a:t>
-            </a:r>
-            <a:endParaRPr lang="es-VE" dirty="0">
-              <a:latin typeface="Raleway" panose="020B0604020202020204" charset="0"/>
-            </a:endParaRPr>
-          </a:p>
-          <a:p>
-            <a:pPr marL="342900" indent="-342900">
-              <a:buFont typeface="+mj-lt"/>
-              <a:buAutoNum type="arabicPeriod"/>
-            </a:pPr>
-            <a:r>
-              <a:rPr lang="es-VE" dirty="0" err="1">
-                <a:latin typeface="Raleway" panose="020B0604020202020204" charset="0"/>
-              </a:rPr>
-              <a:t>dsdsdsds</a:t>
+              <a:t>, se toma el promedio entre los 2 valores centrales. </a:t>
             </a:r>
             <a:endParaRPr lang="en-US" dirty="0">
               <a:latin typeface="Raleway" panose="020B0604020202020204" charset="0"/>
@@ -17015,10 +18679,468 @@
           </a:p>
         </p:txBody>
       </p:sp>
+      <p:pic>
+        <p:nvPicPr>
+          <p:cNvPr id="9" name="Picture 8" descr="A close up of a logo&#10;&#10;Description generated with high confidence">
+            <a:extLst>
+              <a:ext uri="{FF2B5EF4-FFF2-40B4-BE49-F238E27FC236}">
+                <a16:creationId xmlns:a16="http://schemas.microsoft.com/office/drawing/2014/main" id="{D76E1C09-9D33-45B9-A42D-E38DF5BFC8E1}"/>
+              </a:ext>
+            </a:extLst>
+          </p:cNvPr>
+          <p:cNvPicPr>
+            <a:picLocks noChangeAspect="1"/>
+          </p:cNvPicPr>
+          <p:nvPr/>
+        </p:nvPicPr>
+        <p:blipFill>
+          <a:blip r:embed="rId4"/>
+          <a:stretch>
+            <a:fillRect/>
+          </a:stretch>
+        </p:blipFill>
+        <p:spPr>
+          <a:xfrm>
+            <a:off x="1906369" y="4368596"/>
+            <a:ext cx="1000142" cy="205637"/>
+          </a:xfrm>
+          <a:prstGeom prst="rect">
+            <a:avLst/>
+          </a:prstGeom>
+        </p:spPr>
+      </p:pic>
+      <p:pic>
+        <p:nvPicPr>
+          <p:cNvPr id="16" name="Picture 15" descr="A close up of a sign&#10;&#10;Description generated with high confidence">
+            <a:extLst>
+              <a:ext uri="{FF2B5EF4-FFF2-40B4-BE49-F238E27FC236}">
+                <a16:creationId xmlns:a16="http://schemas.microsoft.com/office/drawing/2014/main" id="{40EDB379-786D-43FC-A6A9-613CB9504700}"/>
+              </a:ext>
+            </a:extLst>
+          </p:cNvPr>
+          <p:cNvPicPr>
+            <a:picLocks noChangeAspect="1"/>
+          </p:cNvPicPr>
+          <p:nvPr/>
+        </p:nvPicPr>
+        <p:blipFill>
+          <a:blip r:embed="rId5"/>
+          <a:stretch>
+            <a:fillRect/>
+          </a:stretch>
+        </p:blipFill>
+        <p:spPr>
+          <a:xfrm>
+            <a:off x="342500" y="5404749"/>
+            <a:ext cx="612741" cy="612741"/>
+          </a:xfrm>
+          <a:prstGeom prst="rect">
+            <a:avLst/>
+          </a:prstGeom>
+        </p:spPr>
+      </p:pic>
+      <p:pic>
+        <p:nvPicPr>
+          <p:cNvPr id="18" name="Picture 17" descr="A close up of a sign&#10;&#10;Description generated with very high confidence">
+            <a:extLst>
+              <a:ext uri="{FF2B5EF4-FFF2-40B4-BE49-F238E27FC236}">
+                <a16:creationId xmlns:a16="http://schemas.microsoft.com/office/drawing/2014/main" id="{F68448EE-6FDB-4F8D-880B-0F7C23724EA9}"/>
+              </a:ext>
+            </a:extLst>
+          </p:cNvPr>
+          <p:cNvPicPr>
+            <a:picLocks noChangeAspect="1"/>
+          </p:cNvPicPr>
+          <p:nvPr/>
+        </p:nvPicPr>
+        <p:blipFill>
+          <a:blip r:embed="rId6"/>
+          <a:stretch>
+            <a:fillRect/>
+          </a:stretch>
+        </p:blipFill>
+        <p:spPr>
+          <a:xfrm>
+            <a:off x="4570232" y="6276471"/>
+            <a:ext cx="438478" cy="438478"/>
+          </a:xfrm>
+          <a:prstGeom prst="rect">
+            <a:avLst/>
+          </a:prstGeom>
+        </p:spPr>
+      </p:pic>
+      <p:pic>
+        <p:nvPicPr>
+          <p:cNvPr id="22" name="Picture 21">
+            <a:extLst>
+              <a:ext uri="{FF2B5EF4-FFF2-40B4-BE49-F238E27FC236}">
+                <a16:creationId xmlns:a16="http://schemas.microsoft.com/office/drawing/2014/main" id="{939AE214-C454-4CA4-8E97-93D86FDA17D5}"/>
+              </a:ext>
+            </a:extLst>
+          </p:cNvPr>
+          <p:cNvPicPr>
+            <a:picLocks noChangeAspect="1"/>
+          </p:cNvPicPr>
+          <p:nvPr/>
+        </p:nvPicPr>
+        <p:blipFill>
+          <a:blip r:embed="rId7"/>
+          <a:stretch>
+            <a:fillRect/>
+          </a:stretch>
+        </p:blipFill>
+        <p:spPr>
+          <a:xfrm>
+            <a:off x="1286601" y="6178325"/>
+            <a:ext cx="693394" cy="468041"/>
+          </a:xfrm>
+          <a:prstGeom prst="rect">
+            <a:avLst/>
+          </a:prstGeom>
+        </p:spPr>
+      </p:pic>
+      <p:pic>
+        <p:nvPicPr>
+          <p:cNvPr id="24" name="Picture 23">
+            <a:extLst>
+              <a:ext uri="{FF2B5EF4-FFF2-40B4-BE49-F238E27FC236}">
+                <a16:creationId xmlns:a16="http://schemas.microsoft.com/office/drawing/2014/main" id="{EB951EBB-32B0-4EF8-A01E-218887E29A1C}"/>
+              </a:ext>
+            </a:extLst>
+          </p:cNvPr>
+          <p:cNvPicPr>
+            <a:picLocks noChangeAspect="1"/>
+          </p:cNvPicPr>
+          <p:nvPr/>
+        </p:nvPicPr>
+        <p:blipFill>
+          <a:blip r:embed="rId8"/>
+          <a:stretch>
+            <a:fillRect/>
+          </a:stretch>
+        </p:blipFill>
+        <p:spPr>
+          <a:xfrm>
+            <a:off x="2812504" y="5358291"/>
+            <a:ext cx="721916" cy="721916"/>
+          </a:xfrm>
+          <a:prstGeom prst="rect">
+            <a:avLst/>
+          </a:prstGeom>
+        </p:spPr>
+      </p:pic>
+      <p:pic>
+        <p:nvPicPr>
+          <p:cNvPr id="26" name="Picture 25">
+            <a:extLst>
+              <a:ext uri="{FF2B5EF4-FFF2-40B4-BE49-F238E27FC236}">
+                <a16:creationId xmlns:a16="http://schemas.microsoft.com/office/drawing/2014/main" id="{C3607B00-44CB-47AE-A403-16894437277A}"/>
+              </a:ext>
+            </a:extLst>
+          </p:cNvPr>
+          <p:cNvPicPr>
+            <a:picLocks noChangeAspect="1"/>
+          </p:cNvPicPr>
+          <p:nvPr/>
+        </p:nvPicPr>
+        <p:blipFill>
+          <a:blip r:embed="rId9"/>
+          <a:stretch>
+            <a:fillRect/>
+          </a:stretch>
+        </p:blipFill>
+        <p:spPr>
+          <a:xfrm>
+            <a:off x="5574991" y="5585136"/>
+            <a:ext cx="1603015" cy="336274"/>
+          </a:xfrm>
+          <a:prstGeom prst="rect">
+            <a:avLst/>
+          </a:prstGeom>
+        </p:spPr>
+      </p:pic>
+      <p:sp>
+        <p:nvSpPr>
+          <p:cNvPr id="32" name="TextBox 31">
+            <a:extLst>
+              <a:ext uri="{FF2B5EF4-FFF2-40B4-BE49-F238E27FC236}">
+                <a16:creationId xmlns:a16="http://schemas.microsoft.com/office/drawing/2014/main" id="{57FACAED-A4E7-475B-AA16-29F94B38858A}"/>
+              </a:ext>
+            </a:extLst>
+          </p:cNvPr>
+          <p:cNvSpPr txBox="1"/>
+          <p:nvPr/>
+        </p:nvSpPr>
+        <p:spPr>
+          <a:xfrm>
+            <a:off x="5291917" y="6338589"/>
+            <a:ext cx="2372075" cy="307777"/>
+          </a:xfrm>
+          <a:prstGeom prst="rect">
+            <a:avLst/>
+          </a:prstGeom>
+          <a:noFill/>
+        </p:spPr>
+        <p:txBody>
+          <a:bodyPr wrap="square" rtlCol="0">
+            <a:spAutoFit/>
+          </a:bodyPr>
+          <a:lstStyle/>
+          <a:p>
+            <a:r>
+              <a:rPr lang="es-VE" b="1" dirty="0">
+                <a:solidFill>
+                  <a:srgbClr val="2B2B2B"/>
+                </a:solidFill>
+                <a:latin typeface="Raleway" panose="020B0604020202020204" charset="0"/>
+              </a:rPr>
+              <a:t>MEDIANA - Función</a:t>
+            </a:r>
+            <a:endParaRPr lang="en-US" b="1" dirty="0">
+              <a:solidFill>
+                <a:srgbClr val="2B2B2B"/>
+              </a:solidFill>
+              <a:latin typeface="Raleway" panose="020B0604020202020204" charset="0"/>
+            </a:endParaRPr>
+          </a:p>
+        </p:txBody>
+      </p:sp>
+      <p:sp>
+        <p:nvSpPr>
+          <p:cNvPr id="35" name="TextBox 34">
+            <a:extLst>
+              <a:ext uri="{FF2B5EF4-FFF2-40B4-BE49-F238E27FC236}">
+                <a16:creationId xmlns:a16="http://schemas.microsoft.com/office/drawing/2014/main" id="{9210DF7C-FDFB-4568-9209-2B1D0C51CA27}"/>
+              </a:ext>
+            </a:extLst>
+          </p:cNvPr>
+          <p:cNvSpPr txBox="1"/>
+          <p:nvPr/>
+        </p:nvSpPr>
+        <p:spPr>
+          <a:xfrm>
+            <a:off x="7178006" y="5585136"/>
+            <a:ext cx="1940509" cy="307777"/>
+          </a:xfrm>
+          <a:prstGeom prst="rect">
+            <a:avLst/>
+          </a:prstGeom>
+          <a:noFill/>
+        </p:spPr>
+        <p:txBody>
+          <a:bodyPr wrap="square" rtlCol="0">
+            <a:spAutoFit/>
+          </a:bodyPr>
+          <a:lstStyle/>
+          <a:p>
+            <a:r>
+              <a:rPr lang="es-VE" b="1" dirty="0">
+                <a:solidFill>
+                  <a:srgbClr val="2B2B2B"/>
+                </a:solidFill>
+                <a:latin typeface="Raleway" panose="020B0604020202020204" charset="0"/>
+              </a:rPr>
+              <a:t>Median - Función</a:t>
+            </a:r>
+            <a:endParaRPr lang="en-US" b="1" dirty="0">
+              <a:solidFill>
+                <a:srgbClr val="2B2B2B"/>
+              </a:solidFill>
+              <a:latin typeface="Raleway" panose="020B0604020202020204" charset="0"/>
+            </a:endParaRPr>
+          </a:p>
+        </p:txBody>
+      </p:sp>
+      <p:sp>
+        <p:nvSpPr>
+          <p:cNvPr id="36" name="TextBox 35">
+            <a:extLst>
+              <a:ext uri="{FF2B5EF4-FFF2-40B4-BE49-F238E27FC236}">
+                <a16:creationId xmlns:a16="http://schemas.microsoft.com/office/drawing/2014/main" id="{8B7426EE-74E9-44BE-B45C-BC27D7CCCB5E}"/>
+              </a:ext>
+            </a:extLst>
+          </p:cNvPr>
+          <p:cNvSpPr txBox="1"/>
+          <p:nvPr/>
+        </p:nvSpPr>
+        <p:spPr>
+          <a:xfrm>
+            <a:off x="3629911" y="5600172"/>
+            <a:ext cx="1775011" cy="307777"/>
+          </a:xfrm>
+          <a:prstGeom prst="rect">
+            <a:avLst/>
+          </a:prstGeom>
+          <a:noFill/>
+        </p:spPr>
+        <p:txBody>
+          <a:bodyPr wrap="square" rtlCol="0">
+            <a:spAutoFit/>
+          </a:bodyPr>
+          <a:lstStyle/>
+          <a:p>
+            <a:r>
+              <a:rPr lang="es-VE" b="1" dirty="0">
+                <a:solidFill>
+                  <a:srgbClr val="2B2B2B"/>
+                </a:solidFill>
+                <a:latin typeface="Raleway" panose="020B0604020202020204" charset="0"/>
+              </a:rPr>
+              <a:t>median - Función</a:t>
+            </a:r>
+            <a:endParaRPr lang="en-US" b="1" dirty="0">
+              <a:solidFill>
+                <a:srgbClr val="2B2B2B"/>
+              </a:solidFill>
+              <a:latin typeface="Raleway" panose="020B0604020202020204" charset="0"/>
+            </a:endParaRPr>
+          </a:p>
+        </p:txBody>
+      </p:sp>
+      <p:pic>
+        <p:nvPicPr>
+          <p:cNvPr id="28" name="Picture 27" descr="A close up of a building&#10;&#10;Description generated with high confidence">
+            <a:extLst>
+              <a:ext uri="{FF2B5EF4-FFF2-40B4-BE49-F238E27FC236}">
+                <a16:creationId xmlns:a16="http://schemas.microsoft.com/office/drawing/2014/main" id="{F87293C4-157F-4E54-99D4-0E0972FD838F}"/>
+              </a:ext>
+            </a:extLst>
+          </p:cNvPr>
+          <p:cNvPicPr>
+            <a:picLocks noChangeAspect="1"/>
+          </p:cNvPicPr>
+          <p:nvPr/>
+        </p:nvPicPr>
+        <p:blipFill>
+          <a:blip r:embed="rId10"/>
+          <a:stretch>
+            <a:fillRect/>
+          </a:stretch>
+        </p:blipFill>
+        <p:spPr>
+          <a:xfrm>
+            <a:off x="1915060" y="4369762"/>
+            <a:ext cx="978374" cy="201161"/>
+          </a:xfrm>
+          <a:prstGeom prst="rect">
+            <a:avLst/>
+          </a:prstGeom>
+        </p:spPr>
+      </p:pic>
+      <p:sp>
+        <p:nvSpPr>
+          <p:cNvPr id="29" name="TextBox 28">
+            <a:extLst>
+              <a:ext uri="{FF2B5EF4-FFF2-40B4-BE49-F238E27FC236}">
+                <a16:creationId xmlns:a16="http://schemas.microsoft.com/office/drawing/2014/main" id="{1ED9F2BF-1802-4D15-B125-5E066C18BE2A}"/>
+              </a:ext>
+            </a:extLst>
+          </p:cNvPr>
+          <p:cNvSpPr txBox="1"/>
+          <p:nvPr/>
+        </p:nvSpPr>
+        <p:spPr>
+          <a:xfrm>
+            <a:off x="1969517" y="6237353"/>
+            <a:ext cx="2600716" cy="461665"/>
+          </a:xfrm>
+          <a:prstGeom prst="rect">
+            <a:avLst/>
+          </a:prstGeom>
+          <a:noFill/>
+        </p:spPr>
+        <p:txBody>
+          <a:bodyPr wrap="square" rtlCol="0">
+            <a:spAutoFit/>
+          </a:bodyPr>
+          <a:lstStyle/>
+          <a:p>
+            <a:r>
+              <a:rPr lang="es-VE" sz="1200" b="1" dirty="0">
+                <a:solidFill>
+                  <a:srgbClr val="2B2B2B"/>
+                </a:solidFill>
+                <a:latin typeface="Raleway" panose="020B0604020202020204" charset="0"/>
+              </a:rPr>
+              <a:t>median en librería </a:t>
+            </a:r>
+            <a:r>
+              <a:rPr lang="es-VE" sz="1200" b="1" dirty="0" err="1">
+                <a:solidFill>
+                  <a:srgbClr val="2B2B2B"/>
+                </a:solidFill>
+                <a:latin typeface="Raleway" panose="020B0604020202020204" charset="0"/>
+              </a:rPr>
+              <a:t>statistics</a:t>
+            </a:r>
+            <a:r>
+              <a:rPr lang="es-VE" sz="1200" b="1" dirty="0">
+                <a:solidFill>
+                  <a:srgbClr val="2B2B2B"/>
+                </a:solidFill>
+                <a:latin typeface="Raleway" panose="020B0604020202020204" charset="0"/>
+              </a:rPr>
+              <a:t> – Función o Método</a:t>
+            </a:r>
+            <a:endParaRPr lang="en-US" sz="1200" b="1" dirty="0">
+              <a:solidFill>
+                <a:srgbClr val="2B2B2B"/>
+              </a:solidFill>
+              <a:latin typeface="Raleway" panose="020B0604020202020204" charset="0"/>
+            </a:endParaRPr>
+          </a:p>
+        </p:txBody>
+      </p:sp>
+      <p:sp>
+        <p:nvSpPr>
+          <p:cNvPr id="30" name="TextBox 29">
+            <a:extLst>
+              <a:ext uri="{FF2B5EF4-FFF2-40B4-BE49-F238E27FC236}">
+                <a16:creationId xmlns:a16="http://schemas.microsoft.com/office/drawing/2014/main" id="{0557EE11-E184-4DFA-B748-DA480AE2D197}"/>
+              </a:ext>
+            </a:extLst>
+          </p:cNvPr>
+          <p:cNvSpPr txBox="1"/>
+          <p:nvPr/>
+        </p:nvSpPr>
+        <p:spPr>
+          <a:xfrm>
+            <a:off x="872052" y="5357487"/>
+            <a:ext cx="1973785" cy="646331"/>
+          </a:xfrm>
+          <a:prstGeom prst="rect">
+            <a:avLst/>
+          </a:prstGeom>
+          <a:noFill/>
+        </p:spPr>
+        <p:txBody>
+          <a:bodyPr wrap="square" rtlCol="0">
+            <a:spAutoFit/>
+          </a:bodyPr>
+          <a:lstStyle/>
+          <a:p>
+            <a:r>
+              <a:rPr lang="es-VE" sz="1200" b="1" dirty="0">
+                <a:solidFill>
+                  <a:srgbClr val="2B2B2B"/>
+                </a:solidFill>
+                <a:latin typeface="Raleway" panose="020B0604020202020204" charset="0"/>
+              </a:rPr>
+              <a:t>No existe directamente. Hay que hacer una función</a:t>
+            </a:r>
+            <a:endParaRPr lang="en-US" sz="1200" b="1" dirty="0">
+              <a:solidFill>
+                <a:srgbClr val="2B2B2B"/>
+              </a:solidFill>
+              <a:latin typeface="Raleway" panose="020B0604020202020204" charset="0"/>
+            </a:endParaRPr>
+          </a:p>
+        </p:txBody>
+      </p:sp>
     </p:spTree>
     <p:extLst>
       <p:ext uri="{BB962C8B-B14F-4D97-AF65-F5344CB8AC3E}">
-        <p14:creationId xmlns:p14="http://schemas.microsoft.com/office/powerpoint/2010/main" val="2338743200"/>
+        <p14:creationId xmlns:p14="http://schemas.microsoft.com/office/powerpoint/2010/main" val="140111797"/>
       </p:ext>
     </p:extLst>
   </p:cSld>
@@ -17135,8 +19257,8 @@
         </p:nvSpPr>
         <p:spPr>
           <a:xfrm>
-            <a:off x="3023850" y="674175"/>
-            <a:ext cx="3096300" cy="646200"/>
+            <a:off x="1828796" y="674175"/>
+            <a:ext cx="4279769" cy="646200"/>
           </a:xfrm>
           <a:prstGeom prst="rect">
             <a:avLst/>
@@ -17152,15 +19274,11 @@
           </a:bodyPr>
           <a:lstStyle/>
           <a:p>
-            <a:pPr marL="0" marR="0" lvl="0" indent="0" algn="l" rtl="0">
-              <a:spcBef>
-                <a:spcPts val="0"/>
-              </a:spcBef>
+            <a:pPr algn="ctr">
               <a:buSzPct val="25000"/>
-              <a:buNone/>
             </a:pPr>
             <a:r>
-              <a:rPr lang="es-GT" sz="3600" b="0" i="0" u="none" strike="noStrike" cap="none" dirty="0">
+              <a:rPr lang="es-GT" sz="3600" dirty="0">
                 <a:solidFill>
                   <a:srgbClr val="F7B600"/>
                 </a:solidFill>
@@ -17236,8 +19354,8 @@
         </p:nvSpPr>
         <p:spPr>
           <a:xfrm flipH="1">
-            <a:off x="0" y="5753658"/>
-            <a:ext cx="9144000" cy="307777"/>
+            <a:off x="127258" y="4938943"/>
+            <a:ext cx="8909904" cy="307777"/>
           </a:xfrm>
           <a:prstGeom prst="rect">
             <a:avLst/>
@@ -17259,7 +19377,7 @@
                 </a:solidFill>
                 <a:latin typeface="Raleway" panose="020B0604020202020204" charset="0"/>
               </a:rPr>
-              <a:t>Comandos:</a:t>
+              <a:t>Comandos en diferentes tecnologías:</a:t>
             </a:r>
           </a:p>
         </p:txBody>
@@ -17320,8 +19438,8 @@
         </p:nvSpPr>
         <p:spPr>
           <a:xfrm>
-            <a:off x="9427" y="6061435"/>
-            <a:ext cx="9134573" cy="796565"/>
+            <a:off x="131780" y="5246721"/>
+            <a:ext cx="8891244" cy="1531152"/>
           </a:xfrm>
           <a:prstGeom prst="rect">
             <a:avLst/>
@@ -17373,7 +19491,7 @@
         <p:spPr>
           <a:xfrm>
             <a:off x="146451" y="2003808"/>
-            <a:ext cx="3739143" cy="3492372"/>
+            <a:ext cx="3739143" cy="2794435"/>
           </a:xfrm>
           <a:prstGeom prst="rect">
             <a:avLst/>
@@ -17425,7 +19543,7 @@
         <p:spPr>
           <a:xfrm>
             <a:off x="4111660" y="2003808"/>
-            <a:ext cx="4911363" cy="3492372"/>
+            <a:ext cx="4911363" cy="2832143"/>
           </a:xfrm>
           <a:prstGeom prst="rect">
             <a:avLst/>
@@ -17464,46 +19582,6 @@
       </p:sp>
       <p:sp>
         <p:nvSpPr>
-          <p:cNvPr id="5" name="TextBox 4">
-            <a:extLst>
-              <a:ext uri="{FF2B5EF4-FFF2-40B4-BE49-F238E27FC236}">
-                <a16:creationId xmlns:a16="http://schemas.microsoft.com/office/drawing/2014/main" id="{2CE93F73-A7A8-4258-B4DD-B5F33AB5F72A}"/>
-              </a:ext>
-            </a:extLst>
-          </p:cNvPr>
-          <p:cNvSpPr txBox="1"/>
-          <p:nvPr/>
-        </p:nvSpPr>
-        <p:spPr>
-          <a:xfrm>
-            <a:off x="917691" y="6269213"/>
-            <a:ext cx="1775011" cy="307777"/>
-          </a:xfrm>
-          <a:prstGeom prst="rect">
-            <a:avLst/>
-          </a:prstGeom>
-          <a:noFill/>
-        </p:spPr>
-        <p:txBody>
-          <a:bodyPr wrap="square" rtlCol="0">
-            <a:spAutoFit/>
-          </a:bodyPr>
-          <a:lstStyle/>
-          <a:p>
-            <a:r>
-              <a:rPr lang="es-VE" dirty="0">
-                <a:latin typeface="Raleway" panose="020B0604020202020204" charset="0"/>
-              </a:rPr>
-              <a:t>MIN()</a:t>
-            </a:r>
-            <a:endParaRPr lang="en-US" dirty="0">
-              <a:latin typeface="Raleway" panose="020B0604020202020204" charset="0"/>
-            </a:endParaRPr>
-          </a:p>
-        </p:txBody>
-      </p:sp>
-      <p:sp>
-        <p:nvSpPr>
           <p:cNvPr id="13" name="TextBox 12">
             <a:extLst>
               <a:ext uri="{FF2B5EF4-FFF2-40B4-BE49-F238E27FC236}">
@@ -17516,7 +19594,7 @@
         </p:nvSpPr>
         <p:spPr>
           <a:xfrm>
-            <a:off x="229439" y="4397399"/>
+            <a:off x="238088" y="3508766"/>
             <a:ext cx="3851785" cy="523220"/>
           </a:xfrm>
           <a:prstGeom prst="rect">
@@ -17531,7 +19609,7 @@
           <a:lstStyle/>
           <a:p>
             <a:r>
-              <a:rPr lang="es-VE" dirty="0">
+              <a:rPr lang="es-VE" b="1" dirty="0">
                 <a:latin typeface="Raleway" panose="020B0604020202020204" charset="0"/>
               </a:rPr>
               <a:t>En la práctica se usa para:</a:t>
@@ -17539,16 +19617,10 @@
           </a:p>
           <a:p>
             <a:r>
-              <a:rPr lang="es-VE" dirty="0" err="1">
-                <a:latin typeface="Raleway" panose="020B0604020202020204" charset="0"/>
-              </a:rPr>
-              <a:t>xxxx</a:t>
-            </a:r>
-            <a:r>
               <a:rPr lang="es-VE" dirty="0">
                 <a:latin typeface="Raleway" panose="020B0604020202020204" charset="0"/>
               </a:rPr>
-              <a:t> </a:t>
+              <a:t>El valor más común </a:t>
             </a:r>
             <a:endParaRPr lang="en-US" dirty="0">
               <a:latin typeface="Raleway" panose="020B0604020202020204" charset="0"/>
@@ -17570,7 +19642,7 @@
         </p:nvSpPr>
         <p:spPr>
           <a:xfrm>
-            <a:off x="216301" y="5061156"/>
+            <a:off x="259875" y="4323820"/>
             <a:ext cx="3851785" cy="307777"/>
           </a:xfrm>
           <a:prstGeom prst="rect">
@@ -17611,7 +19683,7 @@
         <p:spPr>
           <a:xfrm>
             <a:off x="372517" y="2188335"/>
-            <a:ext cx="3851785" cy="307777"/>
+            <a:ext cx="3365211" cy="954107"/>
           </a:xfrm>
           <a:prstGeom prst="rect">
             <a:avLst/>
@@ -17624,11 +19696,12 @@
           </a:bodyPr>
           <a:lstStyle/>
           <a:p>
+            <a:pPr algn="just"/>
             <a:r>
-              <a:rPr lang="es-VE" dirty="0">
+              <a:rPr lang="es-ES" dirty="0">
                 <a:latin typeface="Raleway" panose="020B0604020202020204" charset="0"/>
               </a:rPr>
-              <a:t>XLSLM KKNSKM ;M</a:t>
+              <a:t>La MODA es el valor que mayor frecuencia absoluta tiene en un estudio estadístico, o sea el que se repite más.</a:t>
             </a:r>
             <a:endParaRPr lang="en-US" dirty="0">
               <a:latin typeface="Raleway" panose="020B0604020202020204" charset="0"/>
@@ -17650,7 +19723,7 @@
         </p:nvCxnSpPr>
         <p:spPr>
           <a:xfrm>
-            <a:off x="159295" y="4363172"/>
+            <a:off x="177025" y="3378071"/>
             <a:ext cx="3708569" cy="0"/>
           </a:xfrm>
           <a:prstGeom prst="line">
@@ -17692,7 +19765,7 @@
         </p:nvCxnSpPr>
         <p:spPr>
           <a:xfrm>
-            <a:off x="150327" y="4999672"/>
+            <a:off x="177024" y="4245526"/>
             <a:ext cx="3708569" cy="0"/>
           </a:xfrm>
           <a:prstGeom prst="line">
@@ -17735,7 +19808,7 @@
         <p:spPr>
           <a:xfrm>
             <a:off x="4359062" y="2131144"/>
-            <a:ext cx="4447539" cy="2246769"/>
+            <a:ext cx="4447539" cy="2677656"/>
           </a:xfrm>
           <a:prstGeom prst="rect">
             <a:avLst/>
@@ -17756,7 +19829,7 @@
               <a:rPr lang="es-VE" dirty="0">
                 <a:latin typeface="Raleway" panose="020B0604020202020204" charset="0"/>
               </a:rPr>
-              <a:t>En la práctica se usa para:</a:t>
+              <a:t>Contar cuantas veces se repite cada valor. Esto definirá la frecuencia del valor. </a:t>
             </a:r>
           </a:p>
           <a:p>
@@ -17765,133 +19838,66 @@
               <a:buAutoNum type="arabicPeriod"/>
             </a:pPr>
             <a:r>
-              <a:rPr lang="es-VE" dirty="0" err="1">
+              <a:rPr lang="es-VE" dirty="0">
                 <a:latin typeface="Raleway" panose="020B0604020202020204" charset="0"/>
               </a:rPr>
-              <a:t>xxxx</a:t>
+              <a:t>Revisar cual es la frecuencia con mayor valor. </a:t>
+            </a:r>
+          </a:p>
+          <a:p>
+            <a:pPr marL="342900" indent="-342900">
+              <a:buFont typeface="+mj-lt"/>
+              <a:buAutoNum type="arabicPeriod"/>
+            </a:pPr>
+            <a:r>
+              <a:rPr lang="es-VE" dirty="0">
+                <a:latin typeface="Raleway" panose="020B0604020202020204" charset="0"/>
+              </a:rPr>
+              <a:t>La moda será el elemento que posea esa frecuencia mayor. </a:t>
+            </a:r>
+          </a:p>
+          <a:p>
+            <a:pPr marL="342900" indent="-342900">
+              <a:buFont typeface="+mj-lt"/>
+              <a:buAutoNum type="arabicPeriod"/>
+            </a:pPr>
+            <a:endParaRPr lang="es-VE" dirty="0">
+              <a:latin typeface="Raleway" panose="020B0604020202020204" charset="0"/>
+            </a:endParaRPr>
+          </a:p>
+          <a:p>
+            <a:pPr marL="342900" indent="-342900">
+              <a:buFont typeface="+mj-lt"/>
+              <a:buAutoNum type="arabicPeriod"/>
+            </a:pPr>
+            <a:endParaRPr lang="es-VE" dirty="0">
+              <a:latin typeface="Raleway" panose="020B0604020202020204" charset="0"/>
+            </a:endParaRPr>
+          </a:p>
+          <a:p>
+            <a:r>
+              <a:rPr lang="es-VE" b="1" dirty="0">
+                <a:latin typeface="Raleway" panose="020B0604020202020204" charset="0"/>
+              </a:rPr>
+              <a:t>NOTA</a:t>
             </a:r>
             <a:r>
               <a:rPr lang="es-VE" dirty="0">
                 <a:latin typeface="Raleway" panose="020B0604020202020204" charset="0"/>
               </a:rPr>
-              <a:t> </a:t>
+              <a:t>: Puede pasar que más de un elemento tengan la frecuencia más alta, en ese caso todos los elementos son la moda y puede ser bimodal (si 2 elementos tienen la frecuencia más alta), </a:t>
             </a:r>
-          </a:p>
-          <a:p>
-            <a:pPr marL="342900" indent="-342900">
-              <a:buFont typeface="+mj-lt"/>
-              <a:buAutoNum type="arabicPeriod"/>
-            </a:pPr>
             <a:r>
               <a:rPr lang="es-VE" dirty="0" err="1">
                 <a:latin typeface="Raleway" panose="020B0604020202020204" charset="0"/>
               </a:rPr>
-              <a:t>Fdddf</a:t>
+              <a:t>trimodal</a:t>
             </a:r>
-            <a:endParaRPr lang="es-VE" dirty="0">
-              <a:latin typeface="Raleway" panose="020B0604020202020204" charset="0"/>
-            </a:endParaRPr>
-          </a:p>
-          <a:p>
-            <a:pPr marL="342900" indent="-342900">
-              <a:buFont typeface="+mj-lt"/>
-              <a:buAutoNum type="arabicPeriod"/>
-            </a:pPr>
             <a:r>
-              <a:rPr lang="es-VE" dirty="0" err="1">
+              <a:rPr lang="es-VE" dirty="0">
                 <a:latin typeface="Raleway" panose="020B0604020202020204" charset="0"/>
               </a:rPr>
-              <a:t>Fdfd</a:t>
-            </a:r>
-            <a:endParaRPr lang="es-VE" dirty="0">
-              <a:latin typeface="Raleway" panose="020B0604020202020204" charset="0"/>
-            </a:endParaRPr>
-          </a:p>
-          <a:p>
-            <a:pPr marL="342900" indent="-342900">
-              <a:buFont typeface="+mj-lt"/>
-              <a:buAutoNum type="arabicPeriod"/>
-            </a:pPr>
-            <a:r>
-              <a:rPr lang="es-VE" dirty="0" err="1">
-                <a:latin typeface="Raleway" panose="020B0604020202020204" charset="0"/>
-              </a:rPr>
-              <a:t>Fdfd</a:t>
-            </a:r>
-            <a:endParaRPr lang="es-VE" dirty="0">
-              <a:latin typeface="Raleway" panose="020B0604020202020204" charset="0"/>
-            </a:endParaRPr>
-          </a:p>
-          <a:p>
-            <a:pPr marL="342900" indent="-342900">
-              <a:buFont typeface="+mj-lt"/>
-              <a:buAutoNum type="arabicPeriod"/>
-            </a:pPr>
-            <a:r>
-              <a:rPr lang="es-VE" dirty="0" err="1">
-                <a:latin typeface="Raleway" panose="020B0604020202020204" charset="0"/>
-              </a:rPr>
-              <a:t>Dfdffd</a:t>
-            </a:r>
-            <a:endParaRPr lang="es-VE" dirty="0">
-              <a:latin typeface="Raleway" panose="020B0604020202020204" charset="0"/>
-            </a:endParaRPr>
-          </a:p>
-          <a:p>
-            <a:pPr marL="342900" indent="-342900">
-              <a:buFont typeface="+mj-lt"/>
-              <a:buAutoNum type="arabicPeriod"/>
-            </a:pPr>
-            <a:r>
-              <a:rPr lang="es-VE" dirty="0" err="1">
-                <a:latin typeface="Raleway" panose="020B0604020202020204" charset="0"/>
-              </a:rPr>
-              <a:t>Sddsds</a:t>
-            </a:r>
-            <a:endParaRPr lang="es-VE" dirty="0">
-              <a:latin typeface="Raleway" panose="020B0604020202020204" charset="0"/>
-            </a:endParaRPr>
-          </a:p>
-          <a:p>
-            <a:pPr marL="342900" indent="-342900">
-              <a:buFont typeface="+mj-lt"/>
-              <a:buAutoNum type="arabicPeriod"/>
-            </a:pPr>
-            <a:r>
-              <a:rPr lang="es-VE" dirty="0" err="1">
-                <a:latin typeface="Raleway" panose="020B0604020202020204" charset="0"/>
-              </a:rPr>
-              <a:t>Dssdds</a:t>
-            </a:r>
-            <a:endParaRPr lang="es-VE" dirty="0">
-              <a:latin typeface="Raleway" panose="020B0604020202020204" charset="0"/>
-            </a:endParaRPr>
-          </a:p>
-          <a:p>
-            <a:pPr marL="342900" indent="-342900">
-              <a:buFont typeface="+mj-lt"/>
-              <a:buAutoNum type="arabicPeriod"/>
-            </a:pPr>
-            <a:r>
-              <a:rPr lang="es-VE" dirty="0" err="1">
-                <a:latin typeface="Raleway" panose="020B0604020202020204" charset="0"/>
-              </a:rPr>
-              <a:t>Sdsddsds</a:t>
-            </a:r>
-            <a:endParaRPr lang="es-VE" dirty="0">
-              <a:latin typeface="Raleway" panose="020B0604020202020204" charset="0"/>
-            </a:endParaRPr>
-          </a:p>
-          <a:p>
-            <a:pPr marL="342900" indent="-342900">
-              <a:buFont typeface="+mj-lt"/>
-              <a:buAutoNum type="arabicPeriod"/>
-            </a:pPr>
-            <a:r>
-              <a:rPr lang="es-VE" dirty="0" err="1">
-                <a:latin typeface="Raleway" panose="020B0604020202020204" charset="0"/>
-              </a:rPr>
-              <a:t>dsdsdsds</a:t>
+              <a:t> (si 3 elementos tienen la frecuencia más alta), etc. </a:t>
             </a:r>
             <a:endParaRPr lang="en-US" dirty="0">
               <a:latin typeface="Raleway" panose="020B0604020202020204" charset="0"/>
@@ -17899,10 +19905,504 @@
           </a:p>
         </p:txBody>
       </p:sp>
+      <p:pic>
+        <p:nvPicPr>
+          <p:cNvPr id="9" name="Picture 8" descr="A close up of a logo&#10;&#10;Description generated with high confidence">
+            <a:extLst>
+              <a:ext uri="{FF2B5EF4-FFF2-40B4-BE49-F238E27FC236}">
+                <a16:creationId xmlns:a16="http://schemas.microsoft.com/office/drawing/2014/main" id="{D76E1C09-9D33-45B9-A42D-E38DF5BFC8E1}"/>
+              </a:ext>
+            </a:extLst>
+          </p:cNvPr>
+          <p:cNvPicPr>
+            <a:picLocks noChangeAspect="1"/>
+          </p:cNvPicPr>
+          <p:nvPr/>
+        </p:nvPicPr>
+        <p:blipFill>
+          <a:blip r:embed="rId4"/>
+          <a:stretch>
+            <a:fillRect/>
+          </a:stretch>
+        </p:blipFill>
+        <p:spPr>
+          <a:xfrm>
+            <a:off x="1906369" y="4368596"/>
+            <a:ext cx="1000142" cy="205637"/>
+          </a:xfrm>
+          <a:prstGeom prst="rect">
+            <a:avLst/>
+          </a:prstGeom>
+        </p:spPr>
+      </p:pic>
+      <p:pic>
+        <p:nvPicPr>
+          <p:cNvPr id="16" name="Picture 15" descr="A close up of a sign&#10;&#10;Description generated with high confidence">
+            <a:extLst>
+              <a:ext uri="{FF2B5EF4-FFF2-40B4-BE49-F238E27FC236}">
+                <a16:creationId xmlns:a16="http://schemas.microsoft.com/office/drawing/2014/main" id="{40EDB379-786D-43FC-A6A9-613CB9504700}"/>
+              </a:ext>
+            </a:extLst>
+          </p:cNvPr>
+          <p:cNvPicPr>
+            <a:picLocks noChangeAspect="1"/>
+          </p:cNvPicPr>
+          <p:nvPr/>
+        </p:nvPicPr>
+        <p:blipFill>
+          <a:blip r:embed="rId5"/>
+          <a:stretch>
+            <a:fillRect/>
+          </a:stretch>
+        </p:blipFill>
+        <p:spPr>
+          <a:xfrm>
+            <a:off x="342500" y="5404749"/>
+            <a:ext cx="612741" cy="612741"/>
+          </a:xfrm>
+          <a:prstGeom prst="rect">
+            <a:avLst/>
+          </a:prstGeom>
+        </p:spPr>
+      </p:pic>
+      <p:pic>
+        <p:nvPicPr>
+          <p:cNvPr id="18" name="Picture 17" descr="A close up of a sign&#10;&#10;Description generated with very high confidence">
+            <a:extLst>
+              <a:ext uri="{FF2B5EF4-FFF2-40B4-BE49-F238E27FC236}">
+                <a16:creationId xmlns:a16="http://schemas.microsoft.com/office/drawing/2014/main" id="{F68448EE-6FDB-4F8D-880B-0F7C23724EA9}"/>
+              </a:ext>
+            </a:extLst>
+          </p:cNvPr>
+          <p:cNvPicPr>
+            <a:picLocks noChangeAspect="1"/>
+          </p:cNvPicPr>
+          <p:nvPr/>
+        </p:nvPicPr>
+        <p:blipFill>
+          <a:blip r:embed="rId6"/>
+          <a:stretch>
+            <a:fillRect/>
+          </a:stretch>
+        </p:blipFill>
+        <p:spPr>
+          <a:xfrm>
+            <a:off x="4570232" y="6276471"/>
+            <a:ext cx="438478" cy="438478"/>
+          </a:xfrm>
+          <a:prstGeom prst="rect">
+            <a:avLst/>
+          </a:prstGeom>
+        </p:spPr>
+      </p:pic>
+      <p:pic>
+        <p:nvPicPr>
+          <p:cNvPr id="22" name="Picture 21">
+            <a:extLst>
+              <a:ext uri="{FF2B5EF4-FFF2-40B4-BE49-F238E27FC236}">
+                <a16:creationId xmlns:a16="http://schemas.microsoft.com/office/drawing/2014/main" id="{939AE214-C454-4CA4-8E97-93D86FDA17D5}"/>
+              </a:ext>
+            </a:extLst>
+          </p:cNvPr>
+          <p:cNvPicPr>
+            <a:picLocks noChangeAspect="1"/>
+          </p:cNvPicPr>
+          <p:nvPr/>
+        </p:nvPicPr>
+        <p:blipFill>
+          <a:blip r:embed="rId7"/>
+          <a:stretch>
+            <a:fillRect/>
+          </a:stretch>
+        </p:blipFill>
+        <p:spPr>
+          <a:xfrm>
+            <a:off x="1286601" y="6178325"/>
+            <a:ext cx="693394" cy="468041"/>
+          </a:xfrm>
+          <a:prstGeom prst="rect">
+            <a:avLst/>
+          </a:prstGeom>
+        </p:spPr>
+      </p:pic>
+      <p:pic>
+        <p:nvPicPr>
+          <p:cNvPr id="24" name="Picture 23">
+            <a:extLst>
+              <a:ext uri="{FF2B5EF4-FFF2-40B4-BE49-F238E27FC236}">
+                <a16:creationId xmlns:a16="http://schemas.microsoft.com/office/drawing/2014/main" id="{EB951EBB-32B0-4EF8-A01E-218887E29A1C}"/>
+              </a:ext>
+            </a:extLst>
+          </p:cNvPr>
+          <p:cNvPicPr>
+            <a:picLocks noChangeAspect="1"/>
+          </p:cNvPicPr>
+          <p:nvPr/>
+        </p:nvPicPr>
+        <p:blipFill>
+          <a:blip r:embed="rId8"/>
+          <a:stretch>
+            <a:fillRect/>
+          </a:stretch>
+        </p:blipFill>
+        <p:spPr>
+          <a:xfrm>
+            <a:off x="2812504" y="5358291"/>
+            <a:ext cx="721916" cy="721916"/>
+          </a:xfrm>
+          <a:prstGeom prst="rect">
+            <a:avLst/>
+          </a:prstGeom>
+        </p:spPr>
+      </p:pic>
+      <p:pic>
+        <p:nvPicPr>
+          <p:cNvPr id="26" name="Picture 25">
+            <a:extLst>
+              <a:ext uri="{FF2B5EF4-FFF2-40B4-BE49-F238E27FC236}">
+                <a16:creationId xmlns:a16="http://schemas.microsoft.com/office/drawing/2014/main" id="{C3607B00-44CB-47AE-A403-16894437277A}"/>
+              </a:ext>
+            </a:extLst>
+          </p:cNvPr>
+          <p:cNvPicPr>
+            <a:picLocks noChangeAspect="1"/>
+          </p:cNvPicPr>
+          <p:nvPr/>
+        </p:nvPicPr>
+        <p:blipFill>
+          <a:blip r:embed="rId9"/>
+          <a:stretch>
+            <a:fillRect/>
+          </a:stretch>
+        </p:blipFill>
+        <p:spPr>
+          <a:xfrm>
+            <a:off x="5574991" y="5585136"/>
+            <a:ext cx="1603015" cy="336274"/>
+          </a:xfrm>
+          <a:prstGeom prst="rect">
+            <a:avLst/>
+          </a:prstGeom>
+        </p:spPr>
+      </p:pic>
+      <p:sp>
+        <p:nvSpPr>
+          <p:cNvPr id="32" name="TextBox 31">
+            <a:extLst>
+              <a:ext uri="{FF2B5EF4-FFF2-40B4-BE49-F238E27FC236}">
+                <a16:creationId xmlns:a16="http://schemas.microsoft.com/office/drawing/2014/main" id="{57FACAED-A4E7-475B-AA16-29F94B38858A}"/>
+              </a:ext>
+            </a:extLst>
+          </p:cNvPr>
+          <p:cNvSpPr txBox="1"/>
+          <p:nvPr/>
+        </p:nvSpPr>
+        <p:spPr>
+          <a:xfrm>
+            <a:off x="5301343" y="6338589"/>
+            <a:ext cx="1775011" cy="307777"/>
+          </a:xfrm>
+          <a:prstGeom prst="rect">
+            <a:avLst/>
+          </a:prstGeom>
+          <a:noFill/>
+        </p:spPr>
+        <p:txBody>
+          <a:bodyPr wrap="square" rtlCol="0">
+            <a:spAutoFit/>
+          </a:bodyPr>
+          <a:lstStyle/>
+          <a:p>
+            <a:r>
+              <a:rPr lang="es-VE" b="1" dirty="0">
+                <a:solidFill>
+                  <a:srgbClr val="2B2B2B"/>
+                </a:solidFill>
+                <a:latin typeface="Raleway" panose="020B0604020202020204" charset="0"/>
+              </a:rPr>
+              <a:t>MODA - Función</a:t>
+            </a:r>
+            <a:endParaRPr lang="en-US" b="1" dirty="0">
+              <a:solidFill>
+                <a:srgbClr val="2B2B2B"/>
+              </a:solidFill>
+              <a:latin typeface="Raleway" panose="020B0604020202020204" charset="0"/>
+            </a:endParaRPr>
+          </a:p>
+        </p:txBody>
+      </p:sp>
+      <p:sp>
+        <p:nvSpPr>
+          <p:cNvPr id="34" name="TextBox 33">
+            <a:extLst>
+              <a:ext uri="{FF2B5EF4-FFF2-40B4-BE49-F238E27FC236}">
+                <a16:creationId xmlns:a16="http://schemas.microsoft.com/office/drawing/2014/main" id="{7C028F36-0D23-43A8-B3D2-A2975DB42C8F}"/>
+              </a:ext>
+            </a:extLst>
+          </p:cNvPr>
+          <p:cNvSpPr txBox="1"/>
+          <p:nvPr/>
+        </p:nvSpPr>
+        <p:spPr>
+          <a:xfrm>
+            <a:off x="872052" y="5357487"/>
+            <a:ext cx="1973785" cy="646331"/>
+          </a:xfrm>
+          <a:prstGeom prst="rect">
+            <a:avLst/>
+          </a:prstGeom>
+          <a:noFill/>
+        </p:spPr>
+        <p:txBody>
+          <a:bodyPr wrap="square" rtlCol="0">
+            <a:spAutoFit/>
+          </a:bodyPr>
+          <a:lstStyle/>
+          <a:p>
+            <a:r>
+              <a:rPr lang="es-VE" sz="1200" b="1" dirty="0">
+                <a:solidFill>
+                  <a:srgbClr val="2B2B2B"/>
+                </a:solidFill>
+                <a:latin typeface="Raleway" panose="020B0604020202020204" charset="0"/>
+              </a:rPr>
+              <a:t>No existe directamente. Hay que hacer una función</a:t>
+            </a:r>
+            <a:endParaRPr lang="en-US" sz="1200" b="1" dirty="0">
+              <a:solidFill>
+                <a:srgbClr val="2B2B2B"/>
+              </a:solidFill>
+              <a:latin typeface="Raleway" panose="020B0604020202020204" charset="0"/>
+            </a:endParaRPr>
+          </a:p>
+        </p:txBody>
+      </p:sp>
+      <p:sp>
+        <p:nvSpPr>
+          <p:cNvPr id="35" name="TextBox 34">
+            <a:extLst>
+              <a:ext uri="{FF2B5EF4-FFF2-40B4-BE49-F238E27FC236}">
+                <a16:creationId xmlns:a16="http://schemas.microsoft.com/office/drawing/2014/main" id="{9210DF7C-FDFB-4568-9209-2B1D0C51CA27}"/>
+              </a:ext>
+            </a:extLst>
+          </p:cNvPr>
+          <p:cNvSpPr txBox="1"/>
+          <p:nvPr/>
+        </p:nvSpPr>
+        <p:spPr>
+          <a:xfrm>
+            <a:off x="7095206" y="5498503"/>
+            <a:ext cx="1940509" cy="523220"/>
+          </a:xfrm>
+          <a:prstGeom prst="rect">
+            <a:avLst/>
+          </a:prstGeom>
+          <a:noFill/>
+        </p:spPr>
+        <p:txBody>
+          <a:bodyPr wrap="square" rtlCol="0">
+            <a:spAutoFit/>
+          </a:bodyPr>
+          <a:lstStyle/>
+          <a:p>
+            <a:r>
+              <a:rPr lang="es-VE" b="1" dirty="0">
+                <a:solidFill>
+                  <a:srgbClr val="2B2B2B"/>
+                </a:solidFill>
+                <a:latin typeface="Raleway" panose="020B0604020202020204" charset="0"/>
+              </a:rPr>
+              <a:t>No existe directamente. </a:t>
+            </a:r>
+            <a:endParaRPr lang="en-US" b="1" dirty="0">
+              <a:solidFill>
+                <a:srgbClr val="2B2B2B"/>
+              </a:solidFill>
+              <a:latin typeface="Raleway" panose="020B0604020202020204" charset="0"/>
+            </a:endParaRPr>
+          </a:p>
+        </p:txBody>
+      </p:sp>
+      <p:pic>
+        <p:nvPicPr>
+          <p:cNvPr id="28" name="Picture 27" descr="A close up of a building&#10;&#10;Description generated with high confidence">
+            <a:extLst>
+              <a:ext uri="{FF2B5EF4-FFF2-40B4-BE49-F238E27FC236}">
+                <a16:creationId xmlns:a16="http://schemas.microsoft.com/office/drawing/2014/main" id="{F87293C4-157F-4E54-99D4-0E0972FD838F}"/>
+              </a:ext>
+            </a:extLst>
+          </p:cNvPr>
+          <p:cNvPicPr>
+            <a:picLocks noChangeAspect="1"/>
+          </p:cNvPicPr>
+          <p:nvPr/>
+        </p:nvPicPr>
+        <p:blipFill>
+          <a:blip r:embed="rId10"/>
+          <a:stretch>
+            <a:fillRect/>
+          </a:stretch>
+        </p:blipFill>
+        <p:spPr>
+          <a:xfrm>
+            <a:off x="1915060" y="4369762"/>
+            <a:ext cx="978374" cy="201161"/>
+          </a:xfrm>
+          <a:prstGeom prst="rect">
+            <a:avLst/>
+          </a:prstGeom>
+        </p:spPr>
+      </p:pic>
+      <p:sp>
+        <p:nvSpPr>
+          <p:cNvPr id="29" name="TextBox 28">
+            <a:extLst>
+              <a:ext uri="{FF2B5EF4-FFF2-40B4-BE49-F238E27FC236}">
+                <a16:creationId xmlns:a16="http://schemas.microsoft.com/office/drawing/2014/main" id="{0B6EC756-FBA3-46F3-A8A5-E83E08C77186}"/>
+              </a:ext>
+            </a:extLst>
+          </p:cNvPr>
+          <p:cNvSpPr txBox="1"/>
+          <p:nvPr/>
+        </p:nvSpPr>
+        <p:spPr>
+          <a:xfrm>
+            <a:off x="3529134" y="5491304"/>
+            <a:ext cx="1973785" cy="461665"/>
+          </a:xfrm>
+          <a:prstGeom prst="rect">
+            <a:avLst/>
+          </a:prstGeom>
+          <a:noFill/>
+        </p:spPr>
+        <p:txBody>
+          <a:bodyPr wrap="square" rtlCol="0">
+            <a:spAutoFit/>
+          </a:bodyPr>
+          <a:lstStyle/>
+          <a:p>
+            <a:r>
+              <a:rPr lang="es-VE" sz="1200" b="1" dirty="0" err="1">
+                <a:solidFill>
+                  <a:srgbClr val="2B2B2B"/>
+                </a:solidFill>
+                <a:latin typeface="Raleway" panose="020B0604020202020204" charset="0"/>
+              </a:rPr>
+              <a:t>Mode</a:t>
+            </a:r>
+            <a:r>
+              <a:rPr lang="es-VE" sz="1200" b="1" dirty="0">
+                <a:solidFill>
+                  <a:srgbClr val="2B2B2B"/>
+                </a:solidFill>
+                <a:latin typeface="Raleway" panose="020B0604020202020204" charset="0"/>
+              </a:rPr>
+              <a:t> en librería </a:t>
+            </a:r>
+            <a:r>
+              <a:rPr lang="es-VE" sz="1200" b="1" dirty="0" err="1">
+                <a:solidFill>
+                  <a:srgbClr val="2B2B2B"/>
+                </a:solidFill>
+                <a:latin typeface="Raleway" panose="020B0604020202020204" charset="0"/>
+              </a:rPr>
+              <a:t>modeest</a:t>
+            </a:r>
+            <a:r>
+              <a:rPr lang="es-VE" sz="1200" b="1" dirty="0">
+                <a:solidFill>
+                  <a:srgbClr val="2B2B2B"/>
+                </a:solidFill>
+                <a:latin typeface="Raleway" panose="020B0604020202020204" charset="0"/>
+              </a:rPr>
+              <a:t> - Función </a:t>
+            </a:r>
+            <a:endParaRPr lang="en-US" sz="1200" b="1" dirty="0">
+              <a:solidFill>
+                <a:srgbClr val="2B2B2B"/>
+              </a:solidFill>
+              <a:latin typeface="Raleway" panose="020B0604020202020204" charset="0"/>
+            </a:endParaRPr>
+          </a:p>
+        </p:txBody>
+      </p:sp>
+      <p:sp>
+        <p:nvSpPr>
+          <p:cNvPr id="30" name="TextBox 29">
+            <a:extLst>
+              <a:ext uri="{FF2B5EF4-FFF2-40B4-BE49-F238E27FC236}">
+                <a16:creationId xmlns:a16="http://schemas.microsoft.com/office/drawing/2014/main" id="{D873719C-CA75-47D4-9C95-CA039D295DF6}"/>
+              </a:ext>
+            </a:extLst>
+          </p:cNvPr>
+          <p:cNvSpPr txBox="1"/>
+          <p:nvPr/>
+        </p:nvSpPr>
+        <p:spPr>
+          <a:xfrm>
+            <a:off x="1969517" y="6237353"/>
+            <a:ext cx="2600716" cy="461665"/>
+          </a:xfrm>
+          <a:prstGeom prst="rect">
+            <a:avLst/>
+          </a:prstGeom>
+          <a:noFill/>
+        </p:spPr>
+        <p:txBody>
+          <a:bodyPr wrap="square" rtlCol="0">
+            <a:spAutoFit/>
+          </a:bodyPr>
+          <a:lstStyle/>
+          <a:p>
+            <a:r>
+              <a:rPr lang="es-VE" sz="1200" b="1" dirty="0" err="1">
+                <a:solidFill>
+                  <a:srgbClr val="2B2B2B"/>
+                </a:solidFill>
+                <a:latin typeface="Raleway" panose="020B0604020202020204" charset="0"/>
+              </a:rPr>
+              <a:t>mode</a:t>
+            </a:r>
+            <a:r>
+              <a:rPr lang="es-VE" sz="1200" b="1" dirty="0">
+                <a:solidFill>
+                  <a:srgbClr val="2B2B2B"/>
+                </a:solidFill>
+                <a:latin typeface="Raleway" panose="020B0604020202020204" charset="0"/>
+              </a:rPr>
+              <a:t> en librería </a:t>
+            </a:r>
+            <a:r>
+              <a:rPr lang="es-VE" sz="1200" b="1" dirty="0" err="1">
+                <a:solidFill>
+                  <a:srgbClr val="2B2B2B"/>
+                </a:solidFill>
+                <a:latin typeface="Raleway" panose="020B0604020202020204" charset="0"/>
+              </a:rPr>
+              <a:t>statistics</a:t>
+            </a:r>
+            <a:r>
+              <a:rPr lang="es-VE" sz="1200" b="1" dirty="0">
+                <a:solidFill>
+                  <a:srgbClr val="2B2B2B"/>
+                </a:solidFill>
+                <a:latin typeface="Raleway" panose="020B0604020202020204" charset="0"/>
+              </a:rPr>
+              <a:t> – Función o Método</a:t>
+            </a:r>
+            <a:endParaRPr lang="en-US" sz="1200" b="1" dirty="0">
+              <a:solidFill>
+                <a:srgbClr val="2B2B2B"/>
+              </a:solidFill>
+              <a:latin typeface="Raleway" panose="020B0604020202020204" charset="0"/>
+            </a:endParaRPr>
+          </a:p>
+        </p:txBody>
+      </p:sp>
     </p:spTree>
     <p:extLst>
       <p:ext uri="{BB962C8B-B14F-4D97-AF65-F5344CB8AC3E}">
-        <p14:creationId xmlns:p14="http://schemas.microsoft.com/office/powerpoint/2010/main" val="2882497629"/>
+        <p14:creationId xmlns:p14="http://schemas.microsoft.com/office/powerpoint/2010/main" val="4273330212"/>
       </p:ext>
     </p:extLst>
   </p:cSld>
